--- a/week6/week6_slides.pptx
+++ b/week6/week6_slides.pptx
@@ -6,10 +6,10 @@
     <p:sldMasterId id="2147483651" r:id="rId3"/>
   </p:sldMasterIdLst>
   <p:notesMasterIdLst>
-    <p:notesMasterId r:id="rId21"/>
+    <p:notesMasterId r:id="rId31"/>
   </p:notesMasterIdLst>
   <p:handoutMasterIdLst>
-    <p:handoutMasterId r:id="rId22"/>
+    <p:handoutMasterId r:id="rId32"/>
   </p:handoutMasterIdLst>
   <p:sldIdLst>
     <p:sldId id="256" r:id="rId4"/>
@@ -21,14 +21,24 @@
     <p:sldId id="443" r:id="rId10"/>
     <p:sldId id="534" r:id="rId11"/>
     <p:sldId id="539" r:id="rId12"/>
-    <p:sldId id="444" r:id="rId13"/>
-    <p:sldId id="535" r:id="rId14"/>
-    <p:sldId id="533" r:id="rId15"/>
-    <p:sldId id="536" r:id="rId16"/>
-    <p:sldId id="378" r:id="rId17"/>
-    <p:sldId id="537" r:id="rId18"/>
-    <p:sldId id="538" r:id="rId19"/>
-    <p:sldId id="289" r:id="rId20"/>
+    <p:sldId id="548" r:id="rId13"/>
+    <p:sldId id="549" r:id="rId14"/>
+    <p:sldId id="550" r:id="rId15"/>
+    <p:sldId id="551" r:id="rId16"/>
+    <p:sldId id="444" r:id="rId17"/>
+    <p:sldId id="535" r:id="rId18"/>
+    <p:sldId id="552" r:id="rId19"/>
+    <p:sldId id="553" r:id="rId20"/>
+    <p:sldId id="554" r:id="rId21"/>
+    <p:sldId id="555" r:id="rId22"/>
+    <p:sldId id="556" r:id="rId23"/>
+    <p:sldId id="557" r:id="rId24"/>
+    <p:sldId id="558" r:id="rId25"/>
+    <p:sldId id="378" r:id="rId26"/>
+    <p:sldId id="537" r:id="rId27"/>
+    <p:sldId id="559" r:id="rId28"/>
+    <p:sldId id="538" r:id="rId29"/>
+    <p:sldId id="289" r:id="rId30"/>
   </p:sldIdLst>
   <p:sldSz cx="12192000" cy="6858000"/>
   <p:notesSz cx="6858000" cy="9144000"/>
@@ -4918,6 +4928,1446 @@
       </p:grpSpPr>
       <p:sp>
         <p:nvSpPr>
+          <p:cNvPr id="15" name="任意多边形 14"/>
+          <p:cNvSpPr/>
+          <p:nvPr/>
+        </p:nvSpPr>
+        <p:spPr>
+          <a:xfrm>
+            <a:off x="0" y="274638"/>
+            <a:ext cx="890588" cy="639763"/>
+          </a:xfrm>
+          <a:custGeom>
+            <a:avLst/>
+            <a:gdLst>
+              <a:gd name="connsiteX0" fmla="*/ 0 w 1029743"/>
+              <a:gd name="connsiteY0" fmla="*/ 0 h 739718"/>
+              <a:gd name="connsiteX1" fmla="*/ 659884 w 1029743"/>
+              <a:gd name="connsiteY1" fmla="*/ 0 h 739718"/>
+              <a:gd name="connsiteX2" fmla="*/ 1029743 w 1029743"/>
+              <a:gd name="connsiteY2" fmla="*/ 369859 h 739718"/>
+              <a:gd name="connsiteX3" fmla="*/ 659884 w 1029743"/>
+              <a:gd name="connsiteY3" fmla="*/ 739718 h 739718"/>
+              <a:gd name="connsiteX4" fmla="*/ 0 w 1029743"/>
+              <a:gd name="connsiteY4" fmla="*/ 739718 h 739718"/>
+            </a:gdLst>
+            <a:ahLst/>
+            <a:cxnLst>
+              <a:cxn ang="0">
+                <a:pos x="connsiteX0" y="connsiteY0"/>
+              </a:cxn>
+              <a:cxn ang="0">
+                <a:pos x="connsiteX1" y="connsiteY1"/>
+              </a:cxn>
+              <a:cxn ang="0">
+                <a:pos x="connsiteX2" y="connsiteY2"/>
+              </a:cxn>
+              <a:cxn ang="0">
+                <a:pos x="connsiteX3" y="connsiteY3"/>
+              </a:cxn>
+              <a:cxn ang="0">
+                <a:pos x="connsiteX4" y="connsiteY4"/>
+              </a:cxn>
+            </a:cxnLst>
+            <a:rect l="l" t="t" r="r" b="b"/>
+            <a:pathLst>
+              <a:path w="1029743" h="739718">
+                <a:moveTo>
+                  <a:pt x="0" y="0"/>
+                </a:moveTo>
+                <a:lnTo>
+                  <a:pt x="659884" y="0"/>
+                </a:lnTo>
+                <a:cubicBezTo>
+                  <a:pt x="864151" y="0"/>
+                  <a:pt x="1029743" y="165592"/>
+                  <a:pt x="1029743" y="369859"/>
+                </a:cubicBezTo>
+                <a:cubicBezTo>
+                  <a:pt x="1029743" y="574126"/>
+                  <a:pt x="864151" y="739718"/>
+                  <a:pt x="659884" y="739718"/>
+                </a:cubicBezTo>
+                <a:lnTo>
+                  <a:pt x="0" y="739718"/>
+                </a:lnTo>
+                <a:close/>
+              </a:path>
+            </a:pathLst>
+          </a:custGeom>
+          <a:solidFill>
+            <a:srgbClr val="05B780"/>
+          </a:solidFill>
+          <a:ln>
+            <a:noFill/>
+          </a:ln>
+        </p:spPr>
+        <p:style>
+          <a:lnRef idx="2">
+            <a:schemeClr val="accent1">
+              <a:shade val="50000"/>
+            </a:schemeClr>
+          </a:lnRef>
+          <a:fillRef idx="1">
+            <a:schemeClr val="accent1"/>
+          </a:fillRef>
+          <a:effectRef idx="0">
+            <a:schemeClr val="accent1"/>
+          </a:effectRef>
+          <a:fontRef idx="minor">
+            <a:schemeClr val="lt1"/>
+          </a:fontRef>
+        </p:style>
+        <p:txBody>
+          <a:bodyPr anchor="ctr"/>
+          <a:lstStyle/>
+          <a:p>
+            <a:pPr marL="0" marR="0" lvl="0" indent="0" algn="ctr" defTabSz="914400" rtl="0" eaLnBrk="1" fontAlgn="auto" latinLnBrk="0" hangingPunct="1">
+              <a:lnSpc>
+                <a:spcPct val="100000"/>
+              </a:lnSpc>
+              <a:spcBef>
+                <a:spcPts val="0"/>
+              </a:spcBef>
+              <a:spcAft>
+                <a:spcPts val="0"/>
+              </a:spcAft>
+              <a:buClrTx/>
+              <a:buSzTx/>
+              <a:buFontTx/>
+              <a:buNone/>
+              <a:defRPr/>
+            </a:pPr>
+            <a:endParaRPr kumimoji="0" lang="zh-CN" altLang="en-US" sz="1800" b="0" i="0" u="none" strike="noStrike" kern="1200" cap="none" spc="0" normalizeH="0" baseline="0" noProof="0">
+              <a:ln>
+                <a:noFill/>
+              </a:ln>
+              <a:solidFill>
+                <a:schemeClr val="bg1"/>
+              </a:solidFill>
+              <a:effectLst/>
+              <a:uLnTx/>
+              <a:uFillTx/>
+              <a:latin typeface="+mn-lt"/>
+              <a:ea typeface="+mn-ea"/>
+              <a:cs typeface="+mn-cs"/>
+            </a:endParaRPr>
+          </a:p>
+        </p:txBody>
+      </p:sp>
+      <p:sp>
+        <p:nvSpPr>
+          <p:cNvPr id="7170" name="文本框 156"/>
+          <p:cNvSpPr txBox="1"/>
+          <p:nvPr/>
+        </p:nvSpPr>
+        <p:spPr>
+          <a:xfrm>
+            <a:off x="0" y="350838"/>
+            <a:ext cx="814388" cy="521970"/>
+          </a:xfrm>
+          <a:prstGeom prst="rect">
+            <a:avLst/>
+          </a:prstGeom>
+          <a:noFill/>
+          <a:ln w="9525">
+            <a:noFill/>
+          </a:ln>
+        </p:spPr>
+        <p:txBody>
+          <a:bodyPr anchor="t" anchorCtr="0">
+            <a:spAutoFit/>
+          </a:bodyPr>
+          <a:lstStyle/>
+          <a:p>
+            <a:pPr>
+              <a:buFont typeface="Arial" panose="020B0604020202020204" pitchFamily="34" charset="0"/>
+            </a:pPr>
+            <a:r>
+              <a:rPr lang="en-US" altLang="zh-CN" sz="2800" b="1" dirty="0">
+                <a:solidFill>
+                  <a:schemeClr val="bg1"/>
+                </a:solidFill>
+                <a:latin typeface="Microsoft YaHei" panose="020B0503020204020204" pitchFamily="34" charset="-122"/>
+                <a:ea typeface="Microsoft YaHei" panose="020B0503020204020204" pitchFamily="34" charset="-122"/>
+              </a:rPr>
+              <a:t>2.1</a:t>
+            </a:r>
+            <a:endParaRPr lang="en-US" altLang="zh-CN" sz="2800" b="1" dirty="0">
+              <a:solidFill>
+                <a:schemeClr val="bg1"/>
+              </a:solidFill>
+              <a:latin typeface="Microsoft YaHei" panose="020B0503020204020204" pitchFamily="34" charset="-122"/>
+              <a:ea typeface="Microsoft YaHei" panose="020B0503020204020204" pitchFamily="34" charset="-122"/>
+            </a:endParaRPr>
+          </a:p>
+        </p:txBody>
+      </p:sp>
+      <p:sp>
+        <p:nvSpPr>
+          <p:cNvPr id="16" name="Rectangle 6"/>
+          <p:cNvSpPr>
+            <a:spLocks noChangeArrowheads="1"/>
+          </p:cNvSpPr>
+          <p:nvPr/>
+        </p:nvSpPr>
+        <p:spPr bwMode="black">
+          <a:xfrm>
+            <a:off x="1021080" y="334010"/>
+            <a:ext cx="8777605" cy="521970"/>
+          </a:xfrm>
+          <a:prstGeom prst="rect">
+            <a:avLst/>
+          </a:prstGeom>
+          <a:noFill/>
+          <a:ln>
+            <a:noFill/>
+          </a:ln>
+          <a:effectLst/>
+          <a:extLst>
+            <a:ext uri="{909E8E84-426E-40DD-AFC4-6F175D3DCCD1}">
+              <a14:hiddenFill xmlns:a14="http://schemas.microsoft.com/office/drawing/2010/main">
+                <a:solidFill>
+                  <a:schemeClr val="accent1"/>
+                </a:solidFill>
+              </a14:hiddenFill>
+            </a:ext>
+            <a:ext uri="{91240B29-F687-4F45-9708-019B960494DF}">
+              <a14:hiddenLine xmlns:a14="http://schemas.microsoft.com/office/drawing/2010/main" w="9525">
+                <a:solidFill>
+                  <a:schemeClr val="tx1"/>
+                </a:solidFill>
+                <a:miter lim="800000"/>
+                <a:headEnd/>
+                <a:tailEnd/>
+              </a14:hiddenLine>
+            </a:ext>
+            <a:ext uri="{AF507438-7753-43E0-B8FC-AC1667EBCBE1}">
+              <a14:hiddenEffects xmlns:a14="http://schemas.microsoft.com/office/drawing/2010/main">
+                <a:effectLst>
+                  <a:outerShdw dist="35921" dir="2700000" algn="ctr" rotWithShape="0">
+                    <a:schemeClr val="bg2"/>
+                  </a:outerShdw>
+                </a:effectLst>
+              </a14:hiddenEffects>
+            </a:ext>
+          </a:extLst>
+        </p:spPr>
+        <p:txBody>
+          <a:bodyPr wrap="square">
+            <a:spAutoFit/>
+          </a:bodyPr>
+          <a:lstStyle/>
+          <a:p>
+            <a:pPr eaLnBrk="0" fontAlgn="auto" hangingPunct="0">
+              <a:spcBef>
+                <a:spcPts val="0"/>
+              </a:spcBef>
+              <a:spcAft>
+                <a:spcPts val="0"/>
+              </a:spcAft>
+              <a:defRPr/>
+            </a:pPr>
+            <a:r>
+              <a:rPr lang="en-US" altLang="zh-CN" sz="2800" b="1" noProof="0" dirty="0">
+                <a:ln>
+                  <a:noFill/>
+                </a:ln>
+                <a:solidFill>
+                  <a:schemeClr val="tx1">
+                    <a:lumMod val="85000"/>
+                    <a:lumOff val="15000"/>
+                  </a:schemeClr>
+                </a:solidFill>
+                <a:effectLst/>
+                <a:uLnTx/>
+                <a:uFillTx/>
+                <a:latin typeface="Microsoft YaHei" panose="020B0503020204020204" pitchFamily="34" charset="-122"/>
+                <a:ea typeface="Microsoft YaHei" panose="020B0503020204020204" pitchFamily="34" charset="-122"/>
+                <a:sym typeface="+mn-ea"/>
+              </a:rPr>
+              <a:t>Intro to Binary Search Example</a:t>
+            </a:r>
+            <a:endParaRPr kumimoji="0" lang="en-US" altLang="zh-CN" sz="2800" b="1" i="0" u="none" strike="noStrike" kern="1200" cap="none" spc="0" normalizeH="0" baseline="0" noProof="0" dirty="0">
+              <a:ln>
+                <a:noFill/>
+              </a:ln>
+              <a:solidFill>
+                <a:schemeClr val="tx1">
+                  <a:lumMod val="85000"/>
+                  <a:lumOff val="15000"/>
+                </a:schemeClr>
+              </a:solidFill>
+              <a:effectLst/>
+              <a:uLnTx/>
+              <a:uFillTx/>
+              <a:latin typeface="Microsoft YaHei" panose="020B0503020204020204" pitchFamily="34" charset="-122"/>
+              <a:ea typeface="Microsoft YaHei" panose="020B0503020204020204" pitchFamily="34" charset="-122"/>
+              <a:cs typeface="+mn-cs"/>
+              <a:sym typeface="+mn-ea"/>
+            </a:endParaRPr>
+          </a:p>
+        </p:txBody>
+      </p:sp>
+      <p:sp>
+        <p:nvSpPr>
+          <p:cNvPr id="3" name="Content Placeholder 2"/>
+          <p:cNvSpPr>
+            <a:spLocks noGrp="1"/>
+          </p:cNvSpPr>
+          <p:nvPr>
+            <p:ph idx="1"/>
+          </p:nvPr>
+        </p:nvSpPr>
+        <p:spPr>
+          <a:xfrm>
+            <a:off x="890588" y="1494359"/>
+            <a:ext cx="10515600" cy="4351338"/>
+          </a:xfrm>
+        </p:spPr>
+        <p:txBody>
+          <a:bodyPr/>
+          <a:lstStyle/>
+          <a:p>
+            <a:r>
+              <a:rPr lang="en-US" sz="3200" dirty="0"/>
+              <a:t>The key observation here is that the array is sorted. We pick a random element in the array and compare it to the target.</a:t>
+            </a:r>
+            <a:endParaRPr lang="en-US" sz="3200" dirty="0"/>
+          </a:p>
+          <a:p>
+            <a:pPr lvl="1"/>
+            <a:r>
+              <a:rPr lang="en-US" sz="2740" dirty="0"/>
+              <a:t>If we happen to pick the element that equals the target (how lucky!), then bingo. </a:t>
+            </a:r>
+            <a:endParaRPr lang="en-US" sz="2740" dirty="0"/>
+          </a:p>
+          <a:p>
+            <a:pPr lvl="1"/>
+            <a:r>
+              <a:rPr lang="en-US" sz="2740" dirty="0"/>
+              <a:t>If the element is </a:t>
+            </a:r>
+            <a:r>
+              <a:rPr lang="en-US" sz="2740" b="1" dirty="0"/>
+              <a:t>smaller</a:t>
+            </a:r>
+            <a:r>
+              <a:rPr lang="en-US" sz="2740" dirty="0"/>
+              <a:t> than the target, then we know the target cannot be found in the section to the left of the current element since everything to the left is even smaller. </a:t>
+            </a:r>
+            <a:endParaRPr lang="en-US" sz="2740" dirty="0"/>
+          </a:p>
+          <a:p>
+            <a:pPr lvl="1"/>
+            <a:r>
+              <a:rPr lang="en-US" sz="2740" dirty="0"/>
+              <a:t>If the element is </a:t>
+            </a:r>
+            <a:r>
+              <a:rPr lang="en-US" sz="2740" b="1" dirty="0"/>
+              <a:t>larger</a:t>
+            </a:r>
+            <a:r>
+              <a:rPr lang="en-US" sz="2740" dirty="0"/>
+              <a:t> than the target, then we know the target cannot be found in the section to the right of the current element since everything to the right is even larger. </a:t>
+            </a:r>
+            <a:endParaRPr lang="en-US" sz="2740" dirty="0"/>
+          </a:p>
+          <a:p>
+            <a:pPr lvl="0"/>
+            <a:endParaRPr lang="en-US" sz="3195" dirty="0"/>
+          </a:p>
+        </p:txBody>
+      </p:sp>
+    </p:spTree>
+  </p:cSld>
+  <p:clrMapOvr>
+    <a:masterClrMapping/>
+  </p:clrMapOvr>
+  <p:transition spd="slow">
+    <p:wipe/>
+  </p:transition>
+</p:sld>
+</file>
+
+<file path=ppt/slides/slide11.xml><?xml version="1.0" encoding="utf-8"?>
+<p:sld xmlns:a="http://schemas.openxmlformats.org/drawingml/2006/main" xmlns:r="http://schemas.openxmlformats.org/officeDocument/2006/relationships" xmlns:p="http://schemas.openxmlformats.org/presentationml/2006/main">
+  <p:cSld>
+    <p:spTree>
+      <p:nvGrpSpPr>
+        <p:cNvPr id="1" name=""/>
+        <p:cNvGrpSpPr/>
+        <p:nvPr/>
+      </p:nvGrpSpPr>
+      <p:grpSpPr>
+        <a:xfrm>
+          <a:off x="0" y="0"/>
+          <a:ext cx="0" cy="0"/>
+          <a:chOff x="0" y="0"/>
+          <a:chExt cx="0" cy="0"/>
+        </a:xfrm>
+      </p:grpSpPr>
+      <p:sp>
+        <p:nvSpPr>
+          <p:cNvPr id="15" name="任意多边形 14"/>
+          <p:cNvSpPr/>
+          <p:nvPr/>
+        </p:nvSpPr>
+        <p:spPr>
+          <a:xfrm>
+            <a:off x="0" y="274638"/>
+            <a:ext cx="890588" cy="639763"/>
+          </a:xfrm>
+          <a:custGeom>
+            <a:avLst/>
+            <a:gdLst>
+              <a:gd name="connsiteX0" fmla="*/ 0 w 1029743"/>
+              <a:gd name="connsiteY0" fmla="*/ 0 h 739718"/>
+              <a:gd name="connsiteX1" fmla="*/ 659884 w 1029743"/>
+              <a:gd name="connsiteY1" fmla="*/ 0 h 739718"/>
+              <a:gd name="connsiteX2" fmla="*/ 1029743 w 1029743"/>
+              <a:gd name="connsiteY2" fmla="*/ 369859 h 739718"/>
+              <a:gd name="connsiteX3" fmla="*/ 659884 w 1029743"/>
+              <a:gd name="connsiteY3" fmla="*/ 739718 h 739718"/>
+              <a:gd name="connsiteX4" fmla="*/ 0 w 1029743"/>
+              <a:gd name="connsiteY4" fmla="*/ 739718 h 739718"/>
+            </a:gdLst>
+            <a:ahLst/>
+            <a:cxnLst>
+              <a:cxn ang="0">
+                <a:pos x="connsiteX0" y="connsiteY0"/>
+              </a:cxn>
+              <a:cxn ang="0">
+                <a:pos x="connsiteX1" y="connsiteY1"/>
+              </a:cxn>
+              <a:cxn ang="0">
+                <a:pos x="connsiteX2" y="connsiteY2"/>
+              </a:cxn>
+              <a:cxn ang="0">
+                <a:pos x="connsiteX3" y="connsiteY3"/>
+              </a:cxn>
+              <a:cxn ang="0">
+                <a:pos x="connsiteX4" y="connsiteY4"/>
+              </a:cxn>
+            </a:cxnLst>
+            <a:rect l="l" t="t" r="r" b="b"/>
+            <a:pathLst>
+              <a:path w="1029743" h="739718">
+                <a:moveTo>
+                  <a:pt x="0" y="0"/>
+                </a:moveTo>
+                <a:lnTo>
+                  <a:pt x="659884" y="0"/>
+                </a:lnTo>
+                <a:cubicBezTo>
+                  <a:pt x="864151" y="0"/>
+                  <a:pt x="1029743" y="165592"/>
+                  <a:pt x="1029743" y="369859"/>
+                </a:cubicBezTo>
+                <a:cubicBezTo>
+                  <a:pt x="1029743" y="574126"/>
+                  <a:pt x="864151" y="739718"/>
+                  <a:pt x="659884" y="739718"/>
+                </a:cubicBezTo>
+                <a:lnTo>
+                  <a:pt x="0" y="739718"/>
+                </a:lnTo>
+                <a:close/>
+              </a:path>
+            </a:pathLst>
+          </a:custGeom>
+          <a:solidFill>
+            <a:srgbClr val="05B780"/>
+          </a:solidFill>
+          <a:ln>
+            <a:noFill/>
+          </a:ln>
+        </p:spPr>
+        <p:style>
+          <a:lnRef idx="2">
+            <a:schemeClr val="accent1">
+              <a:shade val="50000"/>
+            </a:schemeClr>
+          </a:lnRef>
+          <a:fillRef idx="1">
+            <a:schemeClr val="accent1"/>
+          </a:fillRef>
+          <a:effectRef idx="0">
+            <a:schemeClr val="accent1"/>
+          </a:effectRef>
+          <a:fontRef idx="minor">
+            <a:schemeClr val="lt1"/>
+          </a:fontRef>
+        </p:style>
+        <p:txBody>
+          <a:bodyPr anchor="ctr"/>
+          <a:lstStyle/>
+          <a:p>
+            <a:pPr marL="0" marR="0" lvl="0" indent="0" algn="ctr" defTabSz="914400" rtl="0" eaLnBrk="1" fontAlgn="auto" latinLnBrk="0" hangingPunct="1">
+              <a:lnSpc>
+                <a:spcPct val="100000"/>
+              </a:lnSpc>
+              <a:spcBef>
+                <a:spcPts val="0"/>
+              </a:spcBef>
+              <a:spcAft>
+                <a:spcPts val="0"/>
+              </a:spcAft>
+              <a:buClrTx/>
+              <a:buSzTx/>
+              <a:buFontTx/>
+              <a:buNone/>
+              <a:defRPr/>
+            </a:pPr>
+            <a:endParaRPr kumimoji="0" lang="zh-CN" altLang="en-US" sz="1800" b="0" i="0" u="none" strike="noStrike" kern="1200" cap="none" spc="0" normalizeH="0" baseline="0" noProof="0">
+              <a:ln>
+                <a:noFill/>
+              </a:ln>
+              <a:solidFill>
+                <a:schemeClr val="bg1"/>
+              </a:solidFill>
+              <a:effectLst/>
+              <a:uLnTx/>
+              <a:uFillTx/>
+              <a:latin typeface="+mn-lt"/>
+              <a:ea typeface="+mn-ea"/>
+              <a:cs typeface="+mn-cs"/>
+            </a:endParaRPr>
+          </a:p>
+        </p:txBody>
+      </p:sp>
+      <p:sp>
+        <p:nvSpPr>
+          <p:cNvPr id="7170" name="文本框 156"/>
+          <p:cNvSpPr txBox="1"/>
+          <p:nvPr/>
+        </p:nvSpPr>
+        <p:spPr>
+          <a:xfrm>
+            <a:off x="0" y="350838"/>
+            <a:ext cx="814388" cy="521970"/>
+          </a:xfrm>
+          <a:prstGeom prst="rect">
+            <a:avLst/>
+          </a:prstGeom>
+          <a:noFill/>
+          <a:ln w="9525">
+            <a:noFill/>
+          </a:ln>
+        </p:spPr>
+        <p:txBody>
+          <a:bodyPr anchor="t" anchorCtr="0">
+            <a:spAutoFit/>
+          </a:bodyPr>
+          <a:lstStyle/>
+          <a:p>
+            <a:pPr>
+              <a:buFont typeface="Arial" panose="020B0604020202020204" pitchFamily="34" charset="0"/>
+            </a:pPr>
+            <a:r>
+              <a:rPr lang="en-US" altLang="zh-CN" sz="2800" b="1" dirty="0">
+                <a:solidFill>
+                  <a:schemeClr val="bg1"/>
+                </a:solidFill>
+                <a:latin typeface="Microsoft YaHei" panose="020B0503020204020204" pitchFamily="34" charset="-122"/>
+                <a:ea typeface="Microsoft YaHei" panose="020B0503020204020204" pitchFamily="34" charset="-122"/>
+              </a:rPr>
+              <a:t>2.1</a:t>
+            </a:r>
+            <a:endParaRPr lang="en-US" altLang="zh-CN" sz="2800" b="1" dirty="0">
+              <a:solidFill>
+                <a:schemeClr val="bg1"/>
+              </a:solidFill>
+              <a:latin typeface="Microsoft YaHei" panose="020B0503020204020204" pitchFamily="34" charset="-122"/>
+              <a:ea typeface="Microsoft YaHei" panose="020B0503020204020204" pitchFamily="34" charset="-122"/>
+            </a:endParaRPr>
+          </a:p>
+        </p:txBody>
+      </p:sp>
+      <p:sp>
+        <p:nvSpPr>
+          <p:cNvPr id="16" name="Rectangle 6"/>
+          <p:cNvSpPr>
+            <a:spLocks noChangeArrowheads="1"/>
+          </p:cNvSpPr>
+          <p:nvPr/>
+        </p:nvSpPr>
+        <p:spPr bwMode="black">
+          <a:xfrm>
+            <a:off x="1021080" y="334010"/>
+            <a:ext cx="8777605" cy="521970"/>
+          </a:xfrm>
+          <a:prstGeom prst="rect">
+            <a:avLst/>
+          </a:prstGeom>
+          <a:noFill/>
+          <a:ln>
+            <a:noFill/>
+          </a:ln>
+          <a:effectLst/>
+          <a:extLst>
+            <a:ext uri="{909E8E84-426E-40DD-AFC4-6F175D3DCCD1}">
+              <a14:hiddenFill xmlns:a14="http://schemas.microsoft.com/office/drawing/2010/main">
+                <a:solidFill>
+                  <a:schemeClr val="accent1"/>
+                </a:solidFill>
+              </a14:hiddenFill>
+            </a:ext>
+            <a:ext uri="{91240B29-F687-4F45-9708-019B960494DF}">
+              <a14:hiddenLine xmlns:a14="http://schemas.microsoft.com/office/drawing/2010/main" w="9525">
+                <a:solidFill>
+                  <a:schemeClr val="tx1"/>
+                </a:solidFill>
+                <a:miter lim="800000"/>
+                <a:headEnd/>
+                <a:tailEnd/>
+              </a14:hiddenLine>
+            </a:ext>
+            <a:ext uri="{AF507438-7753-43E0-B8FC-AC1667EBCBE1}">
+              <a14:hiddenEffects xmlns:a14="http://schemas.microsoft.com/office/drawing/2010/main">
+                <a:effectLst>
+                  <a:outerShdw dist="35921" dir="2700000" algn="ctr" rotWithShape="0">
+                    <a:schemeClr val="bg2"/>
+                  </a:outerShdw>
+                </a:effectLst>
+              </a14:hiddenEffects>
+            </a:ext>
+          </a:extLst>
+        </p:spPr>
+        <p:txBody>
+          <a:bodyPr wrap="square">
+            <a:spAutoFit/>
+          </a:bodyPr>
+          <a:lstStyle/>
+          <a:p>
+            <a:pPr eaLnBrk="0" fontAlgn="auto" hangingPunct="0">
+              <a:spcBef>
+                <a:spcPts val="0"/>
+              </a:spcBef>
+              <a:spcAft>
+                <a:spcPts val="0"/>
+              </a:spcAft>
+              <a:defRPr/>
+            </a:pPr>
+            <a:r>
+              <a:rPr lang="en-US" altLang="zh-CN" sz="2800" b="1" noProof="0" dirty="0">
+                <a:ln>
+                  <a:noFill/>
+                </a:ln>
+                <a:solidFill>
+                  <a:schemeClr val="tx1">
+                    <a:lumMod val="85000"/>
+                    <a:lumOff val="15000"/>
+                  </a:schemeClr>
+                </a:solidFill>
+                <a:effectLst/>
+                <a:uLnTx/>
+                <a:uFillTx/>
+                <a:latin typeface="Microsoft YaHei" panose="020B0503020204020204" pitchFamily="34" charset="-122"/>
+                <a:ea typeface="Microsoft YaHei" panose="020B0503020204020204" pitchFamily="34" charset="-122"/>
+                <a:sym typeface="+mn-ea"/>
+              </a:rPr>
+              <a:t>Intro to Binary Search Example</a:t>
+            </a:r>
+            <a:endParaRPr kumimoji="0" lang="en-US" altLang="zh-CN" sz="2800" b="1" i="0" u="none" strike="noStrike" kern="1200" cap="none" spc="0" normalizeH="0" baseline="0" noProof="0" dirty="0">
+              <a:ln>
+                <a:noFill/>
+              </a:ln>
+              <a:solidFill>
+                <a:schemeClr val="tx1">
+                  <a:lumMod val="85000"/>
+                  <a:lumOff val="15000"/>
+                </a:schemeClr>
+              </a:solidFill>
+              <a:effectLst/>
+              <a:uLnTx/>
+              <a:uFillTx/>
+              <a:latin typeface="Microsoft YaHei" panose="020B0503020204020204" pitchFamily="34" charset="-122"/>
+              <a:ea typeface="Microsoft YaHei" panose="020B0503020204020204" pitchFamily="34" charset="-122"/>
+              <a:cs typeface="+mn-cs"/>
+              <a:sym typeface="+mn-ea"/>
+            </a:endParaRPr>
+          </a:p>
+        </p:txBody>
+      </p:sp>
+      <p:sp>
+        <p:nvSpPr>
+          <p:cNvPr id="3" name="Content Placeholder 2"/>
+          <p:cNvSpPr>
+            <a:spLocks noGrp="1"/>
+          </p:cNvSpPr>
+          <p:nvPr>
+            <p:ph idx="1"/>
+          </p:nvPr>
+        </p:nvSpPr>
+        <p:spPr>
+          <a:xfrm>
+            <a:off x="890588" y="1494359"/>
+            <a:ext cx="10515600" cy="4351338"/>
+          </a:xfrm>
+        </p:spPr>
+        <p:txBody>
+          <a:bodyPr/>
+          <a:lstStyle/>
+          <a:p>
+            <a:r>
+              <a:rPr lang="en-US" sz="3200" dirty="0"/>
+              <a:t>Instead of picking a random element, we always pick the middle element in the current search range. </a:t>
+            </a:r>
+            <a:endParaRPr lang="en-US" sz="3200" dirty="0"/>
+          </a:p>
+          <a:p>
+            <a:pPr lvl="1"/>
+            <a:r>
+              <a:rPr lang="en-US" sz="2740" dirty="0"/>
+              <a:t>This way, we can discard half of the options and shrink the search range by half each time. </a:t>
+            </a:r>
+            <a:endParaRPr lang="en-US" sz="2740" dirty="0"/>
+          </a:p>
+          <a:p>
+            <a:pPr lvl="0"/>
+            <a:r>
+              <a:rPr lang="en-US" sz="3195" dirty="0"/>
+              <a:t>What’s the time complexity of this algorithm?</a:t>
+            </a:r>
+            <a:endParaRPr lang="en-US" sz="3195" dirty="0"/>
+          </a:p>
+          <a:p>
+            <a:pPr lvl="1"/>
+            <a:r>
+              <a:rPr lang="en-US" sz="2735" dirty="0"/>
+              <a:t>Hint: Conceptualize the search space to a binary tree, what’s the height of this tree?</a:t>
+            </a:r>
+            <a:endParaRPr lang="en-US" sz="2735" dirty="0"/>
+          </a:p>
+        </p:txBody>
+      </p:sp>
+    </p:spTree>
+  </p:cSld>
+  <p:clrMapOvr>
+    <a:masterClrMapping/>
+  </p:clrMapOvr>
+  <p:transition spd="slow">
+    <p:wipe/>
+  </p:transition>
+</p:sld>
+</file>
+
+<file path=ppt/slides/slide12.xml><?xml version="1.0" encoding="utf-8"?>
+<p:sld xmlns:a="http://schemas.openxmlformats.org/drawingml/2006/main" xmlns:r="http://schemas.openxmlformats.org/officeDocument/2006/relationships" xmlns:p="http://schemas.openxmlformats.org/presentationml/2006/main">
+  <p:cSld>
+    <p:spTree>
+      <p:nvGrpSpPr>
+        <p:cNvPr id="1" name=""/>
+        <p:cNvGrpSpPr/>
+        <p:nvPr/>
+      </p:nvGrpSpPr>
+      <p:grpSpPr>
+        <a:xfrm>
+          <a:off x="0" y="0"/>
+          <a:ext cx="0" cy="0"/>
+          <a:chOff x="0" y="0"/>
+          <a:chExt cx="0" cy="0"/>
+        </a:xfrm>
+      </p:grpSpPr>
+      <p:sp>
+        <p:nvSpPr>
+          <p:cNvPr id="15" name="任意多边形 14"/>
+          <p:cNvSpPr/>
+          <p:nvPr/>
+        </p:nvSpPr>
+        <p:spPr>
+          <a:xfrm>
+            <a:off x="0" y="274638"/>
+            <a:ext cx="890588" cy="639763"/>
+          </a:xfrm>
+          <a:custGeom>
+            <a:avLst/>
+            <a:gdLst>
+              <a:gd name="connsiteX0" fmla="*/ 0 w 1029743"/>
+              <a:gd name="connsiteY0" fmla="*/ 0 h 739718"/>
+              <a:gd name="connsiteX1" fmla="*/ 659884 w 1029743"/>
+              <a:gd name="connsiteY1" fmla="*/ 0 h 739718"/>
+              <a:gd name="connsiteX2" fmla="*/ 1029743 w 1029743"/>
+              <a:gd name="connsiteY2" fmla="*/ 369859 h 739718"/>
+              <a:gd name="connsiteX3" fmla="*/ 659884 w 1029743"/>
+              <a:gd name="connsiteY3" fmla="*/ 739718 h 739718"/>
+              <a:gd name="connsiteX4" fmla="*/ 0 w 1029743"/>
+              <a:gd name="connsiteY4" fmla="*/ 739718 h 739718"/>
+            </a:gdLst>
+            <a:ahLst/>
+            <a:cxnLst>
+              <a:cxn ang="0">
+                <a:pos x="connsiteX0" y="connsiteY0"/>
+              </a:cxn>
+              <a:cxn ang="0">
+                <a:pos x="connsiteX1" y="connsiteY1"/>
+              </a:cxn>
+              <a:cxn ang="0">
+                <a:pos x="connsiteX2" y="connsiteY2"/>
+              </a:cxn>
+              <a:cxn ang="0">
+                <a:pos x="connsiteX3" y="connsiteY3"/>
+              </a:cxn>
+              <a:cxn ang="0">
+                <a:pos x="connsiteX4" y="connsiteY4"/>
+              </a:cxn>
+            </a:cxnLst>
+            <a:rect l="l" t="t" r="r" b="b"/>
+            <a:pathLst>
+              <a:path w="1029743" h="739718">
+                <a:moveTo>
+                  <a:pt x="0" y="0"/>
+                </a:moveTo>
+                <a:lnTo>
+                  <a:pt x="659884" y="0"/>
+                </a:lnTo>
+                <a:cubicBezTo>
+                  <a:pt x="864151" y="0"/>
+                  <a:pt x="1029743" y="165592"/>
+                  <a:pt x="1029743" y="369859"/>
+                </a:cubicBezTo>
+                <a:cubicBezTo>
+                  <a:pt x="1029743" y="574126"/>
+                  <a:pt x="864151" y="739718"/>
+                  <a:pt x="659884" y="739718"/>
+                </a:cubicBezTo>
+                <a:lnTo>
+                  <a:pt x="0" y="739718"/>
+                </a:lnTo>
+                <a:close/>
+              </a:path>
+            </a:pathLst>
+          </a:custGeom>
+          <a:solidFill>
+            <a:srgbClr val="05B780"/>
+          </a:solidFill>
+          <a:ln>
+            <a:noFill/>
+          </a:ln>
+        </p:spPr>
+        <p:style>
+          <a:lnRef idx="2">
+            <a:schemeClr val="accent1">
+              <a:shade val="50000"/>
+            </a:schemeClr>
+          </a:lnRef>
+          <a:fillRef idx="1">
+            <a:schemeClr val="accent1"/>
+          </a:fillRef>
+          <a:effectRef idx="0">
+            <a:schemeClr val="accent1"/>
+          </a:effectRef>
+          <a:fontRef idx="minor">
+            <a:schemeClr val="lt1"/>
+          </a:fontRef>
+        </p:style>
+        <p:txBody>
+          <a:bodyPr anchor="ctr"/>
+          <a:lstStyle/>
+          <a:p>
+            <a:pPr marL="0" marR="0" lvl="0" indent="0" algn="ctr" defTabSz="914400" rtl="0" eaLnBrk="1" fontAlgn="auto" latinLnBrk="0" hangingPunct="1">
+              <a:lnSpc>
+                <a:spcPct val="100000"/>
+              </a:lnSpc>
+              <a:spcBef>
+                <a:spcPts val="0"/>
+              </a:spcBef>
+              <a:spcAft>
+                <a:spcPts val="0"/>
+              </a:spcAft>
+              <a:buClrTx/>
+              <a:buSzTx/>
+              <a:buFontTx/>
+              <a:buNone/>
+              <a:defRPr/>
+            </a:pPr>
+            <a:endParaRPr kumimoji="0" lang="zh-CN" altLang="en-US" sz="1800" b="0" i="0" u="none" strike="noStrike" kern="1200" cap="none" spc="0" normalizeH="0" baseline="0" noProof="0">
+              <a:ln>
+                <a:noFill/>
+              </a:ln>
+              <a:solidFill>
+                <a:schemeClr val="bg1"/>
+              </a:solidFill>
+              <a:effectLst/>
+              <a:uLnTx/>
+              <a:uFillTx/>
+              <a:latin typeface="+mn-lt"/>
+              <a:ea typeface="+mn-ea"/>
+              <a:cs typeface="+mn-cs"/>
+            </a:endParaRPr>
+          </a:p>
+        </p:txBody>
+      </p:sp>
+      <p:sp>
+        <p:nvSpPr>
+          <p:cNvPr id="7170" name="文本框 156"/>
+          <p:cNvSpPr txBox="1"/>
+          <p:nvPr/>
+        </p:nvSpPr>
+        <p:spPr>
+          <a:xfrm>
+            <a:off x="0" y="350838"/>
+            <a:ext cx="814388" cy="521970"/>
+          </a:xfrm>
+          <a:prstGeom prst="rect">
+            <a:avLst/>
+          </a:prstGeom>
+          <a:noFill/>
+          <a:ln w="9525">
+            <a:noFill/>
+          </a:ln>
+        </p:spPr>
+        <p:txBody>
+          <a:bodyPr anchor="t" anchorCtr="0">
+            <a:spAutoFit/>
+          </a:bodyPr>
+          <a:lstStyle/>
+          <a:p>
+            <a:pPr>
+              <a:buFont typeface="Arial" panose="020B0604020202020204" pitchFamily="34" charset="0"/>
+            </a:pPr>
+            <a:r>
+              <a:rPr lang="en-US" altLang="zh-CN" sz="2800" b="1" dirty="0">
+                <a:solidFill>
+                  <a:schemeClr val="bg1"/>
+                </a:solidFill>
+                <a:latin typeface="Microsoft YaHei" panose="020B0503020204020204" pitchFamily="34" charset="-122"/>
+                <a:ea typeface="Microsoft YaHei" panose="020B0503020204020204" pitchFamily="34" charset="-122"/>
+              </a:rPr>
+              <a:t>2.1</a:t>
+            </a:r>
+            <a:endParaRPr lang="en-US" altLang="zh-CN" sz="2800" b="1" dirty="0">
+              <a:solidFill>
+                <a:schemeClr val="bg1"/>
+              </a:solidFill>
+              <a:latin typeface="Microsoft YaHei" panose="020B0503020204020204" pitchFamily="34" charset="-122"/>
+              <a:ea typeface="Microsoft YaHei" panose="020B0503020204020204" pitchFamily="34" charset="-122"/>
+            </a:endParaRPr>
+          </a:p>
+        </p:txBody>
+      </p:sp>
+      <p:sp>
+        <p:nvSpPr>
+          <p:cNvPr id="16" name="Rectangle 6"/>
+          <p:cNvSpPr>
+            <a:spLocks noChangeArrowheads="1"/>
+          </p:cNvSpPr>
+          <p:nvPr/>
+        </p:nvSpPr>
+        <p:spPr bwMode="black">
+          <a:xfrm>
+            <a:off x="1021080" y="334010"/>
+            <a:ext cx="8777605" cy="521970"/>
+          </a:xfrm>
+          <a:prstGeom prst="rect">
+            <a:avLst/>
+          </a:prstGeom>
+          <a:noFill/>
+          <a:ln>
+            <a:noFill/>
+          </a:ln>
+          <a:effectLst/>
+          <a:extLst>
+            <a:ext uri="{909E8E84-426E-40DD-AFC4-6F175D3DCCD1}">
+              <a14:hiddenFill xmlns:a14="http://schemas.microsoft.com/office/drawing/2010/main">
+                <a:solidFill>
+                  <a:schemeClr val="accent1"/>
+                </a:solidFill>
+              </a14:hiddenFill>
+            </a:ext>
+            <a:ext uri="{91240B29-F687-4F45-9708-019B960494DF}">
+              <a14:hiddenLine xmlns:a14="http://schemas.microsoft.com/office/drawing/2010/main" w="9525">
+                <a:solidFill>
+                  <a:schemeClr val="tx1"/>
+                </a:solidFill>
+                <a:miter lim="800000"/>
+                <a:headEnd/>
+                <a:tailEnd/>
+              </a14:hiddenLine>
+            </a:ext>
+            <a:ext uri="{AF507438-7753-43E0-B8FC-AC1667EBCBE1}">
+              <a14:hiddenEffects xmlns:a14="http://schemas.microsoft.com/office/drawing/2010/main">
+                <a:effectLst>
+                  <a:outerShdw dist="35921" dir="2700000" algn="ctr" rotWithShape="0">
+                    <a:schemeClr val="bg2"/>
+                  </a:outerShdw>
+                </a:effectLst>
+              </a14:hiddenEffects>
+            </a:ext>
+          </a:extLst>
+        </p:spPr>
+        <p:txBody>
+          <a:bodyPr wrap="square">
+            <a:spAutoFit/>
+          </a:bodyPr>
+          <a:lstStyle/>
+          <a:p>
+            <a:pPr eaLnBrk="0" fontAlgn="auto" hangingPunct="0">
+              <a:spcBef>
+                <a:spcPts val="0"/>
+              </a:spcBef>
+              <a:spcAft>
+                <a:spcPts val="0"/>
+              </a:spcAft>
+              <a:defRPr/>
+            </a:pPr>
+            <a:r>
+              <a:rPr kumimoji="0" lang="en-US" altLang="zh-CN" sz="2800" b="1" i="0" u="none" strike="noStrike" kern="1200" cap="none" spc="0" normalizeH="0" baseline="0" noProof="0" dirty="0">
+                <a:ln>
+                  <a:noFill/>
+                </a:ln>
+                <a:solidFill>
+                  <a:schemeClr val="tx1">
+                    <a:lumMod val="85000"/>
+                    <a:lumOff val="15000"/>
+                  </a:schemeClr>
+                </a:solidFill>
+                <a:effectLst/>
+                <a:uLnTx/>
+                <a:uFillTx/>
+                <a:latin typeface="Microsoft YaHei" panose="020B0503020204020204" pitchFamily="34" charset="-122"/>
+                <a:ea typeface="Microsoft YaHei" panose="020B0503020204020204" pitchFamily="34" charset="-122"/>
+                <a:cs typeface="+mn-cs"/>
+                <a:sym typeface="+mn-ea"/>
+              </a:rPr>
+              <a:t>Using Binary Search</a:t>
+            </a:r>
+            <a:endParaRPr kumimoji="0" lang="en-US" altLang="zh-CN" sz="2800" b="1" i="0" u="none" strike="noStrike" kern="1200" cap="none" spc="0" normalizeH="0" baseline="0" noProof="0" dirty="0">
+              <a:ln>
+                <a:noFill/>
+              </a:ln>
+              <a:solidFill>
+                <a:schemeClr val="tx1">
+                  <a:lumMod val="85000"/>
+                  <a:lumOff val="15000"/>
+                </a:schemeClr>
+              </a:solidFill>
+              <a:effectLst/>
+              <a:uLnTx/>
+              <a:uFillTx/>
+              <a:latin typeface="Microsoft YaHei" panose="020B0503020204020204" pitchFamily="34" charset="-122"/>
+              <a:ea typeface="Microsoft YaHei" panose="020B0503020204020204" pitchFamily="34" charset="-122"/>
+              <a:cs typeface="+mn-cs"/>
+              <a:sym typeface="+mn-ea"/>
+            </a:endParaRPr>
+          </a:p>
+        </p:txBody>
+      </p:sp>
+      <p:sp>
+        <p:nvSpPr>
+          <p:cNvPr id="3" name="Content Placeholder 2"/>
+          <p:cNvSpPr>
+            <a:spLocks noGrp="1"/>
+          </p:cNvSpPr>
+          <p:nvPr>
+            <p:ph idx="1"/>
+          </p:nvPr>
+        </p:nvSpPr>
+        <p:spPr>
+          <a:xfrm>
+            <a:off x="890588" y="1494359"/>
+            <a:ext cx="10515600" cy="4351338"/>
+          </a:xfrm>
+        </p:spPr>
+        <p:txBody>
+          <a:bodyPr/>
+          <a:lstStyle/>
+          <a:p>
+            <a:r>
+              <a:rPr lang="en-US" sz="3200" dirty="0"/>
+              <a:t>Binary search works beyond sorted arrays. </a:t>
+            </a:r>
+            <a:endParaRPr lang="en-US" sz="3200" dirty="0"/>
+          </a:p>
+          <a:p>
+            <a:r>
+              <a:rPr lang="en-US" sz="3200" dirty="0"/>
+              <a:t>You can use binary search whenever you make a binary decision to shrink the search range. </a:t>
+            </a:r>
+            <a:endParaRPr lang="en-US" sz="3200" dirty="0"/>
+          </a:p>
+        </p:txBody>
+      </p:sp>
+    </p:spTree>
+  </p:cSld>
+  <p:clrMapOvr>
+    <a:masterClrMapping/>
+  </p:clrMapOvr>
+  <p:transition spd="slow">
+    <p:wipe/>
+  </p:transition>
+</p:sld>
+</file>
+
+<file path=ppt/slides/slide13.xml><?xml version="1.0" encoding="utf-8"?>
+<p:sld xmlns:a="http://schemas.openxmlformats.org/drawingml/2006/main" xmlns:r="http://schemas.openxmlformats.org/officeDocument/2006/relationships" xmlns:p="http://schemas.openxmlformats.org/presentationml/2006/main">
+  <p:cSld>
+    <p:spTree>
+      <p:nvGrpSpPr>
+        <p:cNvPr id="1" name=""/>
+        <p:cNvGrpSpPr/>
+        <p:nvPr/>
+      </p:nvGrpSpPr>
+      <p:grpSpPr>
+        <a:xfrm>
+          <a:off x="0" y="0"/>
+          <a:ext cx="0" cy="0"/>
+          <a:chOff x="0" y="0"/>
+          <a:chExt cx="0" cy="0"/>
+        </a:xfrm>
+      </p:grpSpPr>
+      <p:sp>
+        <p:nvSpPr>
+          <p:cNvPr id="15" name="任意多边形 14"/>
+          <p:cNvSpPr/>
+          <p:nvPr/>
+        </p:nvSpPr>
+        <p:spPr>
+          <a:xfrm>
+            <a:off x="0" y="274638"/>
+            <a:ext cx="890588" cy="639763"/>
+          </a:xfrm>
+          <a:custGeom>
+            <a:avLst/>
+            <a:gdLst>
+              <a:gd name="connsiteX0" fmla="*/ 0 w 1029743"/>
+              <a:gd name="connsiteY0" fmla="*/ 0 h 739718"/>
+              <a:gd name="connsiteX1" fmla="*/ 659884 w 1029743"/>
+              <a:gd name="connsiteY1" fmla="*/ 0 h 739718"/>
+              <a:gd name="connsiteX2" fmla="*/ 1029743 w 1029743"/>
+              <a:gd name="connsiteY2" fmla="*/ 369859 h 739718"/>
+              <a:gd name="connsiteX3" fmla="*/ 659884 w 1029743"/>
+              <a:gd name="connsiteY3" fmla="*/ 739718 h 739718"/>
+              <a:gd name="connsiteX4" fmla="*/ 0 w 1029743"/>
+              <a:gd name="connsiteY4" fmla="*/ 739718 h 739718"/>
+            </a:gdLst>
+            <a:ahLst/>
+            <a:cxnLst>
+              <a:cxn ang="0">
+                <a:pos x="connsiteX0" y="connsiteY0"/>
+              </a:cxn>
+              <a:cxn ang="0">
+                <a:pos x="connsiteX1" y="connsiteY1"/>
+              </a:cxn>
+              <a:cxn ang="0">
+                <a:pos x="connsiteX2" y="connsiteY2"/>
+              </a:cxn>
+              <a:cxn ang="0">
+                <a:pos x="connsiteX3" y="connsiteY3"/>
+              </a:cxn>
+              <a:cxn ang="0">
+                <a:pos x="connsiteX4" y="connsiteY4"/>
+              </a:cxn>
+            </a:cxnLst>
+            <a:rect l="l" t="t" r="r" b="b"/>
+            <a:pathLst>
+              <a:path w="1029743" h="739718">
+                <a:moveTo>
+                  <a:pt x="0" y="0"/>
+                </a:moveTo>
+                <a:lnTo>
+                  <a:pt x="659884" y="0"/>
+                </a:lnTo>
+                <a:cubicBezTo>
+                  <a:pt x="864151" y="0"/>
+                  <a:pt x="1029743" y="165592"/>
+                  <a:pt x="1029743" y="369859"/>
+                </a:cubicBezTo>
+                <a:cubicBezTo>
+                  <a:pt x="1029743" y="574126"/>
+                  <a:pt x="864151" y="739718"/>
+                  <a:pt x="659884" y="739718"/>
+                </a:cubicBezTo>
+                <a:lnTo>
+                  <a:pt x="0" y="739718"/>
+                </a:lnTo>
+                <a:close/>
+              </a:path>
+            </a:pathLst>
+          </a:custGeom>
+          <a:solidFill>
+            <a:srgbClr val="05B780"/>
+          </a:solidFill>
+          <a:ln>
+            <a:noFill/>
+          </a:ln>
+        </p:spPr>
+        <p:style>
+          <a:lnRef idx="2">
+            <a:schemeClr val="accent1">
+              <a:shade val="50000"/>
+            </a:schemeClr>
+          </a:lnRef>
+          <a:fillRef idx="1">
+            <a:schemeClr val="accent1"/>
+          </a:fillRef>
+          <a:effectRef idx="0">
+            <a:schemeClr val="accent1"/>
+          </a:effectRef>
+          <a:fontRef idx="minor">
+            <a:schemeClr val="lt1"/>
+          </a:fontRef>
+        </p:style>
+        <p:txBody>
+          <a:bodyPr anchor="ctr"/>
+          <a:lstStyle/>
+          <a:p>
+            <a:pPr marL="0" marR="0" lvl="0" indent="0" algn="ctr" defTabSz="914400" rtl="0" eaLnBrk="1" fontAlgn="auto" latinLnBrk="0" hangingPunct="1">
+              <a:lnSpc>
+                <a:spcPct val="100000"/>
+              </a:lnSpc>
+              <a:spcBef>
+                <a:spcPts val="0"/>
+              </a:spcBef>
+              <a:spcAft>
+                <a:spcPts val="0"/>
+              </a:spcAft>
+              <a:buClrTx/>
+              <a:buSzTx/>
+              <a:buFontTx/>
+              <a:buNone/>
+              <a:defRPr/>
+            </a:pPr>
+            <a:endParaRPr kumimoji="0" lang="zh-CN" altLang="en-US" sz="1800" b="0" i="0" u="none" strike="noStrike" kern="1200" cap="none" spc="0" normalizeH="0" baseline="0" noProof="0">
+              <a:ln>
+                <a:noFill/>
+              </a:ln>
+              <a:solidFill>
+                <a:schemeClr val="bg1"/>
+              </a:solidFill>
+              <a:effectLst/>
+              <a:uLnTx/>
+              <a:uFillTx/>
+              <a:latin typeface="+mn-lt"/>
+              <a:ea typeface="+mn-ea"/>
+              <a:cs typeface="+mn-cs"/>
+            </a:endParaRPr>
+          </a:p>
+        </p:txBody>
+      </p:sp>
+      <p:sp>
+        <p:nvSpPr>
+          <p:cNvPr id="7170" name="文本框 156"/>
+          <p:cNvSpPr txBox="1"/>
+          <p:nvPr/>
+        </p:nvSpPr>
+        <p:spPr>
+          <a:xfrm>
+            <a:off x="0" y="350838"/>
+            <a:ext cx="814388" cy="521970"/>
+          </a:xfrm>
+          <a:prstGeom prst="rect">
+            <a:avLst/>
+          </a:prstGeom>
+          <a:noFill/>
+          <a:ln w="9525">
+            <a:noFill/>
+          </a:ln>
+        </p:spPr>
+        <p:txBody>
+          <a:bodyPr anchor="t" anchorCtr="0">
+            <a:spAutoFit/>
+          </a:bodyPr>
+          <a:lstStyle/>
+          <a:p>
+            <a:pPr>
+              <a:buFont typeface="Arial" panose="020B0604020202020204" pitchFamily="34" charset="0"/>
+            </a:pPr>
+            <a:r>
+              <a:rPr lang="en-US" altLang="zh-CN" sz="2800" b="1" dirty="0">
+                <a:solidFill>
+                  <a:schemeClr val="bg1"/>
+                </a:solidFill>
+                <a:latin typeface="Microsoft YaHei" panose="020B0503020204020204" pitchFamily="34" charset="-122"/>
+                <a:ea typeface="Microsoft YaHei" panose="020B0503020204020204" pitchFamily="34" charset="-122"/>
+              </a:rPr>
+              <a:t>3.1</a:t>
+            </a:r>
+            <a:endParaRPr lang="en-US" altLang="zh-CN" sz="2800" b="1" dirty="0">
+              <a:solidFill>
+                <a:schemeClr val="bg1"/>
+              </a:solidFill>
+              <a:latin typeface="Microsoft YaHei" panose="020B0503020204020204" pitchFamily="34" charset="-122"/>
+              <a:ea typeface="Microsoft YaHei" panose="020B0503020204020204" pitchFamily="34" charset="-122"/>
+            </a:endParaRPr>
+          </a:p>
+        </p:txBody>
+      </p:sp>
+      <p:sp>
+        <p:nvSpPr>
+          <p:cNvPr id="16" name="Rectangle 6"/>
+          <p:cNvSpPr>
+            <a:spLocks noChangeArrowheads="1"/>
+          </p:cNvSpPr>
+          <p:nvPr/>
+        </p:nvSpPr>
+        <p:spPr bwMode="black">
+          <a:xfrm>
+            <a:off x="1021080" y="334010"/>
+            <a:ext cx="8777605" cy="521970"/>
+          </a:xfrm>
+          <a:prstGeom prst="rect">
+            <a:avLst/>
+          </a:prstGeom>
+          <a:noFill/>
+          <a:ln>
+            <a:noFill/>
+          </a:ln>
+          <a:effectLst/>
+          <a:extLst>
+            <a:ext uri="{909E8E84-426E-40DD-AFC4-6F175D3DCCD1}">
+              <a14:hiddenFill xmlns:a14="http://schemas.microsoft.com/office/drawing/2010/main">
+                <a:solidFill>
+                  <a:schemeClr val="accent1"/>
+                </a:solidFill>
+              </a14:hiddenFill>
+            </a:ext>
+            <a:ext uri="{91240B29-F687-4F45-9708-019B960494DF}">
+              <a14:hiddenLine xmlns:a14="http://schemas.microsoft.com/office/drawing/2010/main" w="9525">
+                <a:solidFill>
+                  <a:schemeClr val="tx1"/>
+                </a:solidFill>
+                <a:miter lim="800000"/>
+                <a:headEnd/>
+                <a:tailEnd/>
+              </a14:hiddenLine>
+            </a:ext>
+            <a:ext uri="{AF507438-7753-43E0-B8FC-AC1667EBCBE1}">
+              <a14:hiddenEffects xmlns:a14="http://schemas.microsoft.com/office/drawing/2010/main">
+                <a:effectLst>
+                  <a:outerShdw dist="35921" dir="2700000" algn="ctr" rotWithShape="0">
+                    <a:schemeClr val="bg2"/>
+                  </a:outerShdw>
+                </a:effectLst>
+              </a14:hiddenEffects>
+            </a:ext>
+          </a:extLst>
+        </p:spPr>
+        <p:txBody>
+          <a:bodyPr wrap="square">
+            <a:spAutoFit/>
+          </a:bodyPr>
+          <a:lstStyle/>
+          <a:p>
+            <a:pPr eaLnBrk="0" fontAlgn="auto" hangingPunct="0">
+              <a:spcBef>
+                <a:spcPts val="0"/>
+              </a:spcBef>
+              <a:spcAft>
+                <a:spcPts val="0"/>
+              </a:spcAft>
+              <a:defRPr/>
+            </a:pPr>
+            <a:r>
+              <a:rPr kumimoji="0" lang="en-US" altLang="zh-CN" sz="2800" b="1" i="0" u="none" strike="noStrike" kern="1200" cap="none" spc="0" normalizeH="0" baseline="0" noProof="0" dirty="0">
+                <a:ln>
+                  <a:noFill/>
+                </a:ln>
+                <a:solidFill>
+                  <a:schemeClr val="tx1">
+                    <a:lumMod val="85000"/>
+                    <a:lumOff val="15000"/>
+                  </a:schemeClr>
+                </a:solidFill>
+                <a:effectLst/>
+                <a:uLnTx/>
+                <a:uFillTx/>
+                <a:latin typeface="Microsoft YaHei" panose="020B0503020204020204" pitchFamily="34" charset="-122"/>
+                <a:ea typeface="Microsoft YaHei" panose="020B0503020204020204" pitchFamily="34" charset="-122"/>
+                <a:cs typeface="+mn-cs"/>
+                <a:sym typeface="+mn-ea"/>
+              </a:rPr>
+              <a:t>Code Demo Examples</a:t>
+            </a:r>
+            <a:endParaRPr kumimoji="0" lang="en-US" altLang="zh-CN" sz="2800" b="1" i="0" u="none" strike="noStrike" kern="1200" cap="none" spc="0" normalizeH="0" baseline="0" noProof="0" dirty="0">
+              <a:ln>
+                <a:noFill/>
+              </a:ln>
+              <a:solidFill>
+                <a:schemeClr val="tx1">
+                  <a:lumMod val="85000"/>
+                  <a:lumOff val="15000"/>
+                </a:schemeClr>
+              </a:solidFill>
+              <a:effectLst/>
+              <a:uLnTx/>
+              <a:uFillTx/>
+              <a:latin typeface="Microsoft YaHei" panose="020B0503020204020204" pitchFamily="34" charset="-122"/>
+              <a:ea typeface="Microsoft YaHei" panose="020B0503020204020204" pitchFamily="34" charset="-122"/>
+              <a:cs typeface="+mn-cs"/>
+              <a:sym typeface="+mn-ea"/>
+            </a:endParaRPr>
+          </a:p>
+        </p:txBody>
+      </p:sp>
+      <p:sp>
+        <p:nvSpPr>
+          <p:cNvPr id="3" name="Content Placeholder 2"/>
+          <p:cNvSpPr>
+            <a:spLocks noGrp="1"/>
+          </p:cNvSpPr>
+          <p:nvPr>
+            <p:ph idx="1"/>
+          </p:nvPr>
+        </p:nvSpPr>
+        <p:spPr>
+          <a:xfrm>
+            <a:off x="890588" y="1494359"/>
+            <a:ext cx="10515600" cy="4351338"/>
+          </a:xfrm>
+        </p:spPr>
+        <p:txBody>
+          <a:bodyPr/>
+          <a:lstStyle/>
+          <a:p>
+            <a:r>
+              <a:rPr lang="en-US" sz="3200" dirty="0"/>
+              <a:t>Find Value in Array</a:t>
+            </a:r>
+            <a:endParaRPr lang="en-US" sz="3200" dirty="0"/>
+          </a:p>
+          <a:p>
+            <a:r>
+              <a:rPr lang="en-US" sz="3200" dirty="0"/>
+              <a:t>Estimate Integer Square Root</a:t>
+            </a:r>
+            <a:endParaRPr lang="en-US" sz="3200" dirty="0"/>
+          </a:p>
+        </p:txBody>
+      </p:sp>
+    </p:spTree>
+  </p:cSld>
+  <p:clrMapOvr>
+    <a:masterClrMapping/>
+  </p:clrMapOvr>
+  <p:transition spd="slow">
+    <p:wipe/>
+  </p:transition>
+</p:sld>
+</file>
+
+<file path=ppt/slides/slide14.xml><?xml version="1.0" encoding="utf-8"?>
+<p:sld xmlns:a="http://schemas.openxmlformats.org/drawingml/2006/main" xmlns:r="http://schemas.openxmlformats.org/officeDocument/2006/relationships" xmlns:p="http://schemas.openxmlformats.org/presentationml/2006/main">
+  <p:cSld>
+    <p:spTree>
+      <p:nvGrpSpPr>
+        <p:cNvPr id="1" name=""/>
+        <p:cNvGrpSpPr/>
+        <p:nvPr/>
+      </p:nvGrpSpPr>
+      <p:grpSpPr>
+        <a:xfrm>
+          <a:off x="0" y="0"/>
+          <a:ext cx="0" cy="0"/>
+          <a:chOff x="0" y="0"/>
+          <a:chExt cx="0" cy="0"/>
+        </a:xfrm>
+      </p:grpSpPr>
+      <p:sp>
+        <p:nvSpPr>
           <p:cNvPr id="46" name="任意多边形 45"/>
           <p:cNvSpPr/>
           <p:nvPr/>
@@ -5176,8 +6626,8 @@
         </p:nvSpPr>
         <p:spPr>
           <a:xfrm>
-            <a:off x="4319588" y="2498725"/>
-            <a:ext cx="5067300" cy="583565"/>
+            <a:off x="4348163" y="2402840"/>
+            <a:ext cx="5067300" cy="1076325"/>
           </a:xfrm>
           <a:prstGeom prst="rect">
             <a:avLst/>
@@ -5204,7 +6654,29 @@
                 <a:latin typeface="Microsoft YaHei" panose="020B0503020204020204" pitchFamily="34" charset="-122"/>
                 <a:ea typeface="Microsoft YaHei" panose="020B0503020204020204" pitchFamily="34" charset="-122"/>
               </a:rPr>
-              <a:t>Two Pointers</a:t>
+              <a:t>Two Pointers &amp; </a:t>
+            </a:r>
+            <a:endParaRPr lang="en-US" altLang="zh-CN" sz="3200" b="1" dirty="0">
+              <a:solidFill>
+                <a:srgbClr val="05B780"/>
+              </a:solidFill>
+              <a:latin typeface="Microsoft YaHei" panose="020B0503020204020204" pitchFamily="34" charset="-122"/>
+              <a:ea typeface="Microsoft YaHei" panose="020B0503020204020204" pitchFamily="34" charset="-122"/>
+            </a:endParaRPr>
+          </a:p>
+          <a:p>
+            <a:pPr>
+              <a:buFont typeface="Arial" panose="020B0604020202020204" pitchFamily="34" charset="0"/>
+            </a:pPr>
+            <a:r>
+              <a:rPr lang="en-US" altLang="zh-CN" sz="3200" b="1" dirty="0">
+                <a:solidFill>
+                  <a:srgbClr val="05B780"/>
+                </a:solidFill>
+                <a:latin typeface="Microsoft YaHei" panose="020B0503020204020204" pitchFamily="34" charset="-122"/>
+                <a:ea typeface="Microsoft YaHei" panose="020B0503020204020204" pitchFamily="34" charset="-122"/>
+              </a:rPr>
+              <a:t>Sliding Window</a:t>
             </a:r>
             <a:endParaRPr lang="en-US" altLang="zh-CN" sz="3200" b="1" dirty="0">
               <a:solidFill>
@@ -5367,7 +6839,7 @@
 </p:sld>
 </file>
 
-<file path=ppt/slides/slide11.xml><?xml version="1.0" encoding="utf-8"?>
+<file path=ppt/slides/slide15.xml><?xml version="1.0" encoding="utf-8"?>
 <p:sld xmlns:a="http://schemas.openxmlformats.org/drawingml/2006/main" xmlns:r="http://schemas.openxmlformats.org/officeDocument/2006/relationships" xmlns:p="http://schemas.openxmlformats.org/presentationml/2006/main">
   <p:cSld>
     <p:spTree>
@@ -5645,7 +7117,7 @@
                 <a:cs typeface="+mn-cs"/>
                 <a:sym typeface="+mn-ea"/>
               </a:rPr>
-              <a:t>Title</a:t>
+              <a:t>Two Pointers</a:t>
             </a:r>
             <a:endParaRPr kumimoji="0" lang="en-US" altLang="zh-CN" sz="2800" b="1" i="0" u="none" strike="noStrike" kern="1200" cap="none" spc="0" normalizeH="0" baseline="0" noProof="0" dirty="0">
               <a:ln>
@@ -5688,6 +7160,24 @@
           <a:bodyPr/>
           <a:lstStyle/>
           <a:p>
+            <a:r>
+              <a:rPr lang="en-US" sz="3200" dirty="0"/>
+              <a:t>This is a common technique often used to solve certain problems involving an </a:t>
+            </a:r>
+            <a:r>
+              <a:rPr lang="en-US" sz="3200" b="1" dirty="0"/>
+              <a:t>iterable data structure</a:t>
+            </a:r>
+            <a:endParaRPr lang="en-US" sz="3200" b="1" dirty="0"/>
+          </a:p>
+          <a:p>
+            <a:r>
+              <a:rPr lang="en-US" sz="3200" dirty="0"/>
+              <a:t>It’s actually more of a paradigm than an algorithm, since there is no singular way to implement it</a:t>
+            </a:r>
+            <a:endParaRPr lang="en-US" sz="3200" dirty="0"/>
+          </a:p>
+          <a:p>
             <a:endParaRPr lang="en-US" sz="3200" dirty="0"/>
           </a:p>
         </p:txBody>
@@ -5703,475 +7193,7 @@
 </p:sld>
 </file>
 
-<file path=ppt/slides/slide12.xml><?xml version="1.0" encoding="utf-8"?>
-<p:sld xmlns:a="http://schemas.openxmlformats.org/drawingml/2006/main" xmlns:r="http://schemas.openxmlformats.org/officeDocument/2006/relationships" xmlns:p="http://schemas.openxmlformats.org/presentationml/2006/main">
-  <p:cSld>
-    <p:spTree>
-      <p:nvGrpSpPr>
-        <p:cNvPr id="1" name=""/>
-        <p:cNvGrpSpPr/>
-        <p:nvPr/>
-      </p:nvGrpSpPr>
-      <p:grpSpPr>
-        <a:xfrm>
-          <a:off x="0" y="0"/>
-          <a:ext cx="0" cy="0"/>
-          <a:chOff x="0" y="0"/>
-          <a:chExt cx="0" cy="0"/>
-        </a:xfrm>
-      </p:grpSpPr>
-      <p:sp>
-        <p:nvSpPr>
-          <p:cNvPr id="46" name="任意多边形 45"/>
-          <p:cNvSpPr/>
-          <p:nvPr/>
-        </p:nvSpPr>
-        <p:spPr>
-          <a:xfrm>
-            <a:off x="0" y="260350"/>
-            <a:ext cx="3922395" cy="739775"/>
-          </a:xfrm>
-          <a:custGeom>
-            <a:avLst/>
-            <a:gdLst>
-              <a:gd name="connsiteX0" fmla="*/ 0 w 2091831"/>
-              <a:gd name="connsiteY0" fmla="*/ 0 h 739718"/>
-              <a:gd name="connsiteX1" fmla="*/ 1721972 w 2091831"/>
-              <a:gd name="connsiteY1" fmla="*/ 0 h 739718"/>
-              <a:gd name="connsiteX2" fmla="*/ 2091831 w 2091831"/>
-              <a:gd name="connsiteY2" fmla="*/ 369859 h 739718"/>
-              <a:gd name="connsiteX3" fmla="*/ 1721972 w 2091831"/>
-              <a:gd name="connsiteY3" fmla="*/ 739718 h 739718"/>
-              <a:gd name="connsiteX4" fmla="*/ 0 w 2091831"/>
-              <a:gd name="connsiteY4" fmla="*/ 739718 h 739718"/>
-            </a:gdLst>
-            <a:ahLst/>
-            <a:cxnLst>
-              <a:cxn ang="0">
-                <a:pos x="connsiteX0" y="connsiteY0"/>
-              </a:cxn>
-              <a:cxn ang="0">
-                <a:pos x="connsiteX1" y="connsiteY1"/>
-              </a:cxn>
-              <a:cxn ang="0">
-                <a:pos x="connsiteX2" y="connsiteY2"/>
-              </a:cxn>
-              <a:cxn ang="0">
-                <a:pos x="connsiteX3" y="connsiteY3"/>
-              </a:cxn>
-              <a:cxn ang="0">
-                <a:pos x="connsiteX4" y="connsiteY4"/>
-              </a:cxn>
-            </a:cxnLst>
-            <a:rect l="l" t="t" r="r" b="b"/>
-            <a:pathLst>
-              <a:path w="2091831" h="739718">
-                <a:moveTo>
-                  <a:pt x="0" y="0"/>
-                </a:moveTo>
-                <a:lnTo>
-                  <a:pt x="1721972" y="0"/>
-                </a:lnTo>
-                <a:cubicBezTo>
-                  <a:pt x="1926239" y="0"/>
-                  <a:pt x="2091831" y="165592"/>
-                  <a:pt x="2091831" y="369859"/>
-                </a:cubicBezTo>
-                <a:cubicBezTo>
-                  <a:pt x="2091831" y="574126"/>
-                  <a:pt x="1926239" y="739718"/>
-                  <a:pt x="1721972" y="739718"/>
-                </a:cubicBezTo>
-                <a:lnTo>
-                  <a:pt x="0" y="739718"/>
-                </a:lnTo>
-                <a:close/>
-              </a:path>
-            </a:pathLst>
-          </a:custGeom>
-          <a:solidFill>
-            <a:srgbClr val="05B780"/>
-          </a:solidFill>
-          <a:ln>
-            <a:noFill/>
-          </a:ln>
-        </p:spPr>
-        <p:style>
-          <a:lnRef idx="2">
-            <a:schemeClr val="accent1">
-              <a:shade val="50000"/>
-            </a:schemeClr>
-          </a:lnRef>
-          <a:fillRef idx="1">
-            <a:schemeClr val="accent1"/>
-          </a:fillRef>
-          <a:effectRef idx="0">
-            <a:schemeClr val="accent1"/>
-          </a:effectRef>
-          <a:fontRef idx="minor">
-            <a:schemeClr val="lt1"/>
-          </a:fontRef>
-        </p:style>
-        <p:txBody>
-          <a:bodyPr anchor="ctr"/>
-          <a:lstStyle/>
-          <a:p>
-            <a:pPr marL="0" marR="0" lvl="0" indent="0" algn="ctr" defTabSz="914400" rtl="0" eaLnBrk="1" fontAlgn="auto" latinLnBrk="0" hangingPunct="1">
-              <a:lnSpc>
-                <a:spcPct val="100000"/>
-              </a:lnSpc>
-              <a:spcBef>
-                <a:spcPts val="0"/>
-              </a:spcBef>
-              <a:spcAft>
-                <a:spcPts val="0"/>
-              </a:spcAft>
-              <a:buClrTx/>
-              <a:buSzTx/>
-              <a:buFontTx/>
-              <a:buNone/>
-              <a:defRPr/>
-            </a:pPr>
-            <a:endParaRPr kumimoji="0" lang="zh-CN" altLang="en-US" sz="1800" b="0" i="0" u="none" strike="noStrike" kern="1200" cap="none" spc="0" normalizeH="0" baseline="0" noProof="0">
-              <a:ln>
-                <a:noFill/>
-              </a:ln>
-              <a:solidFill>
-                <a:schemeClr val="lt1"/>
-              </a:solidFill>
-              <a:effectLst/>
-              <a:uLnTx/>
-              <a:uFillTx/>
-              <a:latin typeface="+mn-lt"/>
-              <a:ea typeface="+mn-ea"/>
-              <a:cs typeface="+mn-cs"/>
-            </a:endParaRPr>
-          </a:p>
-        </p:txBody>
-      </p:sp>
-      <p:sp>
-        <p:nvSpPr>
-          <p:cNvPr id="6146" name="文本框 101"/>
-          <p:cNvSpPr txBox="1"/>
-          <p:nvPr/>
-        </p:nvSpPr>
-        <p:spPr>
-          <a:xfrm>
-            <a:off x="0" y="338455"/>
-            <a:ext cx="3255645" cy="583565"/>
-          </a:xfrm>
-          <a:prstGeom prst="rect">
-            <a:avLst/>
-          </a:prstGeom>
-          <a:noFill/>
-          <a:ln w="9525">
-            <a:noFill/>
-          </a:ln>
-        </p:spPr>
-        <p:txBody>
-          <a:bodyPr wrap="square" anchor="t" anchorCtr="0">
-            <a:spAutoFit/>
-          </a:bodyPr>
-          <a:lstStyle/>
-          <a:p>
-            <a:pPr>
-              <a:buFont typeface="Arial" panose="020B0604020202020204" pitchFamily="34" charset="0"/>
-            </a:pPr>
-            <a:r>
-              <a:rPr lang="en-US" altLang="zh-CN" sz="3200" b="1" dirty="0">
-                <a:solidFill>
-                  <a:schemeClr val="bg1"/>
-                </a:solidFill>
-                <a:latin typeface="Microsoft YaHei" panose="020B0503020204020204" pitchFamily="34" charset="-122"/>
-                <a:ea typeface="Microsoft YaHei" panose="020B0503020204020204" pitchFamily="34" charset="-122"/>
-                <a:sym typeface="+mn-ea"/>
-              </a:rPr>
-              <a:t>Algorithms</a:t>
-            </a:r>
-            <a:endParaRPr lang="en-US" altLang="zh-CN" sz="3200" b="1" dirty="0">
-              <a:solidFill>
-                <a:schemeClr val="bg1"/>
-              </a:solidFill>
-              <a:latin typeface="Microsoft YaHei" panose="020B0503020204020204" pitchFamily="34" charset="-122"/>
-              <a:ea typeface="Microsoft YaHei" panose="020B0503020204020204" pitchFamily="34" charset="-122"/>
-            </a:endParaRPr>
-          </a:p>
-        </p:txBody>
-      </p:sp>
-      <p:sp>
-        <p:nvSpPr>
-          <p:cNvPr id="15" name="矩形 14"/>
-          <p:cNvSpPr/>
-          <p:nvPr/>
-        </p:nvSpPr>
-        <p:spPr>
-          <a:xfrm>
-            <a:off x="3719513" y="2454275"/>
-            <a:ext cx="5913438" cy="973138"/>
-          </a:xfrm>
-          <a:prstGeom prst="rect">
-            <a:avLst/>
-          </a:prstGeom>
-          <a:noFill/>
-          <a:ln>
-            <a:solidFill>
-              <a:srgbClr val="05B780"/>
-            </a:solidFill>
-          </a:ln>
-        </p:spPr>
-        <p:style>
-          <a:lnRef idx="2">
-            <a:schemeClr val="accent1">
-              <a:shade val="50000"/>
-            </a:schemeClr>
-          </a:lnRef>
-          <a:fillRef idx="1">
-            <a:schemeClr val="accent1"/>
-          </a:fillRef>
-          <a:effectRef idx="0">
-            <a:schemeClr val="accent1"/>
-          </a:effectRef>
-          <a:fontRef idx="minor">
-            <a:schemeClr val="lt1"/>
-          </a:fontRef>
-        </p:style>
-        <p:txBody>
-          <a:bodyPr anchor="ctr"/>
-          <a:lstStyle/>
-          <a:p>
-            <a:pPr marL="0" marR="0" lvl="0" indent="0" algn="ctr" defTabSz="914400" rtl="0" eaLnBrk="1" fontAlgn="auto" latinLnBrk="0" hangingPunct="1">
-              <a:lnSpc>
-                <a:spcPct val="100000"/>
-              </a:lnSpc>
-              <a:spcBef>
-                <a:spcPts val="0"/>
-              </a:spcBef>
-              <a:spcAft>
-                <a:spcPts val="0"/>
-              </a:spcAft>
-              <a:buClrTx/>
-              <a:buSzTx/>
-              <a:buFontTx/>
-              <a:buNone/>
-              <a:defRPr/>
-            </a:pPr>
-            <a:endParaRPr kumimoji="0" lang="zh-CN" altLang="en-US" sz="4400" b="0" i="0" u="none" strike="noStrike" kern="1200" cap="none" spc="0" normalizeH="0" baseline="0" noProof="0">
-              <a:ln>
-                <a:noFill/>
-              </a:ln>
-              <a:solidFill>
-                <a:schemeClr val="lt1"/>
-              </a:solidFill>
-              <a:effectLst/>
-              <a:uLnTx/>
-              <a:uFillTx/>
-              <a:latin typeface="+mn-lt"/>
-              <a:ea typeface="+mn-ea"/>
-              <a:cs typeface="+mn-cs"/>
-            </a:endParaRPr>
-          </a:p>
-        </p:txBody>
-      </p:sp>
-      <p:sp>
-        <p:nvSpPr>
-          <p:cNvPr id="6153" name="文本框 15"/>
-          <p:cNvSpPr txBox="1"/>
-          <p:nvPr/>
-        </p:nvSpPr>
-        <p:spPr>
-          <a:xfrm>
-            <a:off x="4319588" y="2498725"/>
-            <a:ext cx="5067300" cy="583565"/>
-          </a:xfrm>
-          <a:prstGeom prst="rect">
-            <a:avLst/>
-          </a:prstGeom>
-          <a:noFill/>
-          <a:ln w="9525">
-            <a:noFill/>
-          </a:ln>
-        </p:spPr>
-        <p:txBody>
-          <a:bodyPr wrap="square" anchor="t" anchorCtr="0">
-            <a:spAutoFit/>
-          </a:bodyPr>
-          <a:lstStyle/>
-          <a:p>
-            <a:pPr>
-              <a:buFont typeface="Arial" panose="020B0604020202020204" pitchFamily="34" charset="0"/>
-            </a:pPr>
-            <a:r>
-              <a:rPr lang="en-US" altLang="zh-CN" sz="3200" b="1" dirty="0">
-                <a:solidFill>
-                  <a:srgbClr val="05B780"/>
-                </a:solidFill>
-                <a:latin typeface="Microsoft YaHei" panose="020B0503020204020204" pitchFamily="34" charset="-122"/>
-                <a:ea typeface="Microsoft YaHei" panose="020B0503020204020204" pitchFamily="34" charset="-122"/>
-              </a:rPr>
-              <a:t>Sliding Window</a:t>
-            </a:r>
-            <a:endParaRPr lang="en-US" altLang="zh-CN" sz="3200" b="1" dirty="0">
-              <a:solidFill>
-                <a:srgbClr val="05B780"/>
-              </a:solidFill>
-              <a:latin typeface="Microsoft YaHei" panose="020B0503020204020204" pitchFamily="34" charset="-122"/>
-              <a:ea typeface="Microsoft YaHei" panose="020B0503020204020204" pitchFamily="34" charset="-122"/>
-            </a:endParaRPr>
-          </a:p>
-        </p:txBody>
-      </p:sp>
-      <p:grpSp>
-        <p:nvGrpSpPr>
-          <p:cNvPr id="6154" name="组合 16"/>
-          <p:cNvGrpSpPr/>
-          <p:nvPr/>
-        </p:nvGrpSpPr>
-        <p:grpSpPr>
-          <a:xfrm>
-            <a:off x="2179628" y="2022465"/>
-            <a:ext cx="1742436" cy="1839913"/>
-            <a:chOff x="1473123" y="1521447"/>
-            <a:chExt cx="645926" cy="681967"/>
-          </a:xfrm>
-        </p:grpSpPr>
-        <p:sp>
-          <p:nvSpPr>
-            <p:cNvPr id="18" name="六边形 17"/>
-            <p:cNvSpPr/>
-            <p:nvPr/>
-          </p:nvSpPr>
-          <p:spPr>
-            <a:xfrm rot="5400000">
-              <a:off x="1426090" y="1568479"/>
-              <a:ext cx="681967" cy="587902"/>
-            </a:xfrm>
-            <a:prstGeom prst="hexagon">
-              <a:avLst>
-                <a:gd name="adj" fmla="val 27469"/>
-                <a:gd name="vf" fmla="val 115470"/>
-              </a:avLst>
-            </a:prstGeom>
-            <a:solidFill>
-              <a:srgbClr val="05B780"/>
-            </a:solidFill>
-            <a:ln>
-              <a:noFill/>
-            </a:ln>
-          </p:spPr>
-          <p:style>
-            <a:lnRef idx="2">
-              <a:schemeClr val="accent1">
-                <a:shade val="50000"/>
-              </a:schemeClr>
-            </a:lnRef>
-            <a:fillRef idx="1">
-              <a:schemeClr val="accent1"/>
-            </a:fillRef>
-            <a:effectRef idx="0">
-              <a:schemeClr val="accent1"/>
-            </a:effectRef>
-            <a:fontRef idx="minor">
-              <a:schemeClr val="lt1"/>
-            </a:fontRef>
-          </p:style>
-          <p:txBody>
-            <a:bodyPr anchor="ctr"/>
-            <a:lstStyle/>
-            <a:p>
-              <a:pPr marL="0" marR="0" lvl="0" indent="0" algn="ctr" defTabSz="914400" rtl="0" eaLnBrk="1" fontAlgn="auto" latinLnBrk="0" hangingPunct="1">
-                <a:lnSpc>
-                  <a:spcPct val="100000"/>
-                </a:lnSpc>
-                <a:spcBef>
-                  <a:spcPts val="0"/>
-                </a:spcBef>
-                <a:spcAft>
-                  <a:spcPts val="0"/>
-                </a:spcAft>
-                <a:buClrTx/>
-                <a:buSzTx/>
-                <a:buFontTx/>
-                <a:buNone/>
-                <a:defRPr/>
-              </a:pPr>
-              <a:endParaRPr kumimoji="0" lang="zh-CN" altLang="en-US" sz="4400" b="0" i="0" u="none" strike="noStrike" kern="1200" cap="none" spc="0" normalizeH="0" baseline="0" noProof="0">
-                <a:ln>
-                  <a:noFill/>
-                </a:ln>
-                <a:solidFill>
-                  <a:schemeClr val="lt1"/>
-                </a:solidFill>
-                <a:effectLst/>
-                <a:uLnTx/>
-                <a:uFillTx/>
-                <a:latin typeface="+mn-lt"/>
-                <a:ea typeface="+mn-ea"/>
-                <a:cs typeface="+mn-cs"/>
-              </a:endParaRPr>
-            </a:p>
-          </p:txBody>
-        </p:sp>
-        <p:sp>
-          <p:nvSpPr>
-            <p:cNvPr id="6156" name="文本框 18"/>
-            <p:cNvSpPr txBox="1"/>
-            <p:nvPr/>
-          </p:nvSpPr>
-          <p:spPr>
-            <a:xfrm>
-              <a:off x="1532912" y="1719387"/>
-              <a:ext cx="586137" cy="284790"/>
-            </a:xfrm>
-            <a:prstGeom prst="rect">
-              <a:avLst/>
-            </a:prstGeom>
-            <a:noFill/>
-            <a:ln w="9525">
-              <a:noFill/>
-            </a:ln>
-          </p:spPr>
-          <p:txBody>
-            <a:bodyPr wrap="square" anchor="t" anchorCtr="0">
-              <a:spAutoFit/>
-            </a:bodyPr>
-            <a:lstStyle/>
-            <a:p>
-              <a:pPr>
-                <a:buFont typeface="Arial" panose="020B0604020202020204" pitchFamily="34" charset="0"/>
-              </a:pPr>
-              <a:r>
-                <a:rPr lang="en-US" altLang="zh-CN" sz="4400" b="1" dirty="0">
-                  <a:solidFill>
-                    <a:schemeClr val="bg1"/>
-                  </a:solidFill>
-                  <a:latin typeface="Microsoft YaHei" panose="020B0503020204020204" pitchFamily="34" charset="-122"/>
-                  <a:ea typeface="Microsoft YaHei" panose="020B0503020204020204" pitchFamily="34" charset="-122"/>
-                </a:rPr>
-                <a:t>04</a:t>
-              </a:r>
-              <a:endParaRPr lang="en-US" altLang="zh-CN" sz="4400" b="1" dirty="0">
-                <a:solidFill>
-                  <a:schemeClr val="bg1"/>
-                </a:solidFill>
-                <a:latin typeface="Microsoft YaHei" panose="020B0503020204020204" pitchFamily="34" charset="-122"/>
-                <a:ea typeface="Microsoft YaHei" panose="020B0503020204020204" pitchFamily="34" charset="-122"/>
-              </a:endParaRPr>
-            </a:p>
-          </p:txBody>
-        </p:sp>
-      </p:grpSp>
-    </p:spTree>
-  </p:cSld>
-  <p:clrMapOvr>
-    <a:masterClrMapping/>
-  </p:clrMapOvr>
-  <p:transition spd="slow">
-    <p:wipe/>
-  </p:transition>
-</p:sld>
-</file>
-
-<file path=ppt/slides/slide13.xml><?xml version="1.0" encoding="utf-8"?>
+<file path=ppt/slides/slide16.xml><?xml version="1.0" encoding="utf-8"?>
 <p:sld xmlns:a="http://schemas.openxmlformats.org/drawingml/2006/main" xmlns:r="http://schemas.openxmlformats.org/officeDocument/2006/relationships" xmlns:p="http://schemas.openxmlformats.org/presentationml/2006/main">
   <p:cSld>
     <p:spTree>
@@ -6353,7 +7375,368 @@
                 <a:latin typeface="Microsoft YaHei" panose="020B0503020204020204" pitchFamily="34" charset="-122"/>
                 <a:ea typeface="Microsoft YaHei" panose="020B0503020204020204" pitchFamily="34" charset="-122"/>
               </a:rPr>
-              <a:t>4.1</a:t>
+              <a:t>3.1</a:t>
+            </a:r>
+            <a:endParaRPr lang="en-US" altLang="zh-CN" sz="2800" b="1" dirty="0">
+              <a:solidFill>
+                <a:schemeClr val="bg1"/>
+              </a:solidFill>
+              <a:latin typeface="Microsoft YaHei" panose="020B0503020204020204" pitchFamily="34" charset="-122"/>
+              <a:ea typeface="Microsoft YaHei" panose="020B0503020204020204" pitchFamily="34" charset="-122"/>
+            </a:endParaRPr>
+          </a:p>
+        </p:txBody>
+      </p:sp>
+      <p:sp>
+        <p:nvSpPr>
+          <p:cNvPr id="16" name="Rectangle 6"/>
+          <p:cNvSpPr>
+            <a:spLocks noChangeArrowheads="1"/>
+          </p:cNvSpPr>
+          <p:nvPr/>
+        </p:nvSpPr>
+        <p:spPr bwMode="black">
+          <a:xfrm>
+            <a:off x="1021080" y="334010"/>
+            <a:ext cx="10128885" cy="521970"/>
+          </a:xfrm>
+          <a:prstGeom prst="rect">
+            <a:avLst/>
+          </a:prstGeom>
+          <a:noFill/>
+          <a:ln>
+            <a:noFill/>
+          </a:ln>
+          <a:effectLst/>
+          <a:extLst>
+            <a:ext uri="{909E8E84-426E-40DD-AFC4-6F175D3DCCD1}">
+              <a14:hiddenFill xmlns:a14="http://schemas.microsoft.com/office/drawing/2010/main">
+                <a:solidFill>
+                  <a:schemeClr val="accent1"/>
+                </a:solidFill>
+              </a14:hiddenFill>
+            </a:ext>
+            <a:ext uri="{91240B29-F687-4F45-9708-019B960494DF}">
+              <a14:hiddenLine xmlns:a14="http://schemas.microsoft.com/office/drawing/2010/main" w="9525">
+                <a:solidFill>
+                  <a:schemeClr val="tx1"/>
+                </a:solidFill>
+                <a:miter lim="800000"/>
+                <a:headEnd/>
+                <a:tailEnd/>
+              </a14:hiddenLine>
+            </a:ext>
+            <a:ext uri="{AF507438-7753-43E0-B8FC-AC1667EBCBE1}">
+              <a14:hiddenEffects xmlns:a14="http://schemas.microsoft.com/office/drawing/2010/main">
+                <a:effectLst>
+                  <a:outerShdw dist="35921" dir="2700000" algn="ctr" rotWithShape="0">
+                    <a:schemeClr val="bg2"/>
+                  </a:outerShdw>
+                </a:effectLst>
+              </a14:hiddenEffects>
+            </a:ext>
+          </a:extLst>
+        </p:spPr>
+        <p:txBody>
+          <a:bodyPr wrap="square">
+            <a:spAutoFit/>
+          </a:bodyPr>
+          <a:lstStyle/>
+          <a:p>
+            <a:pPr eaLnBrk="0" fontAlgn="auto" hangingPunct="0">
+              <a:spcBef>
+                <a:spcPts val="0"/>
+              </a:spcBef>
+              <a:spcAft>
+                <a:spcPts val="0"/>
+              </a:spcAft>
+              <a:defRPr/>
+            </a:pPr>
+            <a:r>
+              <a:rPr kumimoji="0" lang="en-US" altLang="zh-CN" sz="2800" b="1" i="0" u="none" strike="noStrike" kern="1200" cap="none" spc="0" normalizeH="0" baseline="0" noProof="0" dirty="0">
+                <a:ln>
+                  <a:noFill/>
+                </a:ln>
+                <a:solidFill>
+                  <a:schemeClr val="tx1">
+                    <a:lumMod val="85000"/>
+                    <a:lumOff val="15000"/>
+                  </a:schemeClr>
+                </a:solidFill>
+                <a:effectLst/>
+                <a:uLnTx/>
+                <a:uFillTx/>
+                <a:latin typeface="Microsoft YaHei" panose="020B0503020204020204" pitchFamily="34" charset="-122"/>
+                <a:ea typeface="Microsoft YaHei" panose="020B0503020204020204" pitchFamily="34" charset="-122"/>
+                <a:cs typeface="+mn-cs"/>
+                <a:sym typeface="+mn-ea"/>
+              </a:rPr>
+              <a:t>General Characteristics</a:t>
+            </a:r>
+            <a:endParaRPr kumimoji="0" lang="en-US" altLang="zh-CN" sz="2800" b="1" i="0" u="none" strike="noStrike" kern="1200" cap="none" spc="0" normalizeH="0" baseline="0" noProof="0" dirty="0">
+              <a:ln>
+                <a:noFill/>
+              </a:ln>
+              <a:solidFill>
+                <a:schemeClr val="tx1">
+                  <a:lumMod val="85000"/>
+                  <a:lumOff val="15000"/>
+                </a:schemeClr>
+              </a:solidFill>
+              <a:effectLst/>
+              <a:uLnTx/>
+              <a:uFillTx/>
+              <a:latin typeface="Microsoft YaHei" panose="020B0503020204020204" pitchFamily="34" charset="-122"/>
+              <a:ea typeface="Microsoft YaHei" panose="020B0503020204020204" pitchFamily="34" charset="-122"/>
+              <a:cs typeface="+mn-cs"/>
+              <a:sym typeface="+mn-ea"/>
+            </a:endParaRPr>
+          </a:p>
+        </p:txBody>
+      </p:sp>
+      <p:sp>
+        <p:nvSpPr>
+          <p:cNvPr id="3" name="Content Placeholder 2"/>
+          <p:cNvSpPr>
+            <a:spLocks noGrp="1"/>
+          </p:cNvSpPr>
+          <p:nvPr>
+            <p:ph idx="1"/>
+          </p:nvPr>
+        </p:nvSpPr>
+        <p:spPr>
+          <a:xfrm>
+            <a:off x="890588" y="1494359"/>
+            <a:ext cx="10515600" cy="4351338"/>
+          </a:xfrm>
+        </p:spPr>
+        <p:txBody>
+          <a:bodyPr/>
+          <a:lstStyle/>
+          <a:p>
+            <a:r>
+              <a:rPr lang="en-US" sz="3200" dirty="0"/>
+              <a:t>Two moving pointers, regardless of directions, moving dependently or independently;</a:t>
+            </a:r>
+            <a:endParaRPr lang="en-US" sz="3200" dirty="0"/>
+          </a:p>
+          <a:p>
+            <a:r>
+              <a:rPr lang="en-US" sz="3200" dirty="0"/>
+              <a:t>A function that utilizes the entries referenced by the two pointers, which relates to the answer in a way;</a:t>
+            </a:r>
+            <a:endParaRPr lang="en-US" sz="3200" dirty="0"/>
+          </a:p>
+          <a:p>
+            <a:r>
+              <a:rPr lang="en-US" sz="3200" dirty="0"/>
+              <a:t>An easy way of deciding which pointer to move;</a:t>
+            </a:r>
+            <a:endParaRPr lang="en-US" sz="3200" dirty="0"/>
+          </a:p>
+          <a:p>
+            <a:r>
+              <a:rPr lang="en-US" sz="3200" dirty="0"/>
+              <a:t>A way to process the array when the pointers are moved.</a:t>
+            </a:r>
+            <a:endParaRPr lang="en-US" sz="3200" dirty="0"/>
+          </a:p>
+        </p:txBody>
+      </p:sp>
+    </p:spTree>
+  </p:cSld>
+  <p:clrMapOvr>
+    <a:masterClrMapping/>
+  </p:clrMapOvr>
+  <p:transition spd="slow">
+    <p:wipe/>
+  </p:transition>
+</p:sld>
+</file>
+
+<file path=ppt/slides/slide17.xml><?xml version="1.0" encoding="utf-8"?>
+<p:sld xmlns:a="http://schemas.openxmlformats.org/drawingml/2006/main" xmlns:r="http://schemas.openxmlformats.org/officeDocument/2006/relationships" xmlns:p="http://schemas.openxmlformats.org/presentationml/2006/main">
+  <p:cSld>
+    <p:spTree>
+      <p:nvGrpSpPr>
+        <p:cNvPr id="1" name=""/>
+        <p:cNvGrpSpPr/>
+        <p:nvPr/>
+      </p:nvGrpSpPr>
+      <p:grpSpPr>
+        <a:xfrm>
+          <a:off x="0" y="0"/>
+          <a:ext cx="0" cy="0"/>
+          <a:chOff x="0" y="0"/>
+          <a:chExt cx="0" cy="0"/>
+        </a:xfrm>
+      </p:grpSpPr>
+      <p:sp>
+        <p:nvSpPr>
+          <p:cNvPr id="15" name="任意多边形 14"/>
+          <p:cNvSpPr/>
+          <p:nvPr/>
+        </p:nvSpPr>
+        <p:spPr>
+          <a:xfrm>
+            <a:off x="0" y="274638"/>
+            <a:ext cx="890588" cy="639763"/>
+          </a:xfrm>
+          <a:custGeom>
+            <a:avLst/>
+            <a:gdLst>
+              <a:gd name="connsiteX0" fmla="*/ 0 w 1029743"/>
+              <a:gd name="connsiteY0" fmla="*/ 0 h 739718"/>
+              <a:gd name="connsiteX1" fmla="*/ 659884 w 1029743"/>
+              <a:gd name="connsiteY1" fmla="*/ 0 h 739718"/>
+              <a:gd name="connsiteX2" fmla="*/ 1029743 w 1029743"/>
+              <a:gd name="connsiteY2" fmla="*/ 369859 h 739718"/>
+              <a:gd name="connsiteX3" fmla="*/ 659884 w 1029743"/>
+              <a:gd name="connsiteY3" fmla="*/ 739718 h 739718"/>
+              <a:gd name="connsiteX4" fmla="*/ 0 w 1029743"/>
+              <a:gd name="connsiteY4" fmla="*/ 739718 h 739718"/>
+            </a:gdLst>
+            <a:ahLst/>
+            <a:cxnLst>
+              <a:cxn ang="0">
+                <a:pos x="connsiteX0" y="connsiteY0"/>
+              </a:cxn>
+              <a:cxn ang="0">
+                <a:pos x="connsiteX1" y="connsiteY1"/>
+              </a:cxn>
+              <a:cxn ang="0">
+                <a:pos x="connsiteX2" y="connsiteY2"/>
+              </a:cxn>
+              <a:cxn ang="0">
+                <a:pos x="connsiteX3" y="connsiteY3"/>
+              </a:cxn>
+              <a:cxn ang="0">
+                <a:pos x="connsiteX4" y="connsiteY4"/>
+              </a:cxn>
+            </a:cxnLst>
+            <a:rect l="l" t="t" r="r" b="b"/>
+            <a:pathLst>
+              <a:path w="1029743" h="739718">
+                <a:moveTo>
+                  <a:pt x="0" y="0"/>
+                </a:moveTo>
+                <a:lnTo>
+                  <a:pt x="659884" y="0"/>
+                </a:lnTo>
+                <a:cubicBezTo>
+                  <a:pt x="864151" y="0"/>
+                  <a:pt x="1029743" y="165592"/>
+                  <a:pt x="1029743" y="369859"/>
+                </a:cubicBezTo>
+                <a:cubicBezTo>
+                  <a:pt x="1029743" y="574126"/>
+                  <a:pt x="864151" y="739718"/>
+                  <a:pt x="659884" y="739718"/>
+                </a:cubicBezTo>
+                <a:lnTo>
+                  <a:pt x="0" y="739718"/>
+                </a:lnTo>
+                <a:close/>
+              </a:path>
+            </a:pathLst>
+          </a:custGeom>
+          <a:solidFill>
+            <a:srgbClr val="05B780"/>
+          </a:solidFill>
+          <a:ln>
+            <a:noFill/>
+          </a:ln>
+        </p:spPr>
+        <p:style>
+          <a:lnRef idx="2">
+            <a:schemeClr val="accent1">
+              <a:shade val="50000"/>
+            </a:schemeClr>
+          </a:lnRef>
+          <a:fillRef idx="1">
+            <a:schemeClr val="accent1"/>
+          </a:fillRef>
+          <a:effectRef idx="0">
+            <a:schemeClr val="accent1"/>
+          </a:effectRef>
+          <a:fontRef idx="minor">
+            <a:schemeClr val="lt1"/>
+          </a:fontRef>
+        </p:style>
+        <p:txBody>
+          <a:bodyPr anchor="ctr"/>
+          <a:lstStyle/>
+          <a:p>
+            <a:pPr marL="0" marR="0" lvl="0" indent="0" algn="ctr" defTabSz="914400" rtl="0" eaLnBrk="1" fontAlgn="auto" latinLnBrk="0" hangingPunct="1">
+              <a:lnSpc>
+                <a:spcPct val="100000"/>
+              </a:lnSpc>
+              <a:spcBef>
+                <a:spcPts val="0"/>
+              </a:spcBef>
+              <a:spcAft>
+                <a:spcPts val="0"/>
+              </a:spcAft>
+              <a:buClrTx/>
+              <a:buSzTx/>
+              <a:buFontTx/>
+              <a:buNone/>
+              <a:defRPr/>
+            </a:pPr>
+            <a:endParaRPr kumimoji="0" lang="zh-CN" altLang="en-US" sz="1800" b="0" i="0" u="none" strike="noStrike" kern="1200" cap="none" spc="0" normalizeH="0" baseline="0" noProof="0">
+              <a:ln>
+                <a:noFill/>
+              </a:ln>
+              <a:solidFill>
+                <a:schemeClr val="bg1"/>
+              </a:solidFill>
+              <a:effectLst/>
+              <a:uLnTx/>
+              <a:uFillTx/>
+              <a:latin typeface="+mn-lt"/>
+              <a:ea typeface="+mn-ea"/>
+              <a:cs typeface="+mn-cs"/>
+            </a:endParaRPr>
+          </a:p>
+        </p:txBody>
+      </p:sp>
+      <p:sp>
+        <p:nvSpPr>
+          <p:cNvPr id="7170" name="文本框 156"/>
+          <p:cNvSpPr txBox="1"/>
+          <p:nvPr/>
+        </p:nvSpPr>
+        <p:spPr>
+          <a:xfrm>
+            <a:off x="0" y="350838"/>
+            <a:ext cx="814388" cy="521970"/>
+          </a:xfrm>
+          <a:prstGeom prst="rect">
+            <a:avLst/>
+          </a:prstGeom>
+          <a:noFill/>
+          <a:ln w="9525">
+            <a:noFill/>
+          </a:ln>
+        </p:spPr>
+        <p:txBody>
+          <a:bodyPr anchor="t" anchorCtr="0">
+            <a:spAutoFit/>
+          </a:bodyPr>
+          <a:lstStyle/>
+          <a:p>
+            <a:pPr>
+              <a:buFont typeface="Arial" panose="020B0604020202020204" pitchFamily="34" charset="0"/>
+            </a:pPr>
+            <a:r>
+              <a:rPr lang="en-US" altLang="zh-CN" sz="2800" b="1" dirty="0">
+                <a:solidFill>
+                  <a:schemeClr val="bg1"/>
+                </a:solidFill>
+                <a:latin typeface="Microsoft YaHei" panose="020B0503020204020204" pitchFamily="34" charset="-122"/>
+                <a:ea typeface="Microsoft YaHei" panose="020B0503020204020204" pitchFamily="34" charset="-122"/>
+              </a:rPr>
+              <a:t>3.1</a:t>
             </a:r>
             <a:endParaRPr lang="en-US" altLang="zh-CN" sz="2800" b="1" dirty="0">
               <a:solidFill>
@@ -6449,7 +7832,7 @@
                 <a:cs typeface="+mn-cs"/>
                 <a:sym typeface="+mn-ea"/>
               </a:rPr>
-              <a:t>Title</a:t>
+              <a:t>Two Pointers: Same Direction</a:t>
             </a:r>
             <a:endParaRPr kumimoji="0" lang="en-US" altLang="zh-CN" sz="2800" b="1" i="0" u="none" strike="noStrike" kern="1200" cap="none" spc="0" normalizeH="0" baseline="0" noProof="0" dirty="0">
               <a:ln>
@@ -6507,7 +7890,3159 @@
 </p:sld>
 </file>
 
-<file path=ppt/slides/slide14.xml><?xml version="1.0" encoding="utf-8"?>
+<file path=ppt/slides/slide18.xml><?xml version="1.0" encoding="utf-8"?>
+<p:sld xmlns:a="http://schemas.openxmlformats.org/drawingml/2006/main" xmlns:r="http://schemas.openxmlformats.org/officeDocument/2006/relationships" xmlns:p="http://schemas.openxmlformats.org/presentationml/2006/main">
+  <p:cSld>
+    <p:spTree>
+      <p:nvGrpSpPr>
+        <p:cNvPr id="1" name=""/>
+        <p:cNvGrpSpPr/>
+        <p:nvPr/>
+      </p:nvGrpSpPr>
+      <p:grpSpPr>
+        <a:xfrm>
+          <a:off x="0" y="0"/>
+          <a:ext cx="0" cy="0"/>
+          <a:chOff x="0" y="0"/>
+          <a:chExt cx="0" cy="0"/>
+        </a:xfrm>
+      </p:grpSpPr>
+      <p:sp>
+        <p:nvSpPr>
+          <p:cNvPr id="15" name="任意多边形 14"/>
+          <p:cNvSpPr/>
+          <p:nvPr/>
+        </p:nvSpPr>
+        <p:spPr>
+          <a:xfrm>
+            <a:off x="0" y="274638"/>
+            <a:ext cx="890588" cy="639763"/>
+          </a:xfrm>
+          <a:custGeom>
+            <a:avLst/>
+            <a:gdLst>
+              <a:gd name="connsiteX0" fmla="*/ 0 w 1029743"/>
+              <a:gd name="connsiteY0" fmla="*/ 0 h 739718"/>
+              <a:gd name="connsiteX1" fmla="*/ 659884 w 1029743"/>
+              <a:gd name="connsiteY1" fmla="*/ 0 h 739718"/>
+              <a:gd name="connsiteX2" fmla="*/ 1029743 w 1029743"/>
+              <a:gd name="connsiteY2" fmla="*/ 369859 h 739718"/>
+              <a:gd name="connsiteX3" fmla="*/ 659884 w 1029743"/>
+              <a:gd name="connsiteY3" fmla="*/ 739718 h 739718"/>
+              <a:gd name="connsiteX4" fmla="*/ 0 w 1029743"/>
+              <a:gd name="connsiteY4" fmla="*/ 739718 h 739718"/>
+            </a:gdLst>
+            <a:ahLst/>
+            <a:cxnLst>
+              <a:cxn ang="0">
+                <a:pos x="connsiteX0" y="connsiteY0"/>
+              </a:cxn>
+              <a:cxn ang="0">
+                <a:pos x="connsiteX1" y="connsiteY1"/>
+              </a:cxn>
+              <a:cxn ang="0">
+                <a:pos x="connsiteX2" y="connsiteY2"/>
+              </a:cxn>
+              <a:cxn ang="0">
+                <a:pos x="connsiteX3" y="connsiteY3"/>
+              </a:cxn>
+              <a:cxn ang="0">
+                <a:pos x="connsiteX4" y="connsiteY4"/>
+              </a:cxn>
+            </a:cxnLst>
+            <a:rect l="l" t="t" r="r" b="b"/>
+            <a:pathLst>
+              <a:path w="1029743" h="739718">
+                <a:moveTo>
+                  <a:pt x="0" y="0"/>
+                </a:moveTo>
+                <a:lnTo>
+                  <a:pt x="659884" y="0"/>
+                </a:lnTo>
+                <a:cubicBezTo>
+                  <a:pt x="864151" y="0"/>
+                  <a:pt x="1029743" y="165592"/>
+                  <a:pt x="1029743" y="369859"/>
+                </a:cubicBezTo>
+                <a:cubicBezTo>
+                  <a:pt x="1029743" y="574126"/>
+                  <a:pt x="864151" y="739718"/>
+                  <a:pt x="659884" y="739718"/>
+                </a:cubicBezTo>
+                <a:lnTo>
+                  <a:pt x="0" y="739718"/>
+                </a:lnTo>
+                <a:close/>
+              </a:path>
+            </a:pathLst>
+          </a:custGeom>
+          <a:solidFill>
+            <a:srgbClr val="05B780"/>
+          </a:solidFill>
+          <a:ln>
+            <a:noFill/>
+          </a:ln>
+        </p:spPr>
+        <p:style>
+          <a:lnRef idx="2">
+            <a:schemeClr val="accent1">
+              <a:shade val="50000"/>
+            </a:schemeClr>
+          </a:lnRef>
+          <a:fillRef idx="1">
+            <a:schemeClr val="accent1"/>
+          </a:fillRef>
+          <a:effectRef idx="0">
+            <a:schemeClr val="accent1"/>
+          </a:effectRef>
+          <a:fontRef idx="minor">
+            <a:schemeClr val="lt1"/>
+          </a:fontRef>
+        </p:style>
+        <p:txBody>
+          <a:bodyPr anchor="ctr"/>
+          <a:lstStyle/>
+          <a:p>
+            <a:pPr marL="0" marR="0" lvl="0" indent="0" algn="ctr" defTabSz="914400" rtl="0" eaLnBrk="1" fontAlgn="auto" latinLnBrk="0" hangingPunct="1">
+              <a:lnSpc>
+                <a:spcPct val="100000"/>
+              </a:lnSpc>
+              <a:spcBef>
+                <a:spcPts val="0"/>
+              </a:spcBef>
+              <a:spcAft>
+                <a:spcPts val="0"/>
+              </a:spcAft>
+              <a:buClrTx/>
+              <a:buSzTx/>
+              <a:buFontTx/>
+              <a:buNone/>
+              <a:defRPr/>
+            </a:pPr>
+            <a:endParaRPr kumimoji="0" lang="zh-CN" altLang="en-US" sz="1800" b="0" i="0" u="none" strike="noStrike" kern="1200" cap="none" spc="0" normalizeH="0" baseline="0" noProof="0">
+              <a:ln>
+                <a:noFill/>
+              </a:ln>
+              <a:solidFill>
+                <a:schemeClr val="bg1"/>
+              </a:solidFill>
+              <a:effectLst/>
+              <a:uLnTx/>
+              <a:uFillTx/>
+              <a:latin typeface="+mn-lt"/>
+              <a:ea typeface="+mn-ea"/>
+              <a:cs typeface="+mn-cs"/>
+            </a:endParaRPr>
+          </a:p>
+        </p:txBody>
+      </p:sp>
+      <p:sp>
+        <p:nvSpPr>
+          <p:cNvPr id="7170" name="文本框 156"/>
+          <p:cNvSpPr txBox="1"/>
+          <p:nvPr/>
+        </p:nvSpPr>
+        <p:spPr>
+          <a:xfrm>
+            <a:off x="0" y="350838"/>
+            <a:ext cx="814388" cy="521970"/>
+          </a:xfrm>
+          <a:prstGeom prst="rect">
+            <a:avLst/>
+          </a:prstGeom>
+          <a:noFill/>
+          <a:ln w="9525">
+            <a:noFill/>
+          </a:ln>
+        </p:spPr>
+        <p:txBody>
+          <a:bodyPr anchor="t" anchorCtr="0">
+            <a:spAutoFit/>
+          </a:bodyPr>
+          <a:lstStyle/>
+          <a:p>
+            <a:pPr>
+              <a:buFont typeface="Arial" panose="020B0604020202020204" pitchFamily="34" charset="0"/>
+            </a:pPr>
+            <a:r>
+              <a:rPr lang="en-US" altLang="zh-CN" sz="2800" b="1" dirty="0">
+                <a:solidFill>
+                  <a:schemeClr val="bg1"/>
+                </a:solidFill>
+                <a:latin typeface="Microsoft YaHei" panose="020B0503020204020204" pitchFamily="34" charset="-122"/>
+                <a:ea typeface="Microsoft YaHei" panose="020B0503020204020204" pitchFamily="34" charset="-122"/>
+              </a:rPr>
+              <a:t>3.1</a:t>
+            </a:r>
+            <a:endParaRPr lang="en-US" altLang="zh-CN" sz="2800" b="1" dirty="0">
+              <a:solidFill>
+                <a:schemeClr val="bg1"/>
+              </a:solidFill>
+              <a:latin typeface="Microsoft YaHei" panose="020B0503020204020204" pitchFamily="34" charset="-122"/>
+              <a:ea typeface="Microsoft YaHei" panose="020B0503020204020204" pitchFamily="34" charset="-122"/>
+            </a:endParaRPr>
+          </a:p>
+        </p:txBody>
+      </p:sp>
+      <p:sp>
+        <p:nvSpPr>
+          <p:cNvPr id="16" name="Rectangle 6"/>
+          <p:cNvSpPr>
+            <a:spLocks noChangeArrowheads="1"/>
+          </p:cNvSpPr>
+          <p:nvPr/>
+        </p:nvSpPr>
+        <p:spPr bwMode="black">
+          <a:xfrm>
+            <a:off x="1021080" y="334010"/>
+            <a:ext cx="8777605" cy="521970"/>
+          </a:xfrm>
+          <a:prstGeom prst="rect">
+            <a:avLst/>
+          </a:prstGeom>
+          <a:noFill/>
+          <a:ln>
+            <a:noFill/>
+          </a:ln>
+          <a:effectLst/>
+          <a:extLst>
+            <a:ext uri="{909E8E84-426E-40DD-AFC4-6F175D3DCCD1}">
+              <a14:hiddenFill xmlns:a14="http://schemas.microsoft.com/office/drawing/2010/main">
+                <a:solidFill>
+                  <a:schemeClr val="accent1"/>
+                </a:solidFill>
+              </a14:hiddenFill>
+            </a:ext>
+            <a:ext uri="{91240B29-F687-4F45-9708-019B960494DF}">
+              <a14:hiddenLine xmlns:a14="http://schemas.microsoft.com/office/drawing/2010/main" w="9525">
+                <a:solidFill>
+                  <a:schemeClr val="tx1"/>
+                </a:solidFill>
+                <a:miter lim="800000"/>
+                <a:headEnd/>
+                <a:tailEnd/>
+              </a14:hiddenLine>
+            </a:ext>
+            <a:ext uri="{AF507438-7753-43E0-B8FC-AC1667EBCBE1}">
+              <a14:hiddenEffects xmlns:a14="http://schemas.microsoft.com/office/drawing/2010/main">
+                <a:effectLst>
+                  <a:outerShdw dist="35921" dir="2700000" algn="ctr" rotWithShape="0">
+                    <a:schemeClr val="bg2"/>
+                  </a:outerShdw>
+                </a:effectLst>
+              </a14:hiddenEffects>
+            </a:ext>
+          </a:extLst>
+        </p:spPr>
+        <p:txBody>
+          <a:bodyPr wrap="square">
+            <a:spAutoFit/>
+          </a:bodyPr>
+          <a:lstStyle/>
+          <a:p>
+            <a:pPr eaLnBrk="0" fontAlgn="auto" hangingPunct="0">
+              <a:spcBef>
+                <a:spcPts val="0"/>
+              </a:spcBef>
+              <a:spcAft>
+                <a:spcPts val="0"/>
+              </a:spcAft>
+              <a:defRPr/>
+            </a:pPr>
+            <a:r>
+              <a:rPr kumimoji="0" lang="en-US" altLang="zh-CN" sz="2800" b="1" i="0" u="none" strike="noStrike" kern="1200" cap="none" spc="0" normalizeH="0" baseline="0" noProof="0" dirty="0">
+                <a:ln>
+                  <a:noFill/>
+                </a:ln>
+                <a:solidFill>
+                  <a:schemeClr val="tx1">
+                    <a:lumMod val="85000"/>
+                    <a:lumOff val="15000"/>
+                  </a:schemeClr>
+                </a:solidFill>
+                <a:effectLst/>
+                <a:uLnTx/>
+                <a:uFillTx/>
+                <a:latin typeface="Microsoft YaHei" panose="020B0503020204020204" pitchFamily="34" charset="-122"/>
+                <a:ea typeface="Microsoft YaHei" panose="020B0503020204020204" pitchFamily="34" charset="-122"/>
+                <a:cs typeface="+mn-cs"/>
+                <a:sym typeface="+mn-ea"/>
+              </a:rPr>
+              <a:t>Two Pointers: Opposite Direction</a:t>
+            </a:r>
+            <a:endParaRPr kumimoji="0" lang="en-US" altLang="zh-CN" sz="2800" b="1" i="0" u="none" strike="noStrike" kern="1200" cap="none" spc="0" normalizeH="0" baseline="0" noProof="0" dirty="0">
+              <a:ln>
+                <a:noFill/>
+              </a:ln>
+              <a:solidFill>
+                <a:schemeClr val="tx1">
+                  <a:lumMod val="85000"/>
+                  <a:lumOff val="15000"/>
+                </a:schemeClr>
+              </a:solidFill>
+              <a:effectLst/>
+              <a:uLnTx/>
+              <a:uFillTx/>
+              <a:latin typeface="Microsoft YaHei" panose="020B0503020204020204" pitchFamily="34" charset="-122"/>
+              <a:ea typeface="Microsoft YaHei" panose="020B0503020204020204" pitchFamily="34" charset="-122"/>
+              <a:cs typeface="+mn-cs"/>
+              <a:sym typeface="+mn-ea"/>
+            </a:endParaRPr>
+          </a:p>
+        </p:txBody>
+      </p:sp>
+      <p:sp>
+        <p:nvSpPr>
+          <p:cNvPr id="3" name="Content Placeholder 2"/>
+          <p:cNvSpPr>
+            <a:spLocks noGrp="1"/>
+          </p:cNvSpPr>
+          <p:nvPr>
+            <p:ph idx="1"/>
+          </p:nvPr>
+        </p:nvSpPr>
+        <p:spPr>
+          <a:xfrm>
+            <a:off x="890588" y="1494359"/>
+            <a:ext cx="10515600" cy="4351338"/>
+          </a:xfrm>
+        </p:spPr>
+        <p:txBody>
+          <a:bodyPr/>
+          <a:lstStyle/>
+          <a:p>
+            <a:endParaRPr lang="en-US" sz="3200" dirty="0"/>
+          </a:p>
+        </p:txBody>
+      </p:sp>
+    </p:spTree>
+  </p:cSld>
+  <p:clrMapOvr>
+    <a:masterClrMapping/>
+  </p:clrMapOvr>
+  <p:transition spd="slow">
+    <p:wipe/>
+  </p:transition>
+</p:sld>
+</file>
+
+<file path=ppt/slides/slide19.xml><?xml version="1.0" encoding="utf-8"?>
+<p:sld xmlns:a="http://schemas.openxmlformats.org/drawingml/2006/main" xmlns:r="http://schemas.openxmlformats.org/officeDocument/2006/relationships" xmlns:p="http://schemas.openxmlformats.org/presentationml/2006/main">
+  <p:cSld>
+    <p:spTree>
+      <p:nvGrpSpPr>
+        <p:cNvPr id="1" name=""/>
+        <p:cNvGrpSpPr/>
+        <p:nvPr/>
+      </p:nvGrpSpPr>
+      <p:grpSpPr>
+        <a:xfrm>
+          <a:off x="0" y="0"/>
+          <a:ext cx="0" cy="0"/>
+          <a:chOff x="0" y="0"/>
+          <a:chExt cx="0" cy="0"/>
+        </a:xfrm>
+      </p:grpSpPr>
+      <p:sp>
+        <p:nvSpPr>
+          <p:cNvPr id="15" name="任意多边形 14"/>
+          <p:cNvSpPr/>
+          <p:nvPr/>
+        </p:nvSpPr>
+        <p:spPr>
+          <a:xfrm>
+            <a:off x="0" y="274638"/>
+            <a:ext cx="890588" cy="639763"/>
+          </a:xfrm>
+          <a:custGeom>
+            <a:avLst/>
+            <a:gdLst>
+              <a:gd name="connsiteX0" fmla="*/ 0 w 1029743"/>
+              <a:gd name="connsiteY0" fmla="*/ 0 h 739718"/>
+              <a:gd name="connsiteX1" fmla="*/ 659884 w 1029743"/>
+              <a:gd name="connsiteY1" fmla="*/ 0 h 739718"/>
+              <a:gd name="connsiteX2" fmla="*/ 1029743 w 1029743"/>
+              <a:gd name="connsiteY2" fmla="*/ 369859 h 739718"/>
+              <a:gd name="connsiteX3" fmla="*/ 659884 w 1029743"/>
+              <a:gd name="connsiteY3" fmla="*/ 739718 h 739718"/>
+              <a:gd name="connsiteX4" fmla="*/ 0 w 1029743"/>
+              <a:gd name="connsiteY4" fmla="*/ 739718 h 739718"/>
+            </a:gdLst>
+            <a:ahLst/>
+            <a:cxnLst>
+              <a:cxn ang="0">
+                <a:pos x="connsiteX0" y="connsiteY0"/>
+              </a:cxn>
+              <a:cxn ang="0">
+                <a:pos x="connsiteX1" y="connsiteY1"/>
+              </a:cxn>
+              <a:cxn ang="0">
+                <a:pos x="connsiteX2" y="connsiteY2"/>
+              </a:cxn>
+              <a:cxn ang="0">
+                <a:pos x="connsiteX3" y="connsiteY3"/>
+              </a:cxn>
+              <a:cxn ang="0">
+                <a:pos x="connsiteX4" y="connsiteY4"/>
+              </a:cxn>
+            </a:cxnLst>
+            <a:rect l="l" t="t" r="r" b="b"/>
+            <a:pathLst>
+              <a:path w="1029743" h="739718">
+                <a:moveTo>
+                  <a:pt x="0" y="0"/>
+                </a:moveTo>
+                <a:lnTo>
+                  <a:pt x="659884" y="0"/>
+                </a:lnTo>
+                <a:cubicBezTo>
+                  <a:pt x="864151" y="0"/>
+                  <a:pt x="1029743" y="165592"/>
+                  <a:pt x="1029743" y="369859"/>
+                </a:cubicBezTo>
+                <a:cubicBezTo>
+                  <a:pt x="1029743" y="574126"/>
+                  <a:pt x="864151" y="739718"/>
+                  <a:pt x="659884" y="739718"/>
+                </a:cubicBezTo>
+                <a:lnTo>
+                  <a:pt x="0" y="739718"/>
+                </a:lnTo>
+                <a:close/>
+              </a:path>
+            </a:pathLst>
+          </a:custGeom>
+          <a:solidFill>
+            <a:srgbClr val="05B780"/>
+          </a:solidFill>
+          <a:ln>
+            <a:noFill/>
+          </a:ln>
+        </p:spPr>
+        <p:style>
+          <a:lnRef idx="2">
+            <a:schemeClr val="accent1">
+              <a:shade val="50000"/>
+            </a:schemeClr>
+          </a:lnRef>
+          <a:fillRef idx="1">
+            <a:schemeClr val="accent1"/>
+          </a:fillRef>
+          <a:effectRef idx="0">
+            <a:schemeClr val="accent1"/>
+          </a:effectRef>
+          <a:fontRef idx="minor">
+            <a:schemeClr val="lt1"/>
+          </a:fontRef>
+        </p:style>
+        <p:txBody>
+          <a:bodyPr anchor="ctr"/>
+          <a:lstStyle/>
+          <a:p>
+            <a:pPr marL="0" marR="0" lvl="0" indent="0" algn="ctr" defTabSz="914400" rtl="0" eaLnBrk="1" fontAlgn="auto" latinLnBrk="0" hangingPunct="1">
+              <a:lnSpc>
+                <a:spcPct val="100000"/>
+              </a:lnSpc>
+              <a:spcBef>
+                <a:spcPts val="0"/>
+              </a:spcBef>
+              <a:spcAft>
+                <a:spcPts val="0"/>
+              </a:spcAft>
+              <a:buClrTx/>
+              <a:buSzTx/>
+              <a:buFontTx/>
+              <a:buNone/>
+              <a:defRPr/>
+            </a:pPr>
+            <a:endParaRPr kumimoji="0" lang="zh-CN" altLang="en-US" sz="1800" b="0" i="0" u="none" strike="noStrike" kern="1200" cap="none" spc="0" normalizeH="0" baseline="0" noProof="0">
+              <a:ln>
+                <a:noFill/>
+              </a:ln>
+              <a:solidFill>
+                <a:schemeClr val="bg1"/>
+              </a:solidFill>
+              <a:effectLst/>
+              <a:uLnTx/>
+              <a:uFillTx/>
+              <a:latin typeface="+mn-lt"/>
+              <a:ea typeface="+mn-ea"/>
+              <a:cs typeface="+mn-cs"/>
+            </a:endParaRPr>
+          </a:p>
+        </p:txBody>
+      </p:sp>
+      <p:sp>
+        <p:nvSpPr>
+          <p:cNvPr id="7170" name="文本框 156"/>
+          <p:cNvSpPr txBox="1"/>
+          <p:nvPr/>
+        </p:nvSpPr>
+        <p:spPr>
+          <a:xfrm>
+            <a:off x="0" y="350838"/>
+            <a:ext cx="814388" cy="521970"/>
+          </a:xfrm>
+          <a:prstGeom prst="rect">
+            <a:avLst/>
+          </a:prstGeom>
+          <a:noFill/>
+          <a:ln w="9525">
+            <a:noFill/>
+          </a:ln>
+        </p:spPr>
+        <p:txBody>
+          <a:bodyPr anchor="t" anchorCtr="0">
+            <a:spAutoFit/>
+          </a:bodyPr>
+          <a:lstStyle/>
+          <a:p>
+            <a:pPr>
+              <a:buFont typeface="Arial" panose="020B0604020202020204" pitchFamily="34" charset="0"/>
+            </a:pPr>
+            <a:r>
+              <a:rPr lang="en-US" altLang="zh-CN" sz="2800" b="1" dirty="0">
+                <a:solidFill>
+                  <a:schemeClr val="bg1"/>
+                </a:solidFill>
+                <a:latin typeface="Microsoft YaHei" panose="020B0503020204020204" pitchFamily="34" charset="-122"/>
+                <a:ea typeface="Microsoft YaHei" panose="020B0503020204020204" pitchFamily="34" charset="-122"/>
+              </a:rPr>
+              <a:t>3.1</a:t>
+            </a:r>
+            <a:endParaRPr lang="en-US" altLang="zh-CN" sz="2800" b="1" dirty="0">
+              <a:solidFill>
+                <a:schemeClr val="bg1"/>
+              </a:solidFill>
+              <a:latin typeface="Microsoft YaHei" panose="020B0503020204020204" pitchFamily="34" charset="-122"/>
+              <a:ea typeface="Microsoft YaHei" panose="020B0503020204020204" pitchFamily="34" charset="-122"/>
+            </a:endParaRPr>
+          </a:p>
+        </p:txBody>
+      </p:sp>
+      <p:sp>
+        <p:nvSpPr>
+          <p:cNvPr id="16" name="Rectangle 6"/>
+          <p:cNvSpPr>
+            <a:spLocks noChangeArrowheads="1"/>
+          </p:cNvSpPr>
+          <p:nvPr/>
+        </p:nvSpPr>
+        <p:spPr bwMode="black">
+          <a:xfrm>
+            <a:off x="1021080" y="334010"/>
+            <a:ext cx="8777605" cy="521970"/>
+          </a:xfrm>
+          <a:prstGeom prst="rect">
+            <a:avLst/>
+          </a:prstGeom>
+          <a:noFill/>
+          <a:ln>
+            <a:noFill/>
+          </a:ln>
+          <a:effectLst/>
+          <a:extLst>
+            <a:ext uri="{909E8E84-426E-40DD-AFC4-6F175D3DCCD1}">
+              <a14:hiddenFill xmlns:a14="http://schemas.microsoft.com/office/drawing/2010/main">
+                <a:solidFill>
+                  <a:schemeClr val="accent1"/>
+                </a:solidFill>
+              </a14:hiddenFill>
+            </a:ext>
+            <a:ext uri="{91240B29-F687-4F45-9708-019B960494DF}">
+              <a14:hiddenLine xmlns:a14="http://schemas.microsoft.com/office/drawing/2010/main" w="9525">
+                <a:solidFill>
+                  <a:schemeClr val="tx1"/>
+                </a:solidFill>
+                <a:miter lim="800000"/>
+                <a:headEnd/>
+                <a:tailEnd/>
+              </a14:hiddenLine>
+            </a:ext>
+            <a:ext uri="{AF507438-7753-43E0-B8FC-AC1667EBCBE1}">
+              <a14:hiddenEffects xmlns:a14="http://schemas.microsoft.com/office/drawing/2010/main">
+                <a:effectLst>
+                  <a:outerShdw dist="35921" dir="2700000" algn="ctr" rotWithShape="0">
+                    <a:schemeClr val="bg2"/>
+                  </a:outerShdw>
+                </a:effectLst>
+              </a14:hiddenEffects>
+            </a:ext>
+          </a:extLst>
+        </p:spPr>
+        <p:txBody>
+          <a:bodyPr wrap="square">
+            <a:spAutoFit/>
+          </a:bodyPr>
+          <a:lstStyle/>
+          <a:p>
+            <a:pPr eaLnBrk="0" fontAlgn="auto" hangingPunct="0">
+              <a:spcBef>
+                <a:spcPts val="0"/>
+              </a:spcBef>
+              <a:spcAft>
+                <a:spcPts val="0"/>
+              </a:spcAft>
+              <a:defRPr/>
+            </a:pPr>
+            <a:r>
+              <a:rPr kumimoji="0" lang="en-US" altLang="zh-CN" sz="2800" b="1" i="0" u="none" strike="noStrike" kern="1200" cap="none" spc="0" normalizeH="0" baseline="0" noProof="0" dirty="0">
+                <a:ln>
+                  <a:noFill/>
+                </a:ln>
+                <a:solidFill>
+                  <a:schemeClr val="tx1">
+                    <a:lumMod val="85000"/>
+                    <a:lumOff val="15000"/>
+                  </a:schemeClr>
+                </a:solidFill>
+                <a:effectLst/>
+                <a:uLnTx/>
+                <a:uFillTx/>
+                <a:latin typeface="Microsoft YaHei" panose="020B0503020204020204" pitchFamily="34" charset="-122"/>
+                <a:ea typeface="Microsoft YaHei" panose="020B0503020204020204" pitchFamily="34" charset="-122"/>
+                <a:cs typeface="+mn-cs"/>
+                <a:sym typeface="+mn-ea"/>
+              </a:rPr>
+              <a:t>Two Pointers: Sliding Window</a:t>
+            </a:r>
+            <a:endParaRPr kumimoji="0" lang="en-US" altLang="zh-CN" sz="2800" b="1" i="0" u="none" strike="noStrike" kern="1200" cap="none" spc="0" normalizeH="0" baseline="0" noProof="0" dirty="0">
+              <a:ln>
+                <a:noFill/>
+              </a:ln>
+              <a:solidFill>
+                <a:schemeClr val="tx1">
+                  <a:lumMod val="85000"/>
+                  <a:lumOff val="15000"/>
+                </a:schemeClr>
+              </a:solidFill>
+              <a:effectLst/>
+              <a:uLnTx/>
+              <a:uFillTx/>
+              <a:latin typeface="Microsoft YaHei" panose="020B0503020204020204" pitchFamily="34" charset="-122"/>
+              <a:ea typeface="Microsoft YaHei" panose="020B0503020204020204" pitchFamily="34" charset="-122"/>
+              <a:cs typeface="+mn-cs"/>
+              <a:sym typeface="+mn-ea"/>
+            </a:endParaRPr>
+          </a:p>
+        </p:txBody>
+      </p:sp>
+      <p:sp>
+        <p:nvSpPr>
+          <p:cNvPr id="3" name="Content Placeholder 2"/>
+          <p:cNvSpPr>
+            <a:spLocks noGrp="1"/>
+          </p:cNvSpPr>
+          <p:nvPr>
+            <p:ph idx="1"/>
+          </p:nvPr>
+        </p:nvSpPr>
+        <p:spPr>
+          <a:xfrm>
+            <a:off x="890588" y="1494359"/>
+            <a:ext cx="10515600" cy="4351338"/>
+          </a:xfrm>
+        </p:spPr>
+        <p:txBody>
+          <a:bodyPr/>
+          <a:lstStyle/>
+          <a:p>
+            <a:endParaRPr lang="en-US" sz="3200" dirty="0"/>
+          </a:p>
+        </p:txBody>
+      </p:sp>
+    </p:spTree>
+  </p:cSld>
+  <p:clrMapOvr>
+    <a:masterClrMapping/>
+  </p:clrMapOvr>
+  <p:transition spd="slow">
+    <p:wipe/>
+  </p:transition>
+</p:sld>
+</file>
+
+<file path=ppt/slides/slide2.xml><?xml version="1.0" encoding="utf-8"?>
+<p:sld xmlns:a="http://schemas.openxmlformats.org/drawingml/2006/main" xmlns:r="http://schemas.openxmlformats.org/officeDocument/2006/relationships" xmlns:p="http://schemas.openxmlformats.org/presentationml/2006/main">
+  <p:cSld>
+    <p:spTree>
+      <p:nvGrpSpPr>
+        <p:cNvPr id="1" name=""/>
+        <p:cNvGrpSpPr/>
+        <p:nvPr/>
+      </p:nvGrpSpPr>
+      <p:grpSpPr>
+        <a:xfrm>
+          <a:off x="0" y="0"/>
+          <a:ext cx="0" cy="0"/>
+          <a:chOff x="0" y="0"/>
+          <a:chExt cx="0" cy="0"/>
+        </a:xfrm>
+      </p:grpSpPr>
+      <p:sp>
+        <p:nvSpPr>
+          <p:cNvPr id="6" name="矩形 5"/>
+          <p:cNvSpPr/>
+          <p:nvPr/>
+        </p:nvSpPr>
+        <p:spPr>
+          <a:xfrm>
+            <a:off x="1879600" y="1877695"/>
+            <a:ext cx="5335270" cy="449580"/>
+          </a:xfrm>
+          <a:prstGeom prst="rect">
+            <a:avLst/>
+          </a:prstGeom>
+          <a:noFill/>
+          <a:ln>
+            <a:solidFill>
+              <a:srgbClr val="05B780"/>
+            </a:solidFill>
+          </a:ln>
+        </p:spPr>
+        <p:style>
+          <a:lnRef idx="2">
+            <a:schemeClr val="accent1">
+              <a:shade val="50000"/>
+            </a:schemeClr>
+          </a:lnRef>
+          <a:fillRef idx="1">
+            <a:schemeClr val="accent1"/>
+          </a:fillRef>
+          <a:effectRef idx="0">
+            <a:schemeClr val="accent1"/>
+          </a:effectRef>
+          <a:fontRef idx="minor">
+            <a:schemeClr val="lt1"/>
+          </a:fontRef>
+        </p:style>
+        <p:txBody>
+          <a:bodyPr anchor="ctr"/>
+          <a:lstStyle/>
+          <a:p>
+            <a:pPr marL="0" marR="0" lvl="0" indent="0" algn="ctr" defTabSz="914400" rtl="0" eaLnBrk="1" fontAlgn="auto" latinLnBrk="0" hangingPunct="1">
+              <a:lnSpc>
+                <a:spcPct val="100000"/>
+              </a:lnSpc>
+              <a:spcBef>
+                <a:spcPts val="0"/>
+              </a:spcBef>
+              <a:spcAft>
+                <a:spcPts val="0"/>
+              </a:spcAft>
+              <a:buClrTx/>
+              <a:buSzTx/>
+              <a:buFontTx/>
+              <a:buNone/>
+              <a:defRPr/>
+            </a:pPr>
+            <a:endParaRPr kumimoji="0" lang="zh-CN" altLang="en-US" sz="1800" b="0" i="0" u="none" strike="noStrike" kern="1200" cap="none" spc="0" normalizeH="0" baseline="0" noProof="0">
+              <a:ln>
+                <a:noFill/>
+              </a:ln>
+              <a:solidFill>
+                <a:schemeClr val="lt1"/>
+              </a:solidFill>
+              <a:effectLst/>
+              <a:uLnTx/>
+              <a:uFillTx/>
+              <a:latin typeface="+mn-lt"/>
+              <a:ea typeface="+mn-ea"/>
+              <a:cs typeface="+mn-cs"/>
+            </a:endParaRPr>
+          </a:p>
+        </p:txBody>
+      </p:sp>
+      <p:sp>
+        <p:nvSpPr>
+          <p:cNvPr id="5122" name="文本框 47"/>
+          <p:cNvSpPr txBox="1"/>
+          <p:nvPr/>
+        </p:nvSpPr>
+        <p:spPr>
+          <a:xfrm>
+            <a:off x="2157413" y="1881188"/>
+            <a:ext cx="2497137" cy="460375"/>
+          </a:xfrm>
+          <a:prstGeom prst="rect">
+            <a:avLst/>
+          </a:prstGeom>
+          <a:noFill/>
+          <a:ln w="9525">
+            <a:noFill/>
+          </a:ln>
+        </p:spPr>
+        <p:txBody>
+          <a:bodyPr wrap="square" anchor="t" anchorCtr="0">
+            <a:spAutoFit/>
+          </a:bodyPr>
+          <a:lstStyle/>
+          <a:p>
+            <a:pPr>
+              <a:buFont typeface="Arial" panose="020B0604020202020204" pitchFamily="34" charset="0"/>
+            </a:pPr>
+            <a:r>
+              <a:rPr lang="en-US" altLang="zh-CN" sz="2400" b="1" dirty="0">
+                <a:solidFill>
+                  <a:srgbClr val="05B780"/>
+                </a:solidFill>
+                <a:latin typeface="Microsoft YaHei" panose="020B0503020204020204" pitchFamily="34" charset="-122"/>
+                <a:ea typeface="Microsoft YaHei" panose="020B0503020204020204" pitchFamily="34" charset="-122"/>
+              </a:rPr>
+              <a:t>Week 5 Recap</a:t>
+            </a:r>
+            <a:endParaRPr lang="en-US" altLang="zh-CN" sz="2400" b="1" dirty="0">
+              <a:solidFill>
+                <a:srgbClr val="05B780"/>
+              </a:solidFill>
+              <a:latin typeface="Microsoft YaHei" panose="020B0503020204020204" pitchFamily="34" charset="-122"/>
+              <a:ea typeface="Microsoft YaHei" panose="020B0503020204020204" pitchFamily="34" charset="-122"/>
+            </a:endParaRPr>
+          </a:p>
+        </p:txBody>
+      </p:sp>
+      <p:sp>
+        <p:nvSpPr>
+          <p:cNvPr id="5129" name="Rectangle 6"/>
+          <p:cNvSpPr/>
+          <p:nvPr/>
+        </p:nvSpPr>
+        <p:spPr>
+          <a:xfrm>
+            <a:off x="9156383" y="2737485"/>
+            <a:ext cx="2263775" cy="369888"/>
+          </a:xfrm>
+          <a:prstGeom prst="rect">
+            <a:avLst/>
+          </a:prstGeom>
+          <a:noFill/>
+          <a:ln w="9525">
+            <a:noFill/>
+          </a:ln>
+        </p:spPr>
+        <p:txBody>
+          <a:bodyPr anchor="t" anchorCtr="0">
+            <a:spAutoFit/>
+          </a:bodyPr>
+          <a:lstStyle/>
+          <a:p>
+            <a:pPr marL="342900" indent="-342900" eaLnBrk="0" hangingPunct="0">
+              <a:buFont typeface="Arial" panose="020B0604020202020204" pitchFamily="34" charset="0"/>
+              <a:buChar char="•"/>
+            </a:pPr>
+            <a:r>
+              <a:rPr lang="zh-CN" altLang="en-US" dirty="0">
+                <a:solidFill>
+                  <a:schemeClr val="bg1"/>
+                </a:solidFill>
+                <a:latin typeface="Microsoft YaHei" panose="020B0503020204020204" pitchFamily="34" charset="-122"/>
+                <a:ea typeface="Microsoft YaHei" panose="020B0503020204020204" pitchFamily="34" charset="-122"/>
+              </a:rPr>
+              <a:t>竞争对手分析</a:t>
+            </a:r>
+            <a:endParaRPr lang="zh-CN" altLang="en-US" dirty="0">
+              <a:solidFill>
+                <a:schemeClr val="bg1"/>
+              </a:solidFill>
+              <a:latin typeface="Microsoft YaHei" panose="020B0503020204020204" pitchFamily="34" charset="-122"/>
+              <a:ea typeface="Microsoft YaHei" panose="020B0503020204020204" pitchFamily="34" charset="-122"/>
+            </a:endParaRPr>
+          </a:p>
+        </p:txBody>
+      </p:sp>
+      <p:sp>
+        <p:nvSpPr>
+          <p:cNvPr id="5131" name="Rectangle 6"/>
+          <p:cNvSpPr/>
+          <p:nvPr/>
+        </p:nvSpPr>
+        <p:spPr>
+          <a:xfrm>
+            <a:off x="9154795" y="3134360"/>
+            <a:ext cx="2265363" cy="369888"/>
+          </a:xfrm>
+          <a:prstGeom prst="rect">
+            <a:avLst/>
+          </a:prstGeom>
+          <a:noFill/>
+          <a:ln w="9525">
+            <a:noFill/>
+          </a:ln>
+        </p:spPr>
+        <p:txBody>
+          <a:bodyPr anchor="t" anchorCtr="0">
+            <a:spAutoFit/>
+          </a:bodyPr>
+          <a:lstStyle/>
+          <a:p>
+            <a:pPr marL="342900" indent="-342900" eaLnBrk="0" hangingPunct="0">
+              <a:buFont typeface="Arial" panose="020B0604020202020204" pitchFamily="34" charset="0"/>
+              <a:buChar char="•"/>
+            </a:pPr>
+            <a:r>
+              <a:rPr lang="zh-CN" altLang="en-US" dirty="0">
+                <a:solidFill>
+                  <a:schemeClr val="bg1"/>
+                </a:solidFill>
+                <a:latin typeface="Microsoft YaHei" panose="020B0503020204020204" pitchFamily="34" charset="-122"/>
+                <a:ea typeface="Microsoft YaHei" panose="020B0503020204020204" pitchFamily="34" charset="-122"/>
+              </a:rPr>
+              <a:t>产品定位分析</a:t>
+            </a:r>
+            <a:endParaRPr lang="zh-CN" altLang="en-US" dirty="0">
+              <a:solidFill>
+                <a:schemeClr val="bg1"/>
+              </a:solidFill>
+              <a:latin typeface="Microsoft YaHei" panose="020B0503020204020204" pitchFamily="34" charset="-122"/>
+              <a:ea typeface="Microsoft YaHei" panose="020B0503020204020204" pitchFamily="34" charset="-122"/>
+            </a:endParaRPr>
+          </a:p>
+        </p:txBody>
+      </p:sp>
+      <p:sp>
+        <p:nvSpPr>
+          <p:cNvPr id="101" name="任意多边形 100"/>
+          <p:cNvSpPr/>
+          <p:nvPr/>
+        </p:nvSpPr>
+        <p:spPr>
+          <a:xfrm>
+            <a:off x="0" y="260350"/>
+            <a:ext cx="3298825" cy="739775"/>
+          </a:xfrm>
+          <a:custGeom>
+            <a:avLst/>
+            <a:gdLst>
+              <a:gd name="connsiteX0" fmla="*/ 38767 w 3299253"/>
+              <a:gd name="connsiteY0" fmla="*/ 0 h 739718"/>
+              <a:gd name="connsiteX1" fmla="*/ 2929394 w 3299253"/>
+              <a:gd name="connsiteY1" fmla="*/ 0 h 739718"/>
+              <a:gd name="connsiteX2" fmla="*/ 3299253 w 3299253"/>
+              <a:gd name="connsiteY2" fmla="*/ 369859 h 739718"/>
+              <a:gd name="connsiteX3" fmla="*/ 2929394 w 3299253"/>
+              <a:gd name="connsiteY3" fmla="*/ 739718 h 739718"/>
+              <a:gd name="connsiteX4" fmla="*/ 38767 w 3299253"/>
+              <a:gd name="connsiteY4" fmla="*/ 739718 h 739718"/>
+              <a:gd name="connsiteX5" fmla="*/ 0 w 3299253"/>
+              <a:gd name="connsiteY5" fmla="*/ 735810 h 739718"/>
+              <a:gd name="connsiteX6" fmla="*/ 0 w 3299253"/>
+              <a:gd name="connsiteY6" fmla="*/ 3908 h 739718"/>
+            </a:gdLst>
+            <a:ahLst/>
+            <a:cxnLst>
+              <a:cxn ang="0">
+                <a:pos x="connsiteX0" y="connsiteY0"/>
+              </a:cxn>
+              <a:cxn ang="0">
+                <a:pos x="connsiteX1" y="connsiteY1"/>
+              </a:cxn>
+              <a:cxn ang="0">
+                <a:pos x="connsiteX2" y="connsiteY2"/>
+              </a:cxn>
+              <a:cxn ang="0">
+                <a:pos x="connsiteX3" y="connsiteY3"/>
+              </a:cxn>
+              <a:cxn ang="0">
+                <a:pos x="connsiteX4" y="connsiteY4"/>
+              </a:cxn>
+              <a:cxn ang="0">
+                <a:pos x="connsiteX5" y="connsiteY5"/>
+              </a:cxn>
+              <a:cxn ang="0">
+                <a:pos x="connsiteX6" y="connsiteY6"/>
+              </a:cxn>
+            </a:cxnLst>
+            <a:rect l="l" t="t" r="r" b="b"/>
+            <a:pathLst>
+              <a:path w="3299253" h="739718">
+                <a:moveTo>
+                  <a:pt x="38767" y="0"/>
+                </a:moveTo>
+                <a:lnTo>
+                  <a:pt x="2929394" y="0"/>
+                </a:lnTo>
+                <a:cubicBezTo>
+                  <a:pt x="3133661" y="0"/>
+                  <a:pt x="3299253" y="165592"/>
+                  <a:pt x="3299253" y="369859"/>
+                </a:cubicBezTo>
+                <a:cubicBezTo>
+                  <a:pt x="3299253" y="574126"/>
+                  <a:pt x="3133661" y="739718"/>
+                  <a:pt x="2929394" y="739718"/>
+                </a:cubicBezTo>
+                <a:lnTo>
+                  <a:pt x="38767" y="739718"/>
+                </a:lnTo>
+                <a:lnTo>
+                  <a:pt x="0" y="735810"/>
+                </a:lnTo>
+                <a:lnTo>
+                  <a:pt x="0" y="3908"/>
+                </a:lnTo>
+                <a:close/>
+              </a:path>
+            </a:pathLst>
+          </a:custGeom>
+          <a:solidFill>
+            <a:srgbClr val="05B780"/>
+          </a:solidFill>
+          <a:ln>
+            <a:noFill/>
+          </a:ln>
+        </p:spPr>
+        <p:style>
+          <a:lnRef idx="2">
+            <a:schemeClr val="accent1">
+              <a:shade val="50000"/>
+            </a:schemeClr>
+          </a:lnRef>
+          <a:fillRef idx="1">
+            <a:schemeClr val="accent1"/>
+          </a:fillRef>
+          <a:effectRef idx="0">
+            <a:schemeClr val="accent1"/>
+          </a:effectRef>
+          <a:fontRef idx="minor">
+            <a:schemeClr val="lt1"/>
+          </a:fontRef>
+        </p:style>
+        <p:txBody>
+          <a:bodyPr anchor="ctr"/>
+          <a:lstStyle/>
+          <a:p>
+            <a:pPr marL="0" marR="0" lvl="0" indent="0" algn="ctr" defTabSz="914400" rtl="0" eaLnBrk="1" fontAlgn="auto" latinLnBrk="0" hangingPunct="1">
+              <a:lnSpc>
+                <a:spcPct val="100000"/>
+              </a:lnSpc>
+              <a:spcBef>
+                <a:spcPts val="0"/>
+              </a:spcBef>
+              <a:spcAft>
+                <a:spcPts val="0"/>
+              </a:spcAft>
+              <a:buClrTx/>
+              <a:buSzTx/>
+              <a:buFontTx/>
+              <a:buNone/>
+              <a:defRPr/>
+            </a:pPr>
+            <a:endParaRPr kumimoji="0" lang="zh-CN" altLang="en-US" sz="1800" b="0" i="0" u="none" strike="noStrike" kern="1200" cap="none" spc="0" normalizeH="0" baseline="0" noProof="0">
+              <a:ln>
+                <a:noFill/>
+              </a:ln>
+              <a:solidFill>
+                <a:schemeClr val="lt1"/>
+              </a:solidFill>
+              <a:effectLst/>
+              <a:uLnTx/>
+              <a:uFillTx/>
+              <a:latin typeface="+mn-lt"/>
+              <a:ea typeface="+mn-ea"/>
+              <a:cs typeface="+mn-cs"/>
+            </a:endParaRPr>
+          </a:p>
+        </p:txBody>
+      </p:sp>
+      <p:sp>
+        <p:nvSpPr>
+          <p:cNvPr id="5144" name="文本框 101"/>
+          <p:cNvSpPr txBox="1"/>
+          <p:nvPr/>
+        </p:nvSpPr>
+        <p:spPr>
+          <a:xfrm>
+            <a:off x="250825" y="336550"/>
+            <a:ext cx="2797175" cy="583565"/>
+          </a:xfrm>
+          <a:prstGeom prst="rect">
+            <a:avLst/>
+          </a:prstGeom>
+          <a:noFill/>
+          <a:ln w="9525">
+            <a:noFill/>
+          </a:ln>
+        </p:spPr>
+        <p:txBody>
+          <a:bodyPr anchor="t" anchorCtr="0">
+            <a:spAutoFit/>
+          </a:bodyPr>
+          <a:lstStyle/>
+          <a:p>
+            <a:pPr>
+              <a:buFont typeface="Arial" panose="020B0604020202020204" pitchFamily="34" charset="0"/>
+            </a:pPr>
+            <a:r>
+              <a:rPr lang="en-US" altLang="zh-CN" sz="3200" b="1" dirty="0">
+                <a:solidFill>
+                  <a:srgbClr val="FFFFFF"/>
+                </a:solidFill>
+                <a:latin typeface="Microsoft YaHei" panose="020B0503020204020204" pitchFamily="34" charset="-122"/>
+                <a:ea typeface="Microsoft YaHei" panose="020B0503020204020204" pitchFamily="34" charset="-122"/>
+              </a:rPr>
+              <a:t>Agenda</a:t>
+            </a:r>
+            <a:endParaRPr lang="zh-CN" altLang="en-US" sz="3200" b="1" dirty="0">
+              <a:solidFill>
+                <a:srgbClr val="FFFFFF"/>
+              </a:solidFill>
+              <a:latin typeface="Microsoft YaHei" panose="020B0503020204020204" pitchFamily="34" charset="-122"/>
+              <a:ea typeface="Microsoft YaHei" panose="020B0503020204020204" pitchFamily="34" charset="-122"/>
+            </a:endParaRPr>
+          </a:p>
+        </p:txBody>
+      </p:sp>
+      <p:grpSp>
+        <p:nvGrpSpPr>
+          <p:cNvPr id="5145" name="组合 3"/>
+          <p:cNvGrpSpPr/>
+          <p:nvPr/>
+        </p:nvGrpSpPr>
+        <p:grpSpPr>
+          <a:xfrm>
+            <a:off x="1168400" y="1687513"/>
+            <a:ext cx="814388" cy="849312"/>
+            <a:chOff x="1473127" y="1521451"/>
+            <a:chExt cx="653645" cy="681967"/>
+          </a:xfrm>
+        </p:grpSpPr>
+        <p:sp>
+          <p:nvSpPr>
+            <p:cNvPr id="3" name="六边形 2"/>
+            <p:cNvSpPr/>
+            <p:nvPr/>
+          </p:nvSpPr>
+          <p:spPr>
+            <a:xfrm rot="5400000">
+              <a:off x="1425833" y="1568735"/>
+              <a:ext cx="681967" cy="587389"/>
+            </a:xfrm>
+            <a:prstGeom prst="hexagon">
+              <a:avLst>
+                <a:gd name="adj" fmla="val 27469"/>
+                <a:gd name="vf" fmla="val 115470"/>
+              </a:avLst>
+            </a:prstGeom>
+            <a:solidFill>
+              <a:srgbClr val="05B780"/>
+            </a:solidFill>
+            <a:ln>
+              <a:noFill/>
+            </a:ln>
+          </p:spPr>
+          <p:style>
+            <a:lnRef idx="2">
+              <a:schemeClr val="accent1">
+                <a:shade val="50000"/>
+              </a:schemeClr>
+            </a:lnRef>
+            <a:fillRef idx="1">
+              <a:schemeClr val="accent1"/>
+            </a:fillRef>
+            <a:effectRef idx="0">
+              <a:schemeClr val="accent1"/>
+            </a:effectRef>
+            <a:fontRef idx="minor">
+              <a:schemeClr val="lt1"/>
+            </a:fontRef>
+          </p:style>
+          <p:txBody>
+            <a:bodyPr anchor="ctr"/>
+            <a:lstStyle/>
+            <a:p>
+              <a:pPr marL="0" marR="0" lvl="0" indent="0" algn="ctr" defTabSz="914400" rtl="0" eaLnBrk="1" fontAlgn="auto" latinLnBrk="0" hangingPunct="1">
+                <a:lnSpc>
+                  <a:spcPct val="100000"/>
+                </a:lnSpc>
+                <a:spcBef>
+                  <a:spcPts val="0"/>
+                </a:spcBef>
+                <a:spcAft>
+                  <a:spcPts val="0"/>
+                </a:spcAft>
+                <a:buClrTx/>
+                <a:buSzTx/>
+                <a:buFontTx/>
+                <a:buNone/>
+                <a:defRPr/>
+              </a:pPr>
+              <a:endParaRPr kumimoji="0" lang="zh-CN" altLang="en-US" sz="1800" b="0" i="0" u="none" strike="noStrike" kern="1200" cap="none" spc="0" normalizeH="0" baseline="0" noProof="0">
+                <a:ln>
+                  <a:noFill/>
+                </a:ln>
+                <a:solidFill>
+                  <a:schemeClr val="lt1"/>
+                </a:solidFill>
+                <a:effectLst/>
+                <a:uLnTx/>
+                <a:uFillTx/>
+                <a:latin typeface="+mn-lt"/>
+                <a:ea typeface="+mn-ea"/>
+                <a:cs typeface="+mn-cs"/>
+              </a:endParaRPr>
+            </a:p>
+          </p:txBody>
+        </p:sp>
+        <p:sp>
+          <p:nvSpPr>
+            <p:cNvPr id="5147" name="文本框 46"/>
+            <p:cNvSpPr txBox="1"/>
+            <p:nvPr/>
+          </p:nvSpPr>
+          <p:spPr>
+            <a:xfrm>
+              <a:off x="1524732" y="1669097"/>
+              <a:ext cx="602040" cy="419851"/>
+            </a:xfrm>
+            <a:prstGeom prst="rect">
+              <a:avLst/>
+            </a:prstGeom>
+            <a:noFill/>
+            <a:ln w="9525">
+              <a:noFill/>
+            </a:ln>
+          </p:spPr>
+          <p:txBody>
+            <a:bodyPr anchor="t" anchorCtr="0">
+              <a:spAutoFit/>
+            </a:bodyPr>
+            <a:lstStyle/>
+            <a:p>
+              <a:pPr>
+                <a:buFont typeface="Arial" panose="020B0604020202020204" pitchFamily="34" charset="0"/>
+              </a:pPr>
+              <a:r>
+                <a:rPr lang="en-US" altLang="zh-CN" sz="2800" b="1" dirty="0">
+                  <a:solidFill>
+                    <a:schemeClr val="bg1"/>
+                  </a:solidFill>
+                  <a:latin typeface="Microsoft YaHei" panose="020B0503020204020204" pitchFamily="34" charset="-122"/>
+                  <a:ea typeface="Microsoft YaHei" panose="020B0503020204020204" pitchFamily="34" charset="-122"/>
+                </a:rPr>
+                <a:t>01</a:t>
+              </a:r>
+              <a:endParaRPr lang="zh-CN" altLang="en-US" sz="2800" b="1" dirty="0">
+                <a:solidFill>
+                  <a:schemeClr val="bg1"/>
+                </a:solidFill>
+                <a:latin typeface="Microsoft YaHei" panose="020B0503020204020204" pitchFamily="34" charset="-122"/>
+                <a:ea typeface="Microsoft YaHei" panose="020B0503020204020204" pitchFamily="34" charset="-122"/>
+              </a:endParaRPr>
+            </a:p>
+          </p:txBody>
+        </p:sp>
+      </p:grpSp>
+      <p:sp>
+        <p:nvSpPr>
+          <p:cNvPr id="113" name="矩形 112"/>
+          <p:cNvSpPr/>
+          <p:nvPr/>
+        </p:nvSpPr>
+        <p:spPr>
+          <a:xfrm>
+            <a:off x="1878330" y="4800600"/>
+            <a:ext cx="5335270" cy="450850"/>
+          </a:xfrm>
+          <a:prstGeom prst="rect">
+            <a:avLst/>
+          </a:prstGeom>
+          <a:noFill/>
+          <a:ln>
+            <a:solidFill>
+              <a:srgbClr val="05B780"/>
+            </a:solidFill>
+          </a:ln>
+        </p:spPr>
+        <p:style>
+          <a:lnRef idx="2">
+            <a:schemeClr val="accent1">
+              <a:shade val="50000"/>
+            </a:schemeClr>
+          </a:lnRef>
+          <a:fillRef idx="1">
+            <a:schemeClr val="accent1"/>
+          </a:fillRef>
+          <a:effectRef idx="0">
+            <a:schemeClr val="accent1"/>
+          </a:effectRef>
+          <a:fontRef idx="minor">
+            <a:schemeClr val="lt1"/>
+          </a:fontRef>
+        </p:style>
+        <p:txBody>
+          <a:bodyPr anchor="ctr"/>
+          <a:lstStyle/>
+          <a:p>
+            <a:pPr marL="0" marR="0" lvl="0" indent="0" algn="ctr" defTabSz="914400" rtl="0" eaLnBrk="1" fontAlgn="auto" latinLnBrk="0" hangingPunct="1">
+              <a:lnSpc>
+                <a:spcPct val="100000"/>
+              </a:lnSpc>
+              <a:spcBef>
+                <a:spcPts val="0"/>
+              </a:spcBef>
+              <a:spcAft>
+                <a:spcPts val="0"/>
+              </a:spcAft>
+              <a:buClrTx/>
+              <a:buSzTx/>
+              <a:buFontTx/>
+              <a:buNone/>
+              <a:defRPr/>
+            </a:pPr>
+            <a:endParaRPr kumimoji="0" lang="zh-CN" altLang="en-US" sz="1800" b="0" i="0" u="none" strike="noStrike" kern="1200" cap="none" spc="0" normalizeH="0" baseline="0" noProof="0">
+              <a:ln>
+                <a:noFill/>
+              </a:ln>
+              <a:solidFill>
+                <a:schemeClr val="lt1"/>
+              </a:solidFill>
+              <a:effectLst/>
+              <a:uLnTx/>
+              <a:uFillTx/>
+              <a:latin typeface="+mn-lt"/>
+              <a:ea typeface="+mn-ea"/>
+              <a:cs typeface="+mn-cs"/>
+            </a:endParaRPr>
+          </a:p>
+        </p:txBody>
+      </p:sp>
+      <p:sp>
+        <p:nvSpPr>
+          <p:cNvPr id="5159" name="文本框 113"/>
+          <p:cNvSpPr txBox="1"/>
+          <p:nvPr/>
+        </p:nvSpPr>
+        <p:spPr>
+          <a:xfrm>
+            <a:off x="2156143" y="4793982"/>
+            <a:ext cx="2366962" cy="460375"/>
+          </a:xfrm>
+          <a:prstGeom prst="rect">
+            <a:avLst/>
+          </a:prstGeom>
+          <a:noFill/>
+          <a:ln w="9525">
+            <a:noFill/>
+          </a:ln>
+        </p:spPr>
+        <p:txBody>
+          <a:bodyPr wrap="square" anchor="t" anchorCtr="0">
+            <a:spAutoFit/>
+          </a:bodyPr>
+          <a:lstStyle/>
+          <a:p>
+            <a:pPr>
+              <a:buFont typeface="Arial" panose="020B0604020202020204" pitchFamily="34" charset="0"/>
+            </a:pPr>
+            <a:r>
+              <a:rPr lang="en-US" altLang="zh-CN" sz="2400" b="1" dirty="0">
+                <a:solidFill>
+                  <a:srgbClr val="05B780"/>
+                </a:solidFill>
+                <a:latin typeface="Microsoft YaHei" panose="020B0503020204020204" pitchFamily="34" charset="-122"/>
+                <a:ea typeface="Microsoft YaHei" panose="020B0503020204020204" pitchFamily="34" charset="-122"/>
+              </a:rPr>
+              <a:t>Class Exercise</a:t>
+            </a:r>
+            <a:endParaRPr lang="en-US" altLang="zh-CN" sz="2400" b="1" dirty="0">
+              <a:solidFill>
+                <a:srgbClr val="05B780"/>
+              </a:solidFill>
+              <a:latin typeface="Microsoft YaHei" panose="020B0503020204020204" pitchFamily="34" charset="-122"/>
+              <a:ea typeface="Microsoft YaHei" panose="020B0503020204020204" pitchFamily="34" charset="-122"/>
+            </a:endParaRPr>
+          </a:p>
+        </p:txBody>
+      </p:sp>
+      <p:grpSp>
+        <p:nvGrpSpPr>
+          <p:cNvPr id="5160" name="组合 114"/>
+          <p:cNvGrpSpPr/>
+          <p:nvPr/>
+        </p:nvGrpSpPr>
+        <p:grpSpPr>
+          <a:xfrm>
+            <a:off x="1167124" y="4600301"/>
+            <a:ext cx="814394" cy="850900"/>
+            <a:chOff x="1473122" y="1521446"/>
+            <a:chExt cx="653650" cy="681967"/>
+          </a:xfrm>
+        </p:grpSpPr>
+        <p:sp>
+          <p:nvSpPr>
+            <p:cNvPr id="116" name="六边形 115"/>
+            <p:cNvSpPr/>
+            <p:nvPr/>
+          </p:nvSpPr>
+          <p:spPr>
+            <a:xfrm rot="5400000">
+              <a:off x="1425833" y="1568735"/>
+              <a:ext cx="681967" cy="587389"/>
+            </a:xfrm>
+            <a:prstGeom prst="hexagon">
+              <a:avLst>
+                <a:gd name="adj" fmla="val 27469"/>
+                <a:gd name="vf" fmla="val 115470"/>
+              </a:avLst>
+            </a:prstGeom>
+            <a:solidFill>
+              <a:srgbClr val="05B780"/>
+            </a:solidFill>
+            <a:ln>
+              <a:noFill/>
+            </a:ln>
+          </p:spPr>
+          <p:style>
+            <a:lnRef idx="2">
+              <a:schemeClr val="accent1">
+                <a:shade val="50000"/>
+              </a:schemeClr>
+            </a:lnRef>
+            <a:fillRef idx="1">
+              <a:schemeClr val="accent1"/>
+            </a:fillRef>
+            <a:effectRef idx="0">
+              <a:schemeClr val="accent1"/>
+            </a:effectRef>
+            <a:fontRef idx="minor">
+              <a:schemeClr val="lt1"/>
+            </a:fontRef>
+          </p:style>
+          <p:txBody>
+            <a:bodyPr anchor="ctr"/>
+            <a:lstStyle/>
+            <a:p>
+              <a:pPr marL="0" marR="0" lvl="0" indent="0" algn="ctr" defTabSz="914400" rtl="0" eaLnBrk="1" fontAlgn="auto" latinLnBrk="0" hangingPunct="1">
+                <a:lnSpc>
+                  <a:spcPct val="100000"/>
+                </a:lnSpc>
+                <a:spcBef>
+                  <a:spcPts val="0"/>
+                </a:spcBef>
+                <a:spcAft>
+                  <a:spcPts val="0"/>
+                </a:spcAft>
+                <a:buClrTx/>
+                <a:buSzTx/>
+                <a:buFontTx/>
+                <a:buNone/>
+                <a:defRPr/>
+              </a:pPr>
+              <a:endParaRPr kumimoji="0" lang="zh-CN" altLang="en-US" sz="1800" b="0" i="0" u="none" strike="noStrike" kern="1200" cap="none" spc="0" normalizeH="0" baseline="0" noProof="0">
+                <a:ln>
+                  <a:noFill/>
+                </a:ln>
+                <a:solidFill>
+                  <a:schemeClr val="lt1"/>
+                </a:solidFill>
+                <a:effectLst/>
+                <a:uLnTx/>
+                <a:uFillTx/>
+                <a:latin typeface="+mn-lt"/>
+                <a:ea typeface="+mn-ea"/>
+                <a:cs typeface="+mn-cs"/>
+              </a:endParaRPr>
+            </a:p>
+          </p:txBody>
+        </p:sp>
+        <p:sp>
+          <p:nvSpPr>
+            <p:cNvPr id="5162" name="文本框 116"/>
+            <p:cNvSpPr txBox="1"/>
+            <p:nvPr/>
+          </p:nvSpPr>
+          <p:spPr>
+            <a:xfrm>
+              <a:off x="1524732" y="1669097"/>
+              <a:ext cx="602040" cy="418341"/>
+            </a:xfrm>
+            <a:prstGeom prst="rect">
+              <a:avLst/>
+            </a:prstGeom>
+            <a:noFill/>
+            <a:ln w="9525">
+              <a:noFill/>
+            </a:ln>
+          </p:spPr>
+          <p:txBody>
+            <a:bodyPr anchor="t" anchorCtr="0">
+              <a:spAutoFit/>
+            </a:bodyPr>
+            <a:lstStyle/>
+            <a:p>
+              <a:pPr>
+                <a:buFont typeface="Arial" panose="020B0604020202020204" pitchFamily="34" charset="0"/>
+              </a:pPr>
+              <a:r>
+                <a:rPr lang="en-US" altLang="zh-CN" sz="2800" b="1" dirty="0">
+                  <a:solidFill>
+                    <a:schemeClr val="bg1"/>
+                  </a:solidFill>
+                  <a:latin typeface="Microsoft YaHei" panose="020B0503020204020204" pitchFamily="34" charset="-122"/>
+                  <a:ea typeface="Microsoft YaHei" panose="020B0503020204020204" pitchFamily="34" charset="-122"/>
+                </a:rPr>
+                <a:t>04</a:t>
+              </a:r>
+              <a:endParaRPr lang="zh-CN" altLang="en-US" sz="2800" b="1" dirty="0">
+                <a:solidFill>
+                  <a:schemeClr val="bg1"/>
+                </a:solidFill>
+                <a:latin typeface="Microsoft YaHei" panose="020B0503020204020204" pitchFamily="34" charset="-122"/>
+                <a:ea typeface="Microsoft YaHei" panose="020B0503020204020204" pitchFamily="34" charset="-122"/>
+              </a:endParaRPr>
+            </a:p>
+          </p:txBody>
+        </p:sp>
+      </p:grpSp>
+      <p:sp>
+        <p:nvSpPr>
+          <p:cNvPr id="13" name="文本框 111"/>
+          <p:cNvSpPr txBox="1"/>
+          <p:nvPr/>
+        </p:nvSpPr>
+        <p:spPr>
+          <a:xfrm>
+            <a:off x="1108710" y="5807442"/>
+            <a:ext cx="749935" cy="521970"/>
+          </a:xfrm>
+          <a:prstGeom prst="rect">
+            <a:avLst/>
+          </a:prstGeom>
+          <a:noFill/>
+          <a:ln w="9525">
+            <a:noFill/>
+          </a:ln>
+        </p:spPr>
+        <p:txBody>
+          <a:bodyPr anchor="t" anchorCtr="0">
+            <a:spAutoFit/>
+          </a:bodyPr>
+          <a:lstStyle/>
+          <a:p>
+            <a:pPr>
+              <a:buFont typeface="Arial" panose="020B0604020202020204" pitchFamily="34" charset="0"/>
+            </a:pPr>
+            <a:r>
+              <a:rPr lang="en-US" altLang="zh-CN" sz="2800" b="1" dirty="0">
+                <a:solidFill>
+                  <a:schemeClr val="bg1"/>
+                </a:solidFill>
+                <a:latin typeface="Microsoft YaHei" panose="020B0503020204020204" pitchFamily="34" charset="-122"/>
+                <a:ea typeface="Microsoft YaHei" panose="020B0503020204020204" pitchFamily="34" charset="-122"/>
+              </a:rPr>
+              <a:t>05</a:t>
+            </a:r>
+            <a:endParaRPr lang="zh-CN" altLang="en-US" sz="2800" b="1" dirty="0">
+              <a:solidFill>
+                <a:schemeClr val="bg1"/>
+              </a:solidFill>
+              <a:latin typeface="Microsoft YaHei" panose="020B0503020204020204" pitchFamily="34" charset="-122"/>
+              <a:ea typeface="Microsoft YaHei" panose="020B0503020204020204" pitchFamily="34" charset="-122"/>
+            </a:endParaRPr>
+          </a:p>
+        </p:txBody>
+      </p:sp>
+      <p:sp>
+        <p:nvSpPr>
+          <p:cNvPr id="8" name="矩形 5"/>
+          <p:cNvSpPr/>
+          <p:nvPr/>
+        </p:nvSpPr>
+        <p:spPr>
+          <a:xfrm>
+            <a:off x="1878965" y="2832100"/>
+            <a:ext cx="5335270" cy="449580"/>
+          </a:xfrm>
+          <a:prstGeom prst="rect">
+            <a:avLst/>
+          </a:prstGeom>
+          <a:noFill/>
+          <a:ln>
+            <a:solidFill>
+              <a:srgbClr val="05B780"/>
+            </a:solidFill>
+          </a:ln>
+        </p:spPr>
+        <p:style>
+          <a:lnRef idx="2">
+            <a:schemeClr val="accent1">
+              <a:shade val="50000"/>
+            </a:schemeClr>
+          </a:lnRef>
+          <a:fillRef idx="1">
+            <a:schemeClr val="accent1"/>
+          </a:fillRef>
+          <a:effectRef idx="0">
+            <a:schemeClr val="accent1"/>
+          </a:effectRef>
+          <a:fontRef idx="minor">
+            <a:schemeClr val="lt1"/>
+          </a:fontRef>
+        </p:style>
+        <p:txBody>
+          <a:bodyPr anchor="ctr"/>
+          <a:lstStyle/>
+          <a:p>
+            <a:pPr marL="0" marR="0" lvl="0" indent="0" algn="ctr" defTabSz="914400" rtl="0" eaLnBrk="1" fontAlgn="auto" latinLnBrk="0" hangingPunct="1">
+              <a:lnSpc>
+                <a:spcPct val="100000"/>
+              </a:lnSpc>
+              <a:spcBef>
+                <a:spcPts val="0"/>
+              </a:spcBef>
+              <a:spcAft>
+                <a:spcPts val="0"/>
+              </a:spcAft>
+              <a:buClrTx/>
+              <a:buSzTx/>
+              <a:buFontTx/>
+              <a:buNone/>
+              <a:defRPr/>
+            </a:pPr>
+            <a:endParaRPr kumimoji="0" lang="zh-CN" altLang="en-US" sz="1800" b="0" i="0" u="none" strike="noStrike" kern="1200" cap="none" spc="0" normalizeH="0" baseline="0" noProof="0">
+              <a:ln>
+                <a:noFill/>
+              </a:ln>
+              <a:solidFill>
+                <a:schemeClr val="lt1"/>
+              </a:solidFill>
+              <a:effectLst/>
+              <a:uLnTx/>
+              <a:uFillTx/>
+              <a:latin typeface="+mn-lt"/>
+              <a:ea typeface="+mn-ea"/>
+              <a:cs typeface="+mn-cs"/>
+            </a:endParaRPr>
+          </a:p>
+        </p:txBody>
+      </p:sp>
+      <p:sp>
+        <p:nvSpPr>
+          <p:cNvPr id="15" name="文本框 47"/>
+          <p:cNvSpPr txBox="1"/>
+          <p:nvPr/>
+        </p:nvSpPr>
+        <p:spPr>
+          <a:xfrm>
+            <a:off x="2156778" y="2835593"/>
+            <a:ext cx="2497137" cy="460375"/>
+          </a:xfrm>
+          <a:prstGeom prst="rect">
+            <a:avLst/>
+          </a:prstGeom>
+          <a:noFill/>
+          <a:ln w="9525">
+            <a:noFill/>
+          </a:ln>
+        </p:spPr>
+        <p:txBody>
+          <a:bodyPr wrap="square" anchor="t" anchorCtr="0">
+            <a:spAutoFit/>
+          </a:bodyPr>
+          <a:lstStyle/>
+          <a:p>
+            <a:pPr>
+              <a:buFont typeface="Arial" panose="020B0604020202020204" pitchFamily="34" charset="0"/>
+            </a:pPr>
+            <a:r>
+              <a:rPr lang="en-US" altLang="zh-CN" sz="2400" b="1" dirty="0">
+                <a:solidFill>
+                  <a:srgbClr val="05B780"/>
+                </a:solidFill>
+                <a:latin typeface="Microsoft YaHei" panose="020B0503020204020204" pitchFamily="34" charset="-122"/>
+                <a:ea typeface="Microsoft YaHei" panose="020B0503020204020204" pitchFamily="34" charset="-122"/>
+              </a:rPr>
+              <a:t>Binary Search</a:t>
+            </a:r>
+            <a:endParaRPr lang="en-US" altLang="zh-CN" sz="2400" b="1" dirty="0">
+              <a:solidFill>
+                <a:srgbClr val="05B780"/>
+              </a:solidFill>
+              <a:latin typeface="Microsoft YaHei" panose="020B0503020204020204" pitchFamily="34" charset="-122"/>
+              <a:ea typeface="Microsoft YaHei" panose="020B0503020204020204" pitchFamily="34" charset="-122"/>
+            </a:endParaRPr>
+          </a:p>
+        </p:txBody>
+      </p:sp>
+      <p:grpSp>
+        <p:nvGrpSpPr>
+          <p:cNvPr id="16" name="组合 3"/>
+          <p:cNvGrpSpPr/>
+          <p:nvPr/>
+        </p:nvGrpSpPr>
+        <p:grpSpPr>
+          <a:xfrm>
+            <a:off x="1167759" y="2641912"/>
+            <a:ext cx="814394" cy="849312"/>
+            <a:chOff x="1473122" y="1521446"/>
+            <a:chExt cx="653650" cy="681967"/>
+          </a:xfrm>
+        </p:grpSpPr>
+        <p:sp>
+          <p:nvSpPr>
+            <p:cNvPr id="17" name="六边形 2"/>
+            <p:cNvSpPr/>
+            <p:nvPr/>
+          </p:nvSpPr>
+          <p:spPr>
+            <a:xfrm rot="5400000">
+              <a:off x="1425833" y="1568735"/>
+              <a:ext cx="681967" cy="587389"/>
+            </a:xfrm>
+            <a:prstGeom prst="hexagon">
+              <a:avLst>
+                <a:gd name="adj" fmla="val 27469"/>
+                <a:gd name="vf" fmla="val 115470"/>
+              </a:avLst>
+            </a:prstGeom>
+            <a:solidFill>
+              <a:srgbClr val="05B780"/>
+            </a:solidFill>
+            <a:ln>
+              <a:noFill/>
+            </a:ln>
+          </p:spPr>
+          <p:style>
+            <a:lnRef idx="2">
+              <a:schemeClr val="accent1">
+                <a:shade val="50000"/>
+              </a:schemeClr>
+            </a:lnRef>
+            <a:fillRef idx="1">
+              <a:schemeClr val="accent1"/>
+            </a:fillRef>
+            <a:effectRef idx="0">
+              <a:schemeClr val="accent1"/>
+            </a:effectRef>
+            <a:fontRef idx="minor">
+              <a:schemeClr val="lt1"/>
+            </a:fontRef>
+          </p:style>
+          <p:txBody>
+            <a:bodyPr anchor="ctr"/>
+            <a:lstStyle/>
+            <a:p>
+              <a:pPr marL="0" marR="0" lvl="0" indent="0" algn="ctr" defTabSz="914400" rtl="0" eaLnBrk="1" fontAlgn="auto" latinLnBrk="0" hangingPunct="1">
+                <a:lnSpc>
+                  <a:spcPct val="100000"/>
+                </a:lnSpc>
+                <a:spcBef>
+                  <a:spcPts val="0"/>
+                </a:spcBef>
+                <a:spcAft>
+                  <a:spcPts val="0"/>
+                </a:spcAft>
+                <a:buClrTx/>
+                <a:buSzTx/>
+                <a:buFontTx/>
+                <a:buNone/>
+                <a:defRPr/>
+              </a:pPr>
+              <a:endParaRPr kumimoji="0" lang="zh-CN" altLang="en-US" sz="1800" b="0" i="0" u="none" strike="noStrike" kern="1200" cap="none" spc="0" normalizeH="0" baseline="0" noProof="0">
+                <a:ln>
+                  <a:noFill/>
+                </a:ln>
+                <a:solidFill>
+                  <a:schemeClr val="lt1"/>
+                </a:solidFill>
+                <a:effectLst/>
+                <a:uLnTx/>
+                <a:uFillTx/>
+                <a:latin typeface="+mn-lt"/>
+                <a:ea typeface="+mn-ea"/>
+                <a:cs typeface="+mn-cs"/>
+              </a:endParaRPr>
+            </a:p>
+          </p:txBody>
+        </p:sp>
+        <p:sp>
+          <p:nvSpPr>
+            <p:cNvPr id="18" name="文本框 46"/>
+            <p:cNvSpPr txBox="1"/>
+            <p:nvPr/>
+          </p:nvSpPr>
+          <p:spPr>
+            <a:xfrm>
+              <a:off x="1524732" y="1669097"/>
+              <a:ext cx="602040" cy="419123"/>
+            </a:xfrm>
+            <a:prstGeom prst="rect">
+              <a:avLst/>
+            </a:prstGeom>
+            <a:noFill/>
+            <a:ln w="9525">
+              <a:noFill/>
+            </a:ln>
+          </p:spPr>
+          <p:txBody>
+            <a:bodyPr anchor="t" anchorCtr="0">
+              <a:spAutoFit/>
+            </a:bodyPr>
+            <a:lstStyle/>
+            <a:p>
+              <a:pPr>
+                <a:buFont typeface="Arial" panose="020B0604020202020204" pitchFamily="34" charset="0"/>
+              </a:pPr>
+              <a:r>
+                <a:rPr lang="en-US" altLang="zh-CN" sz="2800" b="1" dirty="0">
+                  <a:solidFill>
+                    <a:schemeClr val="bg1"/>
+                  </a:solidFill>
+                  <a:latin typeface="Microsoft YaHei" panose="020B0503020204020204" pitchFamily="34" charset="-122"/>
+                  <a:ea typeface="Microsoft YaHei" panose="020B0503020204020204" pitchFamily="34" charset="-122"/>
+                </a:rPr>
+                <a:t>02</a:t>
+              </a:r>
+              <a:endParaRPr lang="zh-CN" altLang="en-US" sz="2800" b="1" dirty="0">
+                <a:solidFill>
+                  <a:schemeClr val="bg1"/>
+                </a:solidFill>
+                <a:latin typeface="Microsoft YaHei" panose="020B0503020204020204" pitchFamily="34" charset="-122"/>
+                <a:ea typeface="Microsoft YaHei" panose="020B0503020204020204" pitchFamily="34" charset="-122"/>
+              </a:endParaRPr>
+            </a:p>
+          </p:txBody>
+        </p:sp>
+      </p:grpSp>
+      <p:sp>
+        <p:nvSpPr>
+          <p:cNvPr id="19" name="矩形 5"/>
+          <p:cNvSpPr/>
+          <p:nvPr/>
+        </p:nvSpPr>
+        <p:spPr>
+          <a:xfrm>
+            <a:off x="1878965" y="3786505"/>
+            <a:ext cx="5335270" cy="449580"/>
+          </a:xfrm>
+          <a:prstGeom prst="rect">
+            <a:avLst/>
+          </a:prstGeom>
+          <a:noFill/>
+          <a:ln>
+            <a:solidFill>
+              <a:srgbClr val="05B780"/>
+            </a:solidFill>
+          </a:ln>
+        </p:spPr>
+        <p:style>
+          <a:lnRef idx="2">
+            <a:schemeClr val="accent1">
+              <a:shade val="50000"/>
+            </a:schemeClr>
+          </a:lnRef>
+          <a:fillRef idx="1">
+            <a:schemeClr val="accent1"/>
+          </a:fillRef>
+          <a:effectRef idx="0">
+            <a:schemeClr val="accent1"/>
+          </a:effectRef>
+          <a:fontRef idx="minor">
+            <a:schemeClr val="lt1"/>
+          </a:fontRef>
+        </p:style>
+        <p:txBody>
+          <a:bodyPr anchor="ctr"/>
+          <a:lstStyle/>
+          <a:p>
+            <a:pPr marL="0" marR="0" lvl="0" indent="0" algn="ctr" defTabSz="914400" rtl="0" eaLnBrk="1" fontAlgn="auto" latinLnBrk="0" hangingPunct="1">
+              <a:lnSpc>
+                <a:spcPct val="100000"/>
+              </a:lnSpc>
+              <a:spcBef>
+                <a:spcPts val="0"/>
+              </a:spcBef>
+              <a:spcAft>
+                <a:spcPts val="0"/>
+              </a:spcAft>
+              <a:buClrTx/>
+              <a:buSzTx/>
+              <a:buFontTx/>
+              <a:buNone/>
+              <a:defRPr/>
+            </a:pPr>
+            <a:endParaRPr kumimoji="0" lang="zh-CN" altLang="en-US" sz="1800" b="0" i="0" u="none" strike="noStrike" kern="1200" cap="none" spc="0" normalizeH="0" baseline="0" noProof="0">
+              <a:ln>
+                <a:noFill/>
+              </a:ln>
+              <a:solidFill>
+                <a:schemeClr val="lt1"/>
+              </a:solidFill>
+              <a:effectLst/>
+              <a:uLnTx/>
+              <a:uFillTx/>
+              <a:latin typeface="+mn-lt"/>
+              <a:ea typeface="+mn-ea"/>
+              <a:cs typeface="+mn-cs"/>
+            </a:endParaRPr>
+          </a:p>
+        </p:txBody>
+      </p:sp>
+      <p:sp>
+        <p:nvSpPr>
+          <p:cNvPr id="20" name="文本框 47"/>
+          <p:cNvSpPr txBox="1"/>
+          <p:nvPr/>
+        </p:nvSpPr>
+        <p:spPr>
+          <a:xfrm>
+            <a:off x="2167255" y="3786505"/>
+            <a:ext cx="5047615" cy="398780"/>
+          </a:xfrm>
+          <a:prstGeom prst="rect">
+            <a:avLst/>
+          </a:prstGeom>
+          <a:noFill/>
+          <a:ln w="9525">
+            <a:noFill/>
+          </a:ln>
+        </p:spPr>
+        <p:txBody>
+          <a:bodyPr wrap="square" anchor="t" anchorCtr="0">
+            <a:spAutoFit/>
+          </a:bodyPr>
+          <a:lstStyle/>
+          <a:p>
+            <a:pPr>
+              <a:buFont typeface="Arial" panose="020B0604020202020204" pitchFamily="34" charset="0"/>
+            </a:pPr>
+            <a:r>
+              <a:rPr lang="en-US" altLang="zh-CN" sz="2000" b="1" dirty="0" err="1">
+                <a:solidFill>
+                  <a:srgbClr val="05B780"/>
+                </a:solidFill>
+                <a:latin typeface="Microsoft YaHei" panose="020B0503020204020204" pitchFamily="34" charset="-122"/>
+                <a:ea typeface="Microsoft YaHei" panose="020B0503020204020204" pitchFamily="34" charset="-122"/>
+              </a:rPr>
+              <a:t>Two Pointers &amp; Sliding Window</a:t>
+            </a:r>
+            <a:endParaRPr lang="en-US" altLang="zh-CN" sz="2000" b="1" dirty="0" err="1">
+              <a:solidFill>
+                <a:srgbClr val="05B780"/>
+              </a:solidFill>
+              <a:latin typeface="Microsoft YaHei" panose="020B0503020204020204" pitchFamily="34" charset="-122"/>
+              <a:ea typeface="Microsoft YaHei" panose="020B0503020204020204" pitchFamily="34" charset="-122"/>
+            </a:endParaRPr>
+          </a:p>
+        </p:txBody>
+      </p:sp>
+      <p:grpSp>
+        <p:nvGrpSpPr>
+          <p:cNvPr id="21" name="组合 3"/>
+          <p:cNvGrpSpPr/>
+          <p:nvPr/>
+        </p:nvGrpSpPr>
+        <p:grpSpPr>
+          <a:xfrm>
+            <a:off x="1167759" y="3596317"/>
+            <a:ext cx="814394" cy="849312"/>
+            <a:chOff x="1473122" y="1521446"/>
+            <a:chExt cx="653650" cy="681967"/>
+          </a:xfrm>
+        </p:grpSpPr>
+        <p:sp>
+          <p:nvSpPr>
+            <p:cNvPr id="22" name="六边形 2"/>
+            <p:cNvSpPr/>
+            <p:nvPr/>
+          </p:nvSpPr>
+          <p:spPr>
+            <a:xfrm rot="5400000">
+              <a:off x="1425833" y="1568735"/>
+              <a:ext cx="681967" cy="587389"/>
+            </a:xfrm>
+            <a:prstGeom prst="hexagon">
+              <a:avLst>
+                <a:gd name="adj" fmla="val 27469"/>
+                <a:gd name="vf" fmla="val 115470"/>
+              </a:avLst>
+            </a:prstGeom>
+            <a:solidFill>
+              <a:srgbClr val="05B780"/>
+            </a:solidFill>
+            <a:ln>
+              <a:noFill/>
+            </a:ln>
+          </p:spPr>
+          <p:style>
+            <a:lnRef idx="2">
+              <a:schemeClr val="accent1">
+                <a:shade val="50000"/>
+              </a:schemeClr>
+            </a:lnRef>
+            <a:fillRef idx="1">
+              <a:schemeClr val="accent1"/>
+            </a:fillRef>
+            <a:effectRef idx="0">
+              <a:schemeClr val="accent1"/>
+            </a:effectRef>
+            <a:fontRef idx="minor">
+              <a:schemeClr val="lt1"/>
+            </a:fontRef>
+          </p:style>
+          <p:txBody>
+            <a:bodyPr anchor="ctr"/>
+            <a:lstStyle/>
+            <a:p>
+              <a:pPr marL="0" marR="0" lvl="0" indent="0" algn="ctr" defTabSz="914400" rtl="0" eaLnBrk="1" fontAlgn="auto" latinLnBrk="0" hangingPunct="1">
+                <a:lnSpc>
+                  <a:spcPct val="100000"/>
+                </a:lnSpc>
+                <a:spcBef>
+                  <a:spcPts val="0"/>
+                </a:spcBef>
+                <a:spcAft>
+                  <a:spcPts val="0"/>
+                </a:spcAft>
+                <a:buClrTx/>
+                <a:buSzTx/>
+                <a:buFontTx/>
+                <a:buNone/>
+                <a:defRPr/>
+              </a:pPr>
+              <a:endParaRPr kumimoji="0" lang="zh-CN" altLang="en-US" sz="1800" b="0" i="0" u="none" strike="noStrike" kern="1200" cap="none" spc="0" normalizeH="0" baseline="0" noProof="0">
+                <a:ln>
+                  <a:noFill/>
+                </a:ln>
+                <a:solidFill>
+                  <a:schemeClr val="lt1"/>
+                </a:solidFill>
+                <a:effectLst/>
+                <a:uLnTx/>
+                <a:uFillTx/>
+                <a:latin typeface="+mn-lt"/>
+                <a:ea typeface="+mn-ea"/>
+                <a:cs typeface="+mn-cs"/>
+              </a:endParaRPr>
+            </a:p>
+          </p:txBody>
+        </p:sp>
+        <p:sp>
+          <p:nvSpPr>
+            <p:cNvPr id="23" name="文本框 46"/>
+            <p:cNvSpPr txBox="1"/>
+            <p:nvPr/>
+          </p:nvSpPr>
+          <p:spPr>
+            <a:xfrm>
+              <a:off x="1524732" y="1669097"/>
+              <a:ext cx="602040" cy="419123"/>
+            </a:xfrm>
+            <a:prstGeom prst="rect">
+              <a:avLst/>
+            </a:prstGeom>
+            <a:noFill/>
+            <a:ln w="9525">
+              <a:noFill/>
+            </a:ln>
+          </p:spPr>
+          <p:txBody>
+            <a:bodyPr anchor="t" anchorCtr="0">
+              <a:spAutoFit/>
+            </a:bodyPr>
+            <a:lstStyle/>
+            <a:p>
+              <a:pPr>
+                <a:buFont typeface="Arial" panose="020B0604020202020204" pitchFamily="34" charset="0"/>
+              </a:pPr>
+              <a:r>
+                <a:rPr lang="en-US" altLang="zh-CN" sz="2800" b="1" dirty="0">
+                  <a:solidFill>
+                    <a:schemeClr val="bg1"/>
+                  </a:solidFill>
+                  <a:latin typeface="Microsoft YaHei" panose="020B0503020204020204" pitchFamily="34" charset="-122"/>
+                  <a:ea typeface="Microsoft YaHei" panose="020B0503020204020204" pitchFamily="34" charset="-122"/>
+                </a:rPr>
+                <a:t>03</a:t>
+              </a:r>
+              <a:endParaRPr lang="zh-CN" altLang="en-US" sz="2800" b="1" dirty="0">
+                <a:solidFill>
+                  <a:schemeClr val="bg1"/>
+                </a:solidFill>
+                <a:latin typeface="Microsoft YaHei" panose="020B0503020204020204" pitchFamily="34" charset="-122"/>
+                <a:ea typeface="Microsoft YaHei" panose="020B0503020204020204" pitchFamily="34" charset="-122"/>
+              </a:endParaRPr>
+            </a:p>
+          </p:txBody>
+        </p:sp>
+      </p:grpSp>
+    </p:spTree>
+  </p:cSld>
+  <p:clrMapOvr>
+    <a:masterClrMapping/>
+  </p:clrMapOvr>
+  <p:transition spd="slow">
+    <p:wipe/>
+  </p:transition>
+</p:sld>
+</file>
+
+<file path=ppt/slides/slide20.xml><?xml version="1.0" encoding="utf-8"?>
+<p:sld xmlns:a="http://schemas.openxmlformats.org/drawingml/2006/main" xmlns:r="http://schemas.openxmlformats.org/officeDocument/2006/relationships" xmlns:p="http://schemas.openxmlformats.org/presentationml/2006/main">
+  <p:cSld>
+    <p:spTree>
+      <p:nvGrpSpPr>
+        <p:cNvPr id="1" name=""/>
+        <p:cNvGrpSpPr/>
+        <p:nvPr/>
+      </p:nvGrpSpPr>
+      <p:grpSpPr>
+        <a:xfrm>
+          <a:off x="0" y="0"/>
+          <a:ext cx="0" cy="0"/>
+          <a:chOff x="0" y="0"/>
+          <a:chExt cx="0" cy="0"/>
+        </a:xfrm>
+      </p:grpSpPr>
+      <p:sp>
+        <p:nvSpPr>
+          <p:cNvPr id="15" name="任意多边形 14"/>
+          <p:cNvSpPr/>
+          <p:nvPr/>
+        </p:nvSpPr>
+        <p:spPr>
+          <a:xfrm>
+            <a:off x="0" y="274638"/>
+            <a:ext cx="890588" cy="639763"/>
+          </a:xfrm>
+          <a:custGeom>
+            <a:avLst/>
+            <a:gdLst>
+              <a:gd name="connsiteX0" fmla="*/ 0 w 1029743"/>
+              <a:gd name="connsiteY0" fmla="*/ 0 h 739718"/>
+              <a:gd name="connsiteX1" fmla="*/ 659884 w 1029743"/>
+              <a:gd name="connsiteY1" fmla="*/ 0 h 739718"/>
+              <a:gd name="connsiteX2" fmla="*/ 1029743 w 1029743"/>
+              <a:gd name="connsiteY2" fmla="*/ 369859 h 739718"/>
+              <a:gd name="connsiteX3" fmla="*/ 659884 w 1029743"/>
+              <a:gd name="connsiteY3" fmla="*/ 739718 h 739718"/>
+              <a:gd name="connsiteX4" fmla="*/ 0 w 1029743"/>
+              <a:gd name="connsiteY4" fmla="*/ 739718 h 739718"/>
+            </a:gdLst>
+            <a:ahLst/>
+            <a:cxnLst>
+              <a:cxn ang="0">
+                <a:pos x="connsiteX0" y="connsiteY0"/>
+              </a:cxn>
+              <a:cxn ang="0">
+                <a:pos x="connsiteX1" y="connsiteY1"/>
+              </a:cxn>
+              <a:cxn ang="0">
+                <a:pos x="connsiteX2" y="connsiteY2"/>
+              </a:cxn>
+              <a:cxn ang="0">
+                <a:pos x="connsiteX3" y="connsiteY3"/>
+              </a:cxn>
+              <a:cxn ang="0">
+                <a:pos x="connsiteX4" y="connsiteY4"/>
+              </a:cxn>
+            </a:cxnLst>
+            <a:rect l="l" t="t" r="r" b="b"/>
+            <a:pathLst>
+              <a:path w="1029743" h="739718">
+                <a:moveTo>
+                  <a:pt x="0" y="0"/>
+                </a:moveTo>
+                <a:lnTo>
+                  <a:pt x="659884" y="0"/>
+                </a:lnTo>
+                <a:cubicBezTo>
+                  <a:pt x="864151" y="0"/>
+                  <a:pt x="1029743" y="165592"/>
+                  <a:pt x="1029743" y="369859"/>
+                </a:cubicBezTo>
+                <a:cubicBezTo>
+                  <a:pt x="1029743" y="574126"/>
+                  <a:pt x="864151" y="739718"/>
+                  <a:pt x="659884" y="739718"/>
+                </a:cubicBezTo>
+                <a:lnTo>
+                  <a:pt x="0" y="739718"/>
+                </a:lnTo>
+                <a:close/>
+              </a:path>
+            </a:pathLst>
+          </a:custGeom>
+          <a:solidFill>
+            <a:srgbClr val="05B780"/>
+          </a:solidFill>
+          <a:ln>
+            <a:noFill/>
+          </a:ln>
+        </p:spPr>
+        <p:style>
+          <a:lnRef idx="2">
+            <a:schemeClr val="accent1">
+              <a:shade val="50000"/>
+            </a:schemeClr>
+          </a:lnRef>
+          <a:fillRef idx="1">
+            <a:schemeClr val="accent1"/>
+          </a:fillRef>
+          <a:effectRef idx="0">
+            <a:schemeClr val="accent1"/>
+          </a:effectRef>
+          <a:fontRef idx="minor">
+            <a:schemeClr val="lt1"/>
+          </a:fontRef>
+        </p:style>
+        <p:txBody>
+          <a:bodyPr anchor="ctr"/>
+          <a:lstStyle/>
+          <a:p>
+            <a:pPr marL="0" marR="0" lvl="0" indent="0" algn="ctr" defTabSz="914400" rtl="0" eaLnBrk="1" fontAlgn="auto" latinLnBrk="0" hangingPunct="1">
+              <a:lnSpc>
+                <a:spcPct val="100000"/>
+              </a:lnSpc>
+              <a:spcBef>
+                <a:spcPts val="0"/>
+              </a:spcBef>
+              <a:spcAft>
+                <a:spcPts val="0"/>
+              </a:spcAft>
+              <a:buClrTx/>
+              <a:buSzTx/>
+              <a:buFontTx/>
+              <a:buNone/>
+              <a:defRPr/>
+            </a:pPr>
+            <a:endParaRPr kumimoji="0" lang="zh-CN" altLang="en-US" sz="1800" b="0" i="0" u="none" strike="noStrike" kern="1200" cap="none" spc="0" normalizeH="0" baseline="0" noProof="0">
+              <a:ln>
+                <a:noFill/>
+              </a:ln>
+              <a:solidFill>
+                <a:schemeClr val="bg1"/>
+              </a:solidFill>
+              <a:effectLst/>
+              <a:uLnTx/>
+              <a:uFillTx/>
+              <a:latin typeface="+mn-lt"/>
+              <a:ea typeface="+mn-ea"/>
+              <a:cs typeface="+mn-cs"/>
+            </a:endParaRPr>
+          </a:p>
+        </p:txBody>
+      </p:sp>
+      <p:sp>
+        <p:nvSpPr>
+          <p:cNvPr id="7170" name="文本框 156"/>
+          <p:cNvSpPr txBox="1"/>
+          <p:nvPr/>
+        </p:nvSpPr>
+        <p:spPr>
+          <a:xfrm>
+            <a:off x="0" y="350838"/>
+            <a:ext cx="814388" cy="521970"/>
+          </a:xfrm>
+          <a:prstGeom prst="rect">
+            <a:avLst/>
+          </a:prstGeom>
+          <a:noFill/>
+          <a:ln w="9525">
+            <a:noFill/>
+          </a:ln>
+        </p:spPr>
+        <p:txBody>
+          <a:bodyPr anchor="t" anchorCtr="0">
+            <a:spAutoFit/>
+          </a:bodyPr>
+          <a:lstStyle/>
+          <a:p>
+            <a:pPr>
+              <a:buFont typeface="Arial" panose="020B0604020202020204" pitchFamily="34" charset="0"/>
+            </a:pPr>
+            <a:r>
+              <a:rPr lang="en-US" altLang="zh-CN" sz="2800" b="1" dirty="0">
+                <a:solidFill>
+                  <a:schemeClr val="bg1"/>
+                </a:solidFill>
+                <a:latin typeface="Microsoft YaHei" panose="020B0503020204020204" pitchFamily="34" charset="-122"/>
+                <a:ea typeface="Microsoft YaHei" panose="020B0503020204020204" pitchFamily="34" charset="-122"/>
+              </a:rPr>
+              <a:t>3.1</a:t>
+            </a:r>
+            <a:endParaRPr lang="en-US" altLang="zh-CN" sz="2800" b="1" dirty="0">
+              <a:solidFill>
+                <a:schemeClr val="bg1"/>
+              </a:solidFill>
+              <a:latin typeface="Microsoft YaHei" panose="020B0503020204020204" pitchFamily="34" charset="-122"/>
+              <a:ea typeface="Microsoft YaHei" panose="020B0503020204020204" pitchFamily="34" charset="-122"/>
+            </a:endParaRPr>
+          </a:p>
+        </p:txBody>
+      </p:sp>
+      <p:sp>
+        <p:nvSpPr>
+          <p:cNvPr id="16" name="Rectangle 6"/>
+          <p:cNvSpPr>
+            <a:spLocks noChangeArrowheads="1"/>
+          </p:cNvSpPr>
+          <p:nvPr/>
+        </p:nvSpPr>
+        <p:spPr bwMode="black">
+          <a:xfrm>
+            <a:off x="1021080" y="334010"/>
+            <a:ext cx="8777605" cy="521970"/>
+          </a:xfrm>
+          <a:prstGeom prst="rect">
+            <a:avLst/>
+          </a:prstGeom>
+          <a:noFill/>
+          <a:ln>
+            <a:noFill/>
+          </a:ln>
+          <a:effectLst/>
+          <a:extLst>
+            <a:ext uri="{909E8E84-426E-40DD-AFC4-6F175D3DCCD1}">
+              <a14:hiddenFill xmlns:a14="http://schemas.microsoft.com/office/drawing/2010/main">
+                <a:solidFill>
+                  <a:schemeClr val="accent1"/>
+                </a:solidFill>
+              </a14:hiddenFill>
+            </a:ext>
+            <a:ext uri="{91240B29-F687-4F45-9708-019B960494DF}">
+              <a14:hiddenLine xmlns:a14="http://schemas.microsoft.com/office/drawing/2010/main" w="9525">
+                <a:solidFill>
+                  <a:schemeClr val="tx1"/>
+                </a:solidFill>
+                <a:miter lim="800000"/>
+                <a:headEnd/>
+                <a:tailEnd/>
+              </a14:hiddenLine>
+            </a:ext>
+            <a:ext uri="{AF507438-7753-43E0-B8FC-AC1667EBCBE1}">
+              <a14:hiddenEffects xmlns:a14="http://schemas.microsoft.com/office/drawing/2010/main">
+                <a:effectLst>
+                  <a:outerShdw dist="35921" dir="2700000" algn="ctr" rotWithShape="0">
+                    <a:schemeClr val="bg2"/>
+                  </a:outerShdw>
+                </a:effectLst>
+              </a14:hiddenEffects>
+            </a:ext>
+          </a:extLst>
+        </p:spPr>
+        <p:txBody>
+          <a:bodyPr wrap="square">
+            <a:spAutoFit/>
+          </a:bodyPr>
+          <a:lstStyle/>
+          <a:p>
+            <a:pPr eaLnBrk="0" fontAlgn="auto" hangingPunct="0">
+              <a:spcBef>
+                <a:spcPts val="0"/>
+              </a:spcBef>
+              <a:spcAft>
+                <a:spcPts val="0"/>
+              </a:spcAft>
+              <a:defRPr/>
+            </a:pPr>
+            <a:r>
+              <a:rPr kumimoji="0" lang="en-US" altLang="zh-CN" sz="2800" b="1" i="0" u="none" strike="noStrike" kern="1200" cap="none" spc="0" normalizeH="0" baseline="0" noProof="0" dirty="0">
+                <a:ln>
+                  <a:noFill/>
+                </a:ln>
+                <a:solidFill>
+                  <a:schemeClr val="tx1">
+                    <a:lumMod val="85000"/>
+                    <a:lumOff val="15000"/>
+                  </a:schemeClr>
+                </a:solidFill>
+                <a:effectLst/>
+                <a:uLnTx/>
+                <a:uFillTx/>
+                <a:latin typeface="Microsoft YaHei" panose="020B0503020204020204" pitchFamily="34" charset="-122"/>
+                <a:ea typeface="Microsoft YaHei" panose="020B0503020204020204" pitchFamily="34" charset="-122"/>
+                <a:cs typeface="+mn-cs"/>
+                <a:sym typeface="+mn-ea"/>
+              </a:rPr>
+              <a:t>Non-array applications</a:t>
+            </a:r>
+            <a:endParaRPr kumimoji="0" lang="en-US" altLang="zh-CN" sz="2800" b="1" i="0" u="none" strike="noStrike" kern="1200" cap="none" spc="0" normalizeH="0" baseline="0" noProof="0" dirty="0">
+              <a:ln>
+                <a:noFill/>
+              </a:ln>
+              <a:solidFill>
+                <a:schemeClr val="tx1">
+                  <a:lumMod val="85000"/>
+                  <a:lumOff val="15000"/>
+                </a:schemeClr>
+              </a:solidFill>
+              <a:effectLst/>
+              <a:uLnTx/>
+              <a:uFillTx/>
+              <a:latin typeface="Microsoft YaHei" panose="020B0503020204020204" pitchFamily="34" charset="-122"/>
+              <a:ea typeface="Microsoft YaHei" panose="020B0503020204020204" pitchFamily="34" charset="-122"/>
+              <a:cs typeface="+mn-cs"/>
+              <a:sym typeface="+mn-ea"/>
+            </a:endParaRPr>
+          </a:p>
+        </p:txBody>
+      </p:sp>
+      <p:sp>
+        <p:nvSpPr>
+          <p:cNvPr id="3" name="Content Placeholder 2"/>
+          <p:cNvSpPr>
+            <a:spLocks noGrp="1"/>
+          </p:cNvSpPr>
+          <p:nvPr>
+            <p:ph idx="1"/>
+          </p:nvPr>
+        </p:nvSpPr>
+        <p:spPr>
+          <a:xfrm>
+            <a:off x="890588" y="1494359"/>
+            <a:ext cx="10515600" cy="4351338"/>
+          </a:xfrm>
+        </p:spPr>
+        <p:txBody>
+          <a:bodyPr/>
+          <a:lstStyle/>
+          <a:p>
+            <a:r>
+              <a:rPr lang="en-US" sz="3200" dirty="0"/>
+              <a:t>The two-pointer technique is not limited to arrays. Two pointer can be done on other structures, like linked list, as long as they are </a:t>
+            </a:r>
+            <a:r>
+              <a:rPr lang="en-US" sz="3200" b="1" dirty="0"/>
+              <a:t>iterable</a:t>
+            </a:r>
+            <a:r>
+              <a:rPr lang="en-US" sz="3200" dirty="0"/>
+              <a:t>.</a:t>
+            </a:r>
+            <a:endParaRPr lang="en-US" sz="3200" dirty="0"/>
+          </a:p>
+          <a:p>
+            <a:endParaRPr lang="en-US" sz="3200" dirty="0"/>
+          </a:p>
+          <a:p>
+            <a:endParaRPr lang="en-US" sz="3200" dirty="0"/>
+          </a:p>
+        </p:txBody>
+      </p:sp>
+    </p:spTree>
+  </p:cSld>
+  <p:clrMapOvr>
+    <a:masterClrMapping/>
+  </p:clrMapOvr>
+  <p:transition spd="slow">
+    <p:wipe/>
+  </p:transition>
+</p:sld>
+</file>
+
+<file path=ppt/slides/slide21.xml><?xml version="1.0" encoding="utf-8"?>
+<p:sld xmlns:a="http://schemas.openxmlformats.org/drawingml/2006/main" xmlns:r="http://schemas.openxmlformats.org/officeDocument/2006/relationships" xmlns:p="http://schemas.openxmlformats.org/presentationml/2006/main">
+  <p:cSld>
+    <p:spTree>
+      <p:nvGrpSpPr>
+        <p:cNvPr id="1" name=""/>
+        <p:cNvGrpSpPr/>
+        <p:nvPr/>
+      </p:nvGrpSpPr>
+      <p:grpSpPr>
+        <a:xfrm>
+          <a:off x="0" y="0"/>
+          <a:ext cx="0" cy="0"/>
+          <a:chOff x="0" y="0"/>
+          <a:chExt cx="0" cy="0"/>
+        </a:xfrm>
+      </p:grpSpPr>
+      <p:sp>
+        <p:nvSpPr>
+          <p:cNvPr id="15" name="任意多边形 14"/>
+          <p:cNvSpPr/>
+          <p:nvPr/>
+        </p:nvSpPr>
+        <p:spPr>
+          <a:xfrm>
+            <a:off x="0" y="274638"/>
+            <a:ext cx="890588" cy="639763"/>
+          </a:xfrm>
+          <a:custGeom>
+            <a:avLst/>
+            <a:gdLst>
+              <a:gd name="connsiteX0" fmla="*/ 0 w 1029743"/>
+              <a:gd name="connsiteY0" fmla="*/ 0 h 739718"/>
+              <a:gd name="connsiteX1" fmla="*/ 659884 w 1029743"/>
+              <a:gd name="connsiteY1" fmla="*/ 0 h 739718"/>
+              <a:gd name="connsiteX2" fmla="*/ 1029743 w 1029743"/>
+              <a:gd name="connsiteY2" fmla="*/ 369859 h 739718"/>
+              <a:gd name="connsiteX3" fmla="*/ 659884 w 1029743"/>
+              <a:gd name="connsiteY3" fmla="*/ 739718 h 739718"/>
+              <a:gd name="connsiteX4" fmla="*/ 0 w 1029743"/>
+              <a:gd name="connsiteY4" fmla="*/ 739718 h 739718"/>
+            </a:gdLst>
+            <a:ahLst/>
+            <a:cxnLst>
+              <a:cxn ang="0">
+                <a:pos x="connsiteX0" y="connsiteY0"/>
+              </a:cxn>
+              <a:cxn ang="0">
+                <a:pos x="connsiteX1" y="connsiteY1"/>
+              </a:cxn>
+              <a:cxn ang="0">
+                <a:pos x="connsiteX2" y="connsiteY2"/>
+              </a:cxn>
+              <a:cxn ang="0">
+                <a:pos x="connsiteX3" y="connsiteY3"/>
+              </a:cxn>
+              <a:cxn ang="0">
+                <a:pos x="connsiteX4" y="connsiteY4"/>
+              </a:cxn>
+            </a:cxnLst>
+            <a:rect l="l" t="t" r="r" b="b"/>
+            <a:pathLst>
+              <a:path w="1029743" h="739718">
+                <a:moveTo>
+                  <a:pt x="0" y="0"/>
+                </a:moveTo>
+                <a:lnTo>
+                  <a:pt x="659884" y="0"/>
+                </a:lnTo>
+                <a:cubicBezTo>
+                  <a:pt x="864151" y="0"/>
+                  <a:pt x="1029743" y="165592"/>
+                  <a:pt x="1029743" y="369859"/>
+                </a:cubicBezTo>
+                <a:cubicBezTo>
+                  <a:pt x="1029743" y="574126"/>
+                  <a:pt x="864151" y="739718"/>
+                  <a:pt x="659884" y="739718"/>
+                </a:cubicBezTo>
+                <a:lnTo>
+                  <a:pt x="0" y="739718"/>
+                </a:lnTo>
+                <a:close/>
+              </a:path>
+            </a:pathLst>
+          </a:custGeom>
+          <a:solidFill>
+            <a:srgbClr val="05B780"/>
+          </a:solidFill>
+          <a:ln>
+            <a:noFill/>
+          </a:ln>
+        </p:spPr>
+        <p:style>
+          <a:lnRef idx="2">
+            <a:schemeClr val="accent1">
+              <a:shade val="50000"/>
+            </a:schemeClr>
+          </a:lnRef>
+          <a:fillRef idx="1">
+            <a:schemeClr val="accent1"/>
+          </a:fillRef>
+          <a:effectRef idx="0">
+            <a:schemeClr val="accent1"/>
+          </a:effectRef>
+          <a:fontRef idx="minor">
+            <a:schemeClr val="lt1"/>
+          </a:fontRef>
+        </p:style>
+        <p:txBody>
+          <a:bodyPr anchor="ctr"/>
+          <a:lstStyle/>
+          <a:p>
+            <a:pPr marL="0" marR="0" lvl="0" indent="0" algn="ctr" defTabSz="914400" rtl="0" eaLnBrk="1" fontAlgn="auto" latinLnBrk="0" hangingPunct="1">
+              <a:lnSpc>
+                <a:spcPct val="100000"/>
+              </a:lnSpc>
+              <a:spcBef>
+                <a:spcPts val="0"/>
+              </a:spcBef>
+              <a:spcAft>
+                <a:spcPts val="0"/>
+              </a:spcAft>
+              <a:buClrTx/>
+              <a:buSzTx/>
+              <a:buFontTx/>
+              <a:buNone/>
+              <a:defRPr/>
+            </a:pPr>
+            <a:endParaRPr kumimoji="0" lang="zh-CN" altLang="en-US" sz="1800" b="0" i="0" u="none" strike="noStrike" kern="1200" cap="none" spc="0" normalizeH="0" baseline="0" noProof="0">
+              <a:ln>
+                <a:noFill/>
+              </a:ln>
+              <a:solidFill>
+                <a:schemeClr val="bg1"/>
+              </a:solidFill>
+              <a:effectLst/>
+              <a:uLnTx/>
+              <a:uFillTx/>
+              <a:latin typeface="+mn-lt"/>
+              <a:ea typeface="+mn-ea"/>
+              <a:cs typeface="+mn-cs"/>
+            </a:endParaRPr>
+          </a:p>
+        </p:txBody>
+      </p:sp>
+      <p:sp>
+        <p:nvSpPr>
+          <p:cNvPr id="7170" name="文本框 156"/>
+          <p:cNvSpPr txBox="1"/>
+          <p:nvPr/>
+        </p:nvSpPr>
+        <p:spPr>
+          <a:xfrm>
+            <a:off x="0" y="350838"/>
+            <a:ext cx="814388" cy="521970"/>
+          </a:xfrm>
+          <a:prstGeom prst="rect">
+            <a:avLst/>
+          </a:prstGeom>
+          <a:noFill/>
+          <a:ln w="9525">
+            <a:noFill/>
+          </a:ln>
+        </p:spPr>
+        <p:txBody>
+          <a:bodyPr anchor="t" anchorCtr="0">
+            <a:spAutoFit/>
+          </a:bodyPr>
+          <a:lstStyle/>
+          <a:p>
+            <a:pPr>
+              <a:buFont typeface="Arial" panose="020B0604020202020204" pitchFamily="34" charset="0"/>
+            </a:pPr>
+            <a:r>
+              <a:rPr lang="en-US" altLang="zh-CN" sz="2800" b="1" dirty="0">
+                <a:solidFill>
+                  <a:schemeClr val="bg1"/>
+                </a:solidFill>
+                <a:latin typeface="Microsoft YaHei" panose="020B0503020204020204" pitchFamily="34" charset="-122"/>
+                <a:ea typeface="Microsoft YaHei" panose="020B0503020204020204" pitchFamily="34" charset="-122"/>
+              </a:rPr>
+              <a:t>3.1</a:t>
+            </a:r>
+            <a:endParaRPr lang="en-US" altLang="zh-CN" sz="2800" b="1" dirty="0">
+              <a:solidFill>
+                <a:schemeClr val="bg1"/>
+              </a:solidFill>
+              <a:latin typeface="Microsoft YaHei" panose="020B0503020204020204" pitchFamily="34" charset="-122"/>
+              <a:ea typeface="Microsoft YaHei" panose="020B0503020204020204" pitchFamily="34" charset="-122"/>
+            </a:endParaRPr>
+          </a:p>
+        </p:txBody>
+      </p:sp>
+      <p:sp>
+        <p:nvSpPr>
+          <p:cNvPr id="16" name="Rectangle 6"/>
+          <p:cNvSpPr>
+            <a:spLocks noChangeArrowheads="1"/>
+          </p:cNvSpPr>
+          <p:nvPr/>
+        </p:nvSpPr>
+        <p:spPr bwMode="black">
+          <a:xfrm>
+            <a:off x="1021080" y="334010"/>
+            <a:ext cx="8777605" cy="521970"/>
+          </a:xfrm>
+          <a:prstGeom prst="rect">
+            <a:avLst/>
+          </a:prstGeom>
+          <a:noFill/>
+          <a:ln>
+            <a:noFill/>
+          </a:ln>
+          <a:effectLst/>
+          <a:extLst>
+            <a:ext uri="{909E8E84-426E-40DD-AFC4-6F175D3DCCD1}">
+              <a14:hiddenFill xmlns:a14="http://schemas.microsoft.com/office/drawing/2010/main">
+                <a:solidFill>
+                  <a:schemeClr val="accent1"/>
+                </a:solidFill>
+              </a14:hiddenFill>
+            </a:ext>
+            <a:ext uri="{91240B29-F687-4F45-9708-019B960494DF}">
+              <a14:hiddenLine xmlns:a14="http://schemas.microsoft.com/office/drawing/2010/main" w="9525">
+                <a:solidFill>
+                  <a:schemeClr val="tx1"/>
+                </a:solidFill>
+                <a:miter lim="800000"/>
+                <a:headEnd/>
+                <a:tailEnd/>
+              </a14:hiddenLine>
+            </a:ext>
+            <a:ext uri="{AF507438-7753-43E0-B8FC-AC1667EBCBE1}">
+              <a14:hiddenEffects xmlns:a14="http://schemas.microsoft.com/office/drawing/2010/main">
+                <a:effectLst>
+                  <a:outerShdw dist="35921" dir="2700000" algn="ctr" rotWithShape="0">
+                    <a:schemeClr val="bg2"/>
+                  </a:outerShdw>
+                </a:effectLst>
+              </a14:hiddenEffects>
+            </a:ext>
+          </a:extLst>
+        </p:spPr>
+        <p:txBody>
+          <a:bodyPr wrap="square">
+            <a:spAutoFit/>
+          </a:bodyPr>
+          <a:lstStyle/>
+          <a:p>
+            <a:pPr eaLnBrk="0" fontAlgn="auto" hangingPunct="0">
+              <a:spcBef>
+                <a:spcPts val="0"/>
+              </a:spcBef>
+              <a:spcAft>
+                <a:spcPts val="0"/>
+              </a:spcAft>
+              <a:defRPr/>
+            </a:pPr>
+            <a:r>
+              <a:rPr kumimoji="0" lang="en-US" altLang="zh-CN" sz="2800" b="1" i="0" u="none" strike="noStrike" kern="1200" cap="none" spc="0" normalizeH="0" baseline="0" noProof="0" dirty="0">
+                <a:ln>
+                  <a:noFill/>
+                </a:ln>
+                <a:solidFill>
+                  <a:schemeClr val="tx1">
+                    <a:lumMod val="85000"/>
+                    <a:lumOff val="15000"/>
+                  </a:schemeClr>
+                </a:solidFill>
+                <a:effectLst/>
+                <a:uLnTx/>
+                <a:uFillTx/>
+                <a:latin typeface="Microsoft YaHei" panose="020B0503020204020204" pitchFamily="34" charset="-122"/>
+                <a:ea typeface="Microsoft YaHei" panose="020B0503020204020204" pitchFamily="34" charset="-122"/>
+                <a:cs typeface="+mn-cs"/>
+                <a:sym typeface="+mn-ea"/>
+              </a:rPr>
+              <a:t>Why Use Two Pointers?</a:t>
+            </a:r>
+            <a:endParaRPr kumimoji="0" lang="en-US" altLang="zh-CN" sz="2800" b="1" i="0" u="none" strike="noStrike" kern="1200" cap="none" spc="0" normalizeH="0" baseline="0" noProof="0" dirty="0">
+              <a:ln>
+                <a:noFill/>
+              </a:ln>
+              <a:solidFill>
+                <a:schemeClr val="tx1">
+                  <a:lumMod val="85000"/>
+                  <a:lumOff val="15000"/>
+                </a:schemeClr>
+              </a:solidFill>
+              <a:effectLst/>
+              <a:uLnTx/>
+              <a:uFillTx/>
+              <a:latin typeface="Microsoft YaHei" panose="020B0503020204020204" pitchFamily="34" charset="-122"/>
+              <a:ea typeface="Microsoft YaHei" panose="020B0503020204020204" pitchFamily="34" charset="-122"/>
+              <a:cs typeface="+mn-cs"/>
+              <a:sym typeface="+mn-ea"/>
+            </a:endParaRPr>
+          </a:p>
+        </p:txBody>
+      </p:sp>
+      <p:sp>
+        <p:nvSpPr>
+          <p:cNvPr id="3" name="Content Placeholder 2"/>
+          <p:cNvSpPr>
+            <a:spLocks noGrp="1"/>
+          </p:cNvSpPr>
+          <p:nvPr>
+            <p:ph idx="1"/>
+          </p:nvPr>
+        </p:nvSpPr>
+        <p:spPr>
+          <a:xfrm>
+            <a:off x="890588" y="1494359"/>
+            <a:ext cx="10515600" cy="4351338"/>
+          </a:xfrm>
+        </p:spPr>
+        <p:txBody>
+          <a:bodyPr/>
+          <a:lstStyle/>
+          <a:p>
+            <a:r>
+              <a:rPr lang="en-US" sz="3200" dirty="0"/>
+              <a:t>Two pointers are helpful because it often offers a more efficient solution than the naive solution. </a:t>
+            </a:r>
+            <a:endParaRPr lang="en-US" sz="3200" dirty="0"/>
+          </a:p>
+          <a:p>
+            <a:r>
+              <a:rPr lang="en-US" sz="3200" dirty="0"/>
+              <a:t>If we use the naive solution and use two loops to iterate through the array, the time complexity is often O(n^2)</a:t>
+            </a:r>
+            <a:endParaRPr lang="en-US" sz="3200" dirty="0"/>
+          </a:p>
+          <a:p>
+            <a:r>
+              <a:rPr lang="en-US" sz="3200" dirty="0"/>
+              <a:t>If we use two pointers for this type of problem, we are often only passing through the array once with the two pointers, which means that the time complexity is often O(n)</a:t>
+            </a:r>
+            <a:endParaRPr lang="en-US" sz="3200" dirty="0"/>
+          </a:p>
+        </p:txBody>
+      </p:sp>
+    </p:spTree>
+  </p:cSld>
+  <p:clrMapOvr>
+    <a:masterClrMapping/>
+  </p:clrMapOvr>
+  <p:transition spd="slow">
+    <p:wipe/>
+  </p:transition>
+</p:sld>
+</file>
+
+<file path=ppt/slides/slide22.xml><?xml version="1.0" encoding="utf-8"?>
+<p:sld xmlns:a="http://schemas.openxmlformats.org/drawingml/2006/main" xmlns:r="http://schemas.openxmlformats.org/officeDocument/2006/relationships" xmlns:p="http://schemas.openxmlformats.org/presentationml/2006/main">
+  <p:cSld>
+    <p:spTree>
+      <p:nvGrpSpPr>
+        <p:cNvPr id="1" name=""/>
+        <p:cNvGrpSpPr/>
+        <p:nvPr/>
+      </p:nvGrpSpPr>
+      <p:grpSpPr>
+        <a:xfrm>
+          <a:off x="0" y="0"/>
+          <a:ext cx="0" cy="0"/>
+          <a:chOff x="0" y="0"/>
+          <a:chExt cx="0" cy="0"/>
+        </a:xfrm>
+      </p:grpSpPr>
+      <p:sp>
+        <p:nvSpPr>
+          <p:cNvPr id="15" name="任意多边形 14"/>
+          <p:cNvSpPr/>
+          <p:nvPr/>
+        </p:nvSpPr>
+        <p:spPr>
+          <a:xfrm>
+            <a:off x="0" y="274638"/>
+            <a:ext cx="890588" cy="639763"/>
+          </a:xfrm>
+          <a:custGeom>
+            <a:avLst/>
+            <a:gdLst>
+              <a:gd name="connsiteX0" fmla="*/ 0 w 1029743"/>
+              <a:gd name="connsiteY0" fmla="*/ 0 h 739718"/>
+              <a:gd name="connsiteX1" fmla="*/ 659884 w 1029743"/>
+              <a:gd name="connsiteY1" fmla="*/ 0 h 739718"/>
+              <a:gd name="connsiteX2" fmla="*/ 1029743 w 1029743"/>
+              <a:gd name="connsiteY2" fmla="*/ 369859 h 739718"/>
+              <a:gd name="connsiteX3" fmla="*/ 659884 w 1029743"/>
+              <a:gd name="connsiteY3" fmla="*/ 739718 h 739718"/>
+              <a:gd name="connsiteX4" fmla="*/ 0 w 1029743"/>
+              <a:gd name="connsiteY4" fmla="*/ 739718 h 739718"/>
+            </a:gdLst>
+            <a:ahLst/>
+            <a:cxnLst>
+              <a:cxn ang="0">
+                <a:pos x="connsiteX0" y="connsiteY0"/>
+              </a:cxn>
+              <a:cxn ang="0">
+                <a:pos x="connsiteX1" y="connsiteY1"/>
+              </a:cxn>
+              <a:cxn ang="0">
+                <a:pos x="connsiteX2" y="connsiteY2"/>
+              </a:cxn>
+              <a:cxn ang="0">
+                <a:pos x="connsiteX3" y="connsiteY3"/>
+              </a:cxn>
+              <a:cxn ang="0">
+                <a:pos x="connsiteX4" y="connsiteY4"/>
+              </a:cxn>
+            </a:cxnLst>
+            <a:rect l="l" t="t" r="r" b="b"/>
+            <a:pathLst>
+              <a:path w="1029743" h="739718">
+                <a:moveTo>
+                  <a:pt x="0" y="0"/>
+                </a:moveTo>
+                <a:lnTo>
+                  <a:pt x="659884" y="0"/>
+                </a:lnTo>
+                <a:cubicBezTo>
+                  <a:pt x="864151" y="0"/>
+                  <a:pt x="1029743" y="165592"/>
+                  <a:pt x="1029743" y="369859"/>
+                </a:cubicBezTo>
+                <a:cubicBezTo>
+                  <a:pt x="1029743" y="574126"/>
+                  <a:pt x="864151" y="739718"/>
+                  <a:pt x="659884" y="739718"/>
+                </a:cubicBezTo>
+                <a:lnTo>
+                  <a:pt x="0" y="739718"/>
+                </a:lnTo>
+                <a:close/>
+              </a:path>
+            </a:pathLst>
+          </a:custGeom>
+          <a:solidFill>
+            <a:srgbClr val="05B780"/>
+          </a:solidFill>
+          <a:ln>
+            <a:noFill/>
+          </a:ln>
+        </p:spPr>
+        <p:style>
+          <a:lnRef idx="2">
+            <a:schemeClr val="accent1">
+              <a:shade val="50000"/>
+            </a:schemeClr>
+          </a:lnRef>
+          <a:fillRef idx="1">
+            <a:schemeClr val="accent1"/>
+          </a:fillRef>
+          <a:effectRef idx="0">
+            <a:schemeClr val="accent1"/>
+          </a:effectRef>
+          <a:fontRef idx="minor">
+            <a:schemeClr val="lt1"/>
+          </a:fontRef>
+        </p:style>
+        <p:txBody>
+          <a:bodyPr anchor="ctr"/>
+          <a:lstStyle/>
+          <a:p>
+            <a:pPr marL="0" marR="0" lvl="0" indent="0" algn="ctr" defTabSz="914400" rtl="0" eaLnBrk="1" fontAlgn="auto" latinLnBrk="0" hangingPunct="1">
+              <a:lnSpc>
+                <a:spcPct val="100000"/>
+              </a:lnSpc>
+              <a:spcBef>
+                <a:spcPts val="0"/>
+              </a:spcBef>
+              <a:spcAft>
+                <a:spcPts val="0"/>
+              </a:spcAft>
+              <a:buClrTx/>
+              <a:buSzTx/>
+              <a:buFontTx/>
+              <a:buNone/>
+              <a:defRPr/>
+            </a:pPr>
+            <a:endParaRPr kumimoji="0" lang="zh-CN" altLang="en-US" sz="1800" b="0" i="0" u="none" strike="noStrike" kern="1200" cap="none" spc="0" normalizeH="0" baseline="0" noProof="0">
+              <a:ln>
+                <a:noFill/>
+              </a:ln>
+              <a:solidFill>
+                <a:schemeClr val="bg1"/>
+              </a:solidFill>
+              <a:effectLst/>
+              <a:uLnTx/>
+              <a:uFillTx/>
+              <a:latin typeface="+mn-lt"/>
+              <a:ea typeface="+mn-ea"/>
+              <a:cs typeface="+mn-cs"/>
+            </a:endParaRPr>
+          </a:p>
+        </p:txBody>
+      </p:sp>
+      <p:sp>
+        <p:nvSpPr>
+          <p:cNvPr id="7170" name="文本框 156"/>
+          <p:cNvSpPr txBox="1"/>
+          <p:nvPr/>
+        </p:nvSpPr>
+        <p:spPr>
+          <a:xfrm>
+            <a:off x="0" y="350838"/>
+            <a:ext cx="814388" cy="521970"/>
+          </a:xfrm>
+          <a:prstGeom prst="rect">
+            <a:avLst/>
+          </a:prstGeom>
+          <a:noFill/>
+          <a:ln w="9525">
+            <a:noFill/>
+          </a:ln>
+        </p:spPr>
+        <p:txBody>
+          <a:bodyPr anchor="t" anchorCtr="0">
+            <a:spAutoFit/>
+          </a:bodyPr>
+          <a:lstStyle/>
+          <a:p>
+            <a:pPr>
+              <a:buFont typeface="Arial" panose="020B0604020202020204" pitchFamily="34" charset="0"/>
+            </a:pPr>
+            <a:r>
+              <a:rPr lang="en-US" altLang="zh-CN" sz="2800" b="1" dirty="0">
+                <a:solidFill>
+                  <a:schemeClr val="bg1"/>
+                </a:solidFill>
+                <a:latin typeface="Microsoft YaHei" panose="020B0503020204020204" pitchFamily="34" charset="-122"/>
+                <a:ea typeface="Microsoft YaHei" panose="020B0503020204020204" pitchFamily="34" charset="-122"/>
+              </a:rPr>
+              <a:t>5.1</a:t>
+            </a:r>
+            <a:endParaRPr lang="en-US" altLang="zh-CN" sz="2800" b="1" dirty="0">
+              <a:solidFill>
+                <a:schemeClr val="bg1"/>
+              </a:solidFill>
+              <a:latin typeface="Microsoft YaHei" panose="020B0503020204020204" pitchFamily="34" charset="-122"/>
+              <a:ea typeface="Microsoft YaHei" panose="020B0503020204020204" pitchFamily="34" charset="-122"/>
+            </a:endParaRPr>
+          </a:p>
+        </p:txBody>
+      </p:sp>
+      <p:sp>
+        <p:nvSpPr>
+          <p:cNvPr id="16" name="Rectangle 6"/>
+          <p:cNvSpPr>
+            <a:spLocks noChangeArrowheads="1"/>
+          </p:cNvSpPr>
+          <p:nvPr/>
+        </p:nvSpPr>
+        <p:spPr bwMode="black">
+          <a:xfrm>
+            <a:off x="1021080" y="334010"/>
+            <a:ext cx="8777605" cy="521970"/>
+          </a:xfrm>
+          <a:prstGeom prst="rect">
+            <a:avLst/>
+          </a:prstGeom>
+          <a:noFill/>
+          <a:ln>
+            <a:noFill/>
+          </a:ln>
+          <a:effectLst/>
+          <a:extLst>
+            <a:ext uri="{909E8E84-426E-40DD-AFC4-6F175D3DCCD1}">
+              <a14:hiddenFill xmlns:a14="http://schemas.microsoft.com/office/drawing/2010/main">
+                <a:solidFill>
+                  <a:schemeClr val="accent1"/>
+                </a:solidFill>
+              </a14:hiddenFill>
+            </a:ext>
+            <a:ext uri="{91240B29-F687-4F45-9708-019B960494DF}">
+              <a14:hiddenLine xmlns:a14="http://schemas.microsoft.com/office/drawing/2010/main" w="9525">
+                <a:solidFill>
+                  <a:schemeClr val="tx1"/>
+                </a:solidFill>
+                <a:miter lim="800000"/>
+                <a:headEnd/>
+                <a:tailEnd/>
+              </a14:hiddenLine>
+            </a:ext>
+            <a:ext uri="{AF507438-7753-43E0-B8FC-AC1667EBCBE1}">
+              <a14:hiddenEffects xmlns:a14="http://schemas.microsoft.com/office/drawing/2010/main">
+                <a:effectLst>
+                  <a:outerShdw dist="35921" dir="2700000" algn="ctr" rotWithShape="0">
+                    <a:schemeClr val="bg2"/>
+                  </a:outerShdw>
+                </a:effectLst>
+              </a14:hiddenEffects>
+            </a:ext>
+          </a:extLst>
+        </p:spPr>
+        <p:txBody>
+          <a:bodyPr wrap="square">
+            <a:spAutoFit/>
+          </a:bodyPr>
+          <a:lstStyle/>
+          <a:p>
+            <a:pPr eaLnBrk="0" fontAlgn="auto" hangingPunct="0">
+              <a:spcBef>
+                <a:spcPts val="0"/>
+              </a:spcBef>
+              <a:spcAft>
+                <a:spcPts val="0"/>
+              </a:spcAft>
+              <a:defRPr/>
+            </a:pPr>
+            <a:r>
+              <a:rPr kumimoji="0" lang="en-US" altLang="zh-CN" sz="2800" b="1" i="0" u="none" strike="noStrike" kern="1200" cap="none" spc="0" normalizeH="0" baseline="0" noProof="0" dirty="0">
+                <a:ln>
+                  <a:noFill/>
+                </a:ln>
+                <a:solidFill>
+                  <a:schemeClr val="tx1">
+                    <a:lumMod val="85000"/>
+                    <a:lumOff val="15000"/>
+                  </a:schemeClr>
+                </a:solidFill>
+                <a:effectLst/>
+                <a:uLnTx/>
+                <a:uFillTx/>
+                <a:latin typeface="Microsoft YaHei" panose="020B0503020204020204" pitchFamily="34" charset="-122"/>
+                <a:ea typeface="Microsoft YaHei" panose="020B0503020204020204" pitchFamily="34" charset="-122"/>
+                <a:cs typeface="+mn-cs"/>
+                <a:sym typeface="+mn-ea"/>
+              </a:rPr>
+              <a:t>Code Demo Examples</a:t>
+            </a:r>
+            <a:endParaRPr kumimoji="0" lang="en-US" altLang="zh-CN" sz="2800" b="1" i="0" u="none" strike="noStrike" kern="1200" cap="none" spc="0" normalizeH="0" baseline="0" noProof="0" dirty="0">
+              <a:ln>
+                <a:noFill/>
+              </a:ln>
+              <a:solidFill>
+                <a:schemeClr val="tx1">
+                  <a:lumMod val="85000"/>
+                  <a:lumOff val="15000"/>
+                </a:schemeClr>
+              </a:solidFill>
+              <a:effectLst/>
+              <a:uLnTx/>
+              <a:uFillTx/>
+              <a:latin typeface="Microsoft YaHei" panose="020B0503020204020204" pitchFamily="34" charset="-122"/>
+              <a:ea typeface="Microsoft YaHei" panose="020B0503020204020204" pitchFamily="34" charset="-122"/>
+              <a:cs typeface="+mn-cs"/>
+              <a:sym typeface="+mn-ea"/>
+            </a:endParaRPr>
+          </a:p>
+        </p:txBody>
+      </p:sp>
+      <p:sp>
+        <p:nvSpPr>
+          <p:cNvPr id="3" name="Content Placeholder 2"/>
+          <p:cNvSpPr>
+            <a:spLocks noGrp="1"/>
+          </p:cNvSpPr>
+          <p:nvPr>
+            <p:ph idx="1"/>
+          </p:nvPr>
+        </p:nvSpPr>
+        <p:spPr>
+          <a:xfrm>
+            <a:off x="890588" y="1494359"/>
+            <a:ext cx="10515600" cy="4351338"/>
+          </a:xfrm>
+        </p:spPr>
+        <p:txBody>
+          <a:bodyPr/>
+          <a:lstStyle/>
+          <a:p>
+            <a:r>
+              <a:rPr lang="en-US" sz="3200" dirty="0"/>
+              <a:t>Remove Duplicates in array</a:t>
+            </a:r>
+            <a:endParaRPr lang="en-US" sz="3200" dirty="0"/>
+          </a:p>
+          <a:p>
+            <a:r>
+              <a:rPr lang="en-US" sz="3200" dirty="0"/>
+              <a:t>Two Sum with Sorted Array</a:t>
+            </a:r>
+            <a:endParaRPr lang="en-US" sz="3200" dirty="0"/>
+          </a:p>
+          <a:p>
+            <a:r>
+              <a:rPr lang="en-US" sz="3200" dirty="0"/>
+              <a:t>Longest Substring without Repeating Characters</a:t>
+            </a:r>
+            <a:endParaRPr lang="en-US" sz="3200" dirty="0"/>
+          </a:p>
+          <a:p>
+            <a:endParaRPr lang="en-US" sz="3200" dirty="0"/>
+          </a:p>
+        </p:txBody>
+      </p:sp>
+    </p:spTree>
+  </p:cSld>
+  <p:clrMapOvr>
+    <a:masterClrMapping/>
+  </p:clrMapOvr>
+  <p:transition spd="slow">
+    <p:wipe/>
+  </p:transition>
+</p:sld>
+</file>
+
+<file path=ppt/slides/slide23.xml><?xml version="1.0" encoding="utf-8"?>
 <p:sld xmlns:a="http://schemas.openxmlformats.org/drawingml/2006/main" xmlns:r="http://schemas.openxmlformats.org/officeDocument/2006/relationships" xmlns:p="http://schemas.openxmlformats.org/presentationml/2006/main">
   <p:cSld>
     <p:spTree>
@@ -6974,7 +11509,7 @@
 </p:sld>
 </file>
 
-<file path=ppt/slides/slide15.xml><?xml version="1.0" encoding="utf-8"?>
+<file path=ppt/slides/slide24.xml><?xml version="1.0" encoding="utf-8"?>
 <p:sld xmlns:a="http://schemas.openxmlformats.org/drawingml/2006/main" xmlns:r="http://schemas.openxmlformats.org/officeDocument/2006/relationships" xmlns:p="http://schemas.openxmlformats.org/presentationml/2006/main">
   <p:cSld>
     <p:spTree>
@@ -7157,6 +11692,725 @@
                 <a:ea typeface="Microsoft YaHei" panose="020B0503020204020204" pitchFamily="34" charset="-122"/>
               </a:rPr>
               <a:t>5.1</a:t>
+            </a:r>
+            <a:endParaRPr lang="en-US" altLang="zh-CN" sz="2800" b="1" dirty="0">
+              <a:solidFill>
+                <a:schemeClr val="bg1"/>
+              </a:solidFill>
+              <a:latin typeface="Microsoft YaHei" panose="020B0503020204020204" pitchFamily="34" charset="-122"/>
+              <a:ea typeface="Microsoft YaHei" panose="020B0503020204020204" pitchFamily="34" charset="-122"/>
+            </a:endParaRPr>
+          </a:p>
+        </p:txBody>
+      </p:sp>
+      <p:sp>
+        <p:nvSpPr>
+          <p:cNvPr id="16" name="Rectangle 6"/>
+          <p:cNvSpPr>
+            <a:spLocks noChangeArrowheads="1"/>
+          </p:cNvSpPr>
+          <p:nvPr/>
+        </p:nvSpPr>
+        <p:spPr bwMode="black">
+          <a:xfrm>
+            <a:off x="1021080" y="334010"/>
+            <a:ext cx="8777605" cy="645160"/>
+          </a:xfrm>
+          <a:prstGeom prst="rect">
+            <a:avLst/>
+          </a:prstGeom>
+          <a:noFill/>
+          <a:ln>
+            <a:noFill/>
+          </a:ln>
+          <a:effectLst/>
+          <a:extLst>
+            <a:ext uri="{909E8E84-426E-40DD-AFC4-6F175D3DCCD1}">
+              <a14:hiddenFill xmlns:a14="http://schemas.microsoft.com/office/drawing/2010/main">
+                <a:solidFill>
+                  <a:schemeClr val="accent1"/>
+                </a:solidFill>
+              </a14:hiddenFill>
+            </a:ext>
+            <a:ext uri="{91240B29-F687-4F45-9708-019B960494DF}">
+              <a14:hiddenLine xmlns:a14="http://schemas.microsoft.com/office/drawing/2010/main" w="9525">
+                <a:solidFill>
+                  <a:schemeClr val="tx1"/>
+                </a:solidFill>
+                <a:miter lim="800000"/>
+                <a:headEnd/>
+                <a:tailEnd/>
+              </a14:hiddenLine>
+            </a:ext>
+            <a:ext uri="{AF507438-7753-43E0-B8FC-AC1667EBCBE1}">
+              <a14:hiddenEffects xmlns:a14="http://schemas.microsoft.com/office/drawing/2010/main">
+                <a:effectLst>
+                  <a:outerShdw dist="35921" dir="2700000" algn="ctr" rotWithShape="0">
+                    <a:schemeClr val="bg2"/>
+                  </a:outerShdw>
+                </a:effectLst>
+              </a14:hiddenEffects>
+            </a:ext>
+          </a:extLst>
+        </p:spPr>
+        <p:txBody>
+          <a:bodyPr wrap="square">
+            <a:spAutoFit/>
+          </a:bodyPr>
+          <a:lstStyle/>
+          <a:p>
+            <a:pPr eaLnBrk="0" fontAlgn="auto" hangingPunct="0">
+              <a:spcBef>
+                <a:spcPts val="0"/>
+              </a:spcBef>
+              <a:spcAft>
+                <a:spcPts val="0"/>
+              </a:spcAft>
+              <a:defRPr/>
+            </a:pPr>
+            <a:r>
+              <a:rPr lang="en-US" sz="3600" dirty="0">
+                <a:sym typeface="+mn-ea"/>
+              </a:rPr>
+              <a:t>Best Time to Buy and Sell Stock</a:t>
+            </a:r>
+            <a:endParaRPr kumimoji="0" lang="en-US" altLang="zh-CN" sz="3600" b="1" i="0" u="none" strike="noStrike" kern="1200" cap="none" spc="0" normalizeH="0" baseline="0" noProof="0" dirty="0">
+              <a:ln>
+                <a:noFill/>
+              </a:ln>
+              <a:solidFill>
+                <a:schemeClr val="tx1">
+                  <a:lumMod val="85000"/>
+                  <a:lumOff val="15000"/>
+                </a:schemeClr>
+              </a:solidFill>
+              <a:effectLst/>
+              <a:uLnTx/>
+              <a:uFillTx/>
+              <a:latin typeface="Microsoft YaHei" panose="020B0503020204020204" pitchFamily="34" charset="-122"/>
+              <a:ea typeface="Microsoft YaHei" panose="020B0503020204020204" pitchFamily="34" charset="-122"/>
+              <a:cs typeface="+mn-cs"/>
+              <a:sym typeface="+mn-ea"/>
+            </a:endParaRPr>
+          </a:p>
+        </p:txBody>
+      </p:sp>
+      <p:sp>
+        <p:nvSpPr>
+          <p:cNvPr id="3" name="Content Placeholder 2"/>
+          <p:cNvSpPr>
+            <a:spLocks noGrp="1"/>
+          </p:cNvSpPr>
+          <p:nvPr>
+            <p:ph idx="1"/>
+          </p:nvPr>
+        </p:nvSpPr>
+        <p:spPr>
+          <a:xfrm>
+            <a:off x="890588" y="1494359"/>
+            <a:ext cx="10515600" cy="4351338"/>
+          </a:xfrm>
+        </p:spPr>
+        <p:txBody>
+          <a:bodyPr/>
+          <a:lstStyle/>
+          <a:p>
+            <a:r>
+              <a:rPr lang="en-US" dirty="0"/>
+              <a:t>You are given an array prices where prices[i] is the price of a given stock on the ith day.</a:t>
+            </a:r>
+            <a:endParaRPr lang="en-US" dirty="0"/>
+          </a:p>
+          <a:p>
+            <a:pPr lvl="1"/>
+            <a:r>
+              <a:rPr lang="en-US" dirty="0"/>
+              <a:t>You want to maximize your profit by choosing a single day to buy one stock and choosing a different day in the future to sell that stock.</a:t>
+            </a:r>
+            <a:endParaRPr lang="en-US" sz="2800" dirty="0"/>
+          </a:p>
+          <a:p>
+            <a:r>
+              <a:rPr lang="en-US" dirty="0"/>
+              <a:t>Return the maximum profit you can achieve from this transaction. If you cannot achieve any profit, return 0.</a:t>
+            </a:r>
+            <a:endParaRPr lang="en-US" dirty="0"/>
+          </a:p>
+          <a:p>
+            <a:r>
+              <a:rPr lang="en-US" sz="2400" dirty="0"/>
+              <a:t>Input: prices = [7,1,5,3,6,4]</a:t>
+            </a:r>
+            <a:endParaRPr lang="en-US" sz="2400" dirty="0"/>
+          </a:p>
+          <a:p>
+            <a:r>
+              <a:rPr lang="en-US" sz="2400" dirty="0"/>
+              <a:t>Output: 5</a:t>
+            </a:r>
+            <a:endParaRPr lang="en-US" sz="2400" dirty="0"/>
+          </a:p>
+          <a:p>
+            <a:r>
+              <a:rPr lang="en-US" sz="2400" dirty="0"/>
+              <a:t>Explanation: Buy on day 2 (price = 1) and sell on day 5 (price = 6), profit = 6-1 = 5.</a:t>
+            </a:r>
+            <a:endParaRPr lang="en-US" sz="2400" dirty="0"/>
+          </a:p>
+          <a:p>
+            <a:endParaRPr lang="en-US" sz="2400" dirty="0"/>
+          </a:p>
+        </p:txBody>
+      </p:sp>
+    </p:spTree>
+  </p:cSld>
+  <p:clrMapOvr>
+    <a:masterClrMapping/>
+  </p:clrMapOvr>
+  <p:transition spd="slow">
+    <p:wipe/>
+  </p:transition>
+</p:sld>
+</file>
+
+<file path=ppt/slides/slide25.xml><?xml version="1.0" encoding="utf-8"?>
+<p:sld xmlns:a="http://schemas.openxmlformats.org/drawingml/2006/main" xmlns:r="http://schemas.openxmlformats.org/officeDocument/2006/relationships" xmlns:p="http://schemas.openxmlformats.org/presentationml/2006/main">
+  <p:cSld>
+    <p:spTree>
+      <p:nvGrpSpPr>
+        <p:cNvPr id="1" name=""/>
+        <p:cNvGrpSpPr/>
+        <p:nvPr/>
+      </p:nvGrpSpPr>
+      <p:grpSpPr>
+        <a:xfrm>
+          <a:off x="0" y="0"/>
+          <a:ext cx="0" cy="0"/>
+          <a:chOff x="0" y="0"/>
+          <a:chExt cx="0" cy="0"/>
+        </a:xfrm>
+      </p:grpSpPr>
+      <p:sp>
+        <p:nvSpPr>
+          <p:cNvPr id="15" name="任意多边形 14"/>
+          <p:cNvSpPr/>
+          <p:nvPr/>
+        </p:nvSpPr>
+        <p:spPr>
+          <a:xfrm>
+            <a:off x="0" y="274638"/>
+            <a:ext cx="890588" cy="639763"/>
+          </a:xfrm>
+          <a:custGeom>
+            <a:avLst/>
+            <a:gdLst>
+              <a:gd name="connsiteX0" fmla="*/ 0 w 1029743"/>
+              <a:gd name="connsiteY0" fmla="*/ 0 h 739718"/>
+              <a:gd name="connsiteX1" fmla="*/ 659884 w 1029743"/>
+              <a:gd name="connsiteY1" fmla="*/ 0 h 739718"/>
+              <a:gd name="connsiteX2" fmla="*/ 1029743 w 1029743"/>
+              <a:gd name="connsiteY2" fmla="*/ 369859 h 739718"/>
+              <a:gd name="connsiteX3" fmla="*/ 659884 w 1029743"/>
+              <a:gd name="connsiteY3" fmla="*/ 739718 h 739718"/>
+              <a:gd name="connsiteX4" fmla="*/ 0 w 1029743"/>
+              <a:gd name="connsiteY4" fmla="*/ 739718 h 739718"/>
+            </a:gdLst>
+            <a:ahLst/>
+            <a:cxnLst>
+              <a:cxn ang="0">
+                <a:pos x="connsiteX0" y="connsiteY0"/>
+              </a:cxn>
+              <a:cxn ang="0">
+                <a:pos x="connsiteX1" y="connsiteY1"/>
+              </a:cxn>
+              <a:cxn ang="0">
+                <a:pos x="connsiteX2" y="connsiteY2"/>
+              </a:cxn>
+              <a:cxn ang="0">
+                <a:pos x="connsiteX3" y="connsiteY3"/>
+              </a:cxn>
+              <a:cxn ang="0">
+                <a:pos x="connsiteX4" y="connsiteY4"/>
+              </a:cxn>
+            </a:cxnLst>
+            <a:rect l="l" t="t" r="r" b="b"/>
+            <a:pathLst>
+              <a:path w="1029743" h="739718">
+                <a:moveTo>
+                  <a:pt x="0" y="0"/>
+                </a:moveTo>
+                <a:lnTo>
+                  <a:pt x="659884" y="0"/>
+                </a:lnTo>
+                <a:cubicBezTo>
+                  <a:pt x="864151" y="0"/>
+                  <a:pt x="1029743" y="165592"/>
+                  <a:pt x="1029743" y="369859"/>
+                </a:cubicBezTo>
+                <a:cubicBezTo>
+                  <a:pt x="1029743" y="574126"/>
+                  <a:pt x="864151" y="739718"/>
+                  <a:pt x="659884" y="739718"/>
+                </a:cubicBezTo>
+                <a:lnTo>
+                  <a:pt x="0" y="739718"/>
+                </a:lnTo>
+                <a:close/>
+              </a:path>
+            </a:pathLst>
+          </a:custGeom>
+          <a:solidFill>
+            <a:srgbClr val="05B780"/>
+          </a:solidFill>
+          <a:ln>
+            <a:noFill/>
+          </a:ln>
+        </p:spPr>
+        <p:style>
+          <a:lnRef idx="2">
+            <a:schemeClr val="accent1">
+              <a:shade val="50000"/>
+            </a:schemeClr>
+          </a:lnRef>
+          <a:fillRef idx="1">
+            <a:schemeClr val="accent1"/>
+          </a:fillRef>
+          <a:effectRef idx="0">
+            <a:schemeClr val="accent1"/>
+          </a:effectRef>
+          <a:fontRef idx="minor">
+            <a:schemeClr val="lt1"/>
+          </a:fontRef>
+        </p:style>
+        <p:txBody>
+          <a:bodyPr anchor="ctr"/>
+          <a:lstStyle/>
+          <a:p>
+            <a:pPr marL="0" marR="0" lvl="0" indent="0" algn="ctr" defTabSz="914400" rtl="0" eaLnBrk="1" fontAlgn="auto" latinLnBrk="0" hangingPunct="1">
+              <a:lnSpc>
+                <a:spcPct val="100000"/>
+              </a:lnSpc>
+              <a:spcBef>
+                <a:spcPts val="0"/>
+              </a:spcBef>
+              <a:spcAft>
+                <a:spcPts val="0"/>
+              </a:spcAft>
+              <a:buClrTx/>
+              <a:buSzTx/>
+              <a:buFontTx/>
+              <a:buNone/>
+              <a:defRPr/>
+            </a:pPr>
+            <a:endParaRPr kumimoji="0" lang="zh-CN" altLang="en-US" sz="1800" b="0" i="0" u="none" strike="noStrike" kern="1200" cap="none" spc="0" normalizeH="0" baseline="0" noProof="0">
+              <a:ln>
+                <a:noFill/>
+              </a:ln>
+              <a:solidFill>
+                <a:schemeClr val="bg1"/>
+              </a:solidFill>
+              <a:effectLst/>
+              <a:uLnTx/>
+              <a:uFillTx/>
+              <a:latin typeface="+mn-lt"/>
+              <a:ea typeface="+mn-ea"/>
+              <a:cs typeface="+mn-cs"/>
+            </a:endParaRPr>
+          </a:p>
+        </p:txBody>
+      </p:sp>
+      <p:sp>
+        <p:nvSpPr>
+          <p:cNvPr id="7170" name="文本框 156"/>
+          <p:cNvSpPr txBox="1"/>
+          <p:nvPr/>
+        </p:nvSpPr>
+        <p:spPr>
+          <a:xfrm>
+            <a:off x="0" y="350838"/>
+            <a:ext cx="814388" cy="521970"/>
+          </a:xfrm>
+          <a:prstGeom prst="rect">
+            <a:avLst/>
+          </a:prstGeom>
+          <a:noFill/>
+          <a:ln w="9525">
+            <a:noFill/>
+          </a:ln>
+        </p:spPr>
+        <p:txBody>
+          <a:bodyPr anchor="t" anchorCtr="0">
+            <a:spAutoFit/>
+          </a:bodyPr>
+          <a:lstStyle/>
+          <a:p>
+            <a:pPr>
+              <a:buFont typeface="Arial" panose="020B0604020202020204" pitchFamily="34" charset="0"/>
+            </a:pPr>
+            <a:r>
+              <a:rPr lang="en-US" altLang="zh-CN" sz="2800" b="1" dirty="0">
+                <a:solidFill>
+                  <a:schemeClr val="bg1"/>
+                </a:solidFill>
+                <a:latin typeface="Microsoft YaHei" panose="020B0503020204020204" pitchFamily="34" charset="-122"/>
+                <a:ea typeface="Microsoft YaHei" panose="020B0503020204020204" pitchFamily="34" charset="-122"/>
+              </a:rPr>
+              <a:t>5.1</a:t>
+            </a:r>
+            <a:endParaRPr lang="en-US" altLang="zh-CN" sz="2800" b="1" dirty="0">
+              <a:solidFill>
+                <a:schemeClr val="bg1"/>
+              </a:solidFill>
+              <a:latin typeface="Microsoft YaHei" panose="020B0503020204020204" pitchFamily="34" charset="-122"/>
+              <a:ea typeface="Microsoft YaHei" panose="020B0503020204020204" pitchFamily="34" charset="-122"/>
+            </a:endParaRPr>
+          </a:p>
+        </p:txBody>
+      </p:sp>
+      <p:sp>
+        <p:nvSpPr>
+          <p:cNvPr id="16" name="Rectangle 6"/>
+          <p:cNvSpPr>
+            <a:spLocks noChangeArrowheads="1"/>
+          </p:cNvSpPr>
+          <p:nvPr/>
+        </p:nvSpPr>
+        <p:spPr bwMode="black">
+          <a:xfrm>
+            <a:off x="1021080" y="334010"/>
+            <a:ext cx="8777605" cy="645160"/>
+          </a:xfrm>
+          <a:prstGeom prst="rect">
+            <a:avLst/>
+          </a:prstGeom>
+          <a:noFill/>
+          <a:ln>
+            <a:noFill/>
+          </a:ln>
+          <a:effectLst/>
+          <a:extLst>
+            <a:ext uri="{909E8E84-426E-40DD-AFC4-6F175D3DCCD1}">
+              <a14:hiddenFill xmlns:a14="http://schemas.microsoft.com/office/drawing/2010/main">
+                <a:solidFill>
+                  <a:schemeClr val="accent1"/>
+                </a:solidFill>
+              </a14:hiddenFill>
+            </a:ext>
+            <a:ext uri="{91240B29-F687-4F45-9708-019B960494DF}">
+              <a14:hiddenLine xmlns:a14="http://schemas.microsoft.com/office/drawing/2010/main" w="9525">
+                <a:solidFill>
+                  <a:schemeClr val="tx1"/>
+                </a:solidFill>
+                <a:miter lim="800000"/>
+                <a:headEnd/>
+                <a:tailEnd/>
+              </a14:hiddenLine>
+            </a:ext>
+            <a:ext uri="{AF507438-7753-43E0-B8FC-AC1667EBCBE1}">
+              <a14:hiddenEffects xmlns:a14="http://schemas.microsoft.com/office/drawing/2010/main">
+                <a:effectLst>
+                  <a:outerShdw dist="35921" dir="2700000" algn="ctr" rotWithShape="0">
+                    <a:schemeClr val="bg2"/>
+                  </a:outerShdw>
+                </a:effectLst>
+              </a14:hiddenEffects>
+            </a:ext>
+          </a:extLst>
+        </p:spPr>
+        <p:txBody>
+          <a:bodyPr wrap="square">
+            <a:spAutoFit/>
+          </a:bodyPr>
+          <a:lstStyle/>
+          <a:p>
+            <a:pPr eaLnBrk="0" fontAlgn="auto" hangingPunct="0">
+              <a:spcBef>
+                <a:spcPts val="0"/>
+              </a:spcBef>
+              <a:spcAft>
+                <a:spcPts val="0"/>
+              </a:spcAft>
+              <a:defRPr/>
+            </a:pPr>
+            <a:r>
+              <a:rPr lang="en-US" sz="3600" dirty="0">
+                <a:sym typeface="+mn-ea"/>
+              </a:rPr>
+              <a:t>Prefix Sum: Subarray Sum Problem</a:t>
+            </a:r>
+            <a:endParaRPr kumimoji="0" lang="en-US" altLang="zh-CN" sz="3600" b="1" i="0" u="none" strike="noStrike" kern="1200" cap="none" spc="0" normalizeH="0" baseline="0" noProof="0" dirty="0">
+              <a:ln>
+                <a:noFill/>
+              </a:ln>
+              <a:solidFill>
+                <a:schemeClr val="tx1">
+                  <a:lumMod val="85000"/>
+                  <a:lumOff val="15000"/>
+                </a:schemeClr>
+              </a:solidFill>
+              <a:effectLst/>
+              <a:uLnTx/>
+              <a:uFillTx/>
+              <a:latin typeface="Microsoft YaHei" panose="020B0503020204020204" pitchFamily="34" charset="-122"/>
+              <a:ea typeface="Microsoft YaHei" panose="020B0503020204020204" pitchFamily="34" charset="-122"/>
+              <a:cs typeface="+mn-cs"/>
+              <a:sym typeface="+mn-ea"/>
+            </a:endParaRPr>
+          </a:p>
+        </p:txBody>
+      </p:sp>
+      <p:sp>
+        <p:nvSpPr>
+          <p:cNvPr id="3" name="Content Placeholder 2"/>
+          <p:cNvSpPr>
+            <a:spLocks noGrp="1"/>
+          </p:cNvSpPr>
+          <p:nvPr>
+            <p:ph idx="1"/>
+          </p:nvPr>
+        </p:nvSpPr>
+        <p:spPr>
+          <a:xfrm>
+            <a:off x="890588" y="1494359"/>
+            <a:ext cx="10515600" cy="4351338"/>
+          </a:xfrm>
+        </p:spPr>
+        <p:txBody>
+          <a:bodyPr/>
+          <a:lstStyle/>
+          <a:p>
+            <a:r>
+              <a:rPr lang="en-US" dirty="0"/>
+              <a:t>Given an array of integers and an integer target, find a subarray that sums to target and return the start and end indices of the subarray.</a:t>
+            </a:r>
+            <a:endParaRPr lang="en-US" dirty="0"/>
+          </a:p>
+          <a:p>
+            <a:endParaRPr lang="en-US" dirty="0"/>
+          </a:p>
+          <a:p>
+            <a:r>
+              <a:rPr lang="en-US" dirty="0"/>
+              <a:t>Input: arr: [1, -20, -3, 30, 5, 4], target: 7</a:t>
+            </a:r>
+            <a:endParaRPr lang="en-US" dirty="0"/>
+          </a:p>
+          <a:p>
+            <a:endParaRPr lang="en-US" dirty="0"/>
+          </a:p>
+          <a:p>
+            <a:r>
+              <a:rPr lang="en-US" dirty="0"/>
+              <a:t>Output: [1, 4]</a:t>
+            </a:r>
+            <a:endParaRPr lang="en-US" dirty="0"/>
+          </a:p>
+          <a:p>
+            <a:endParaRPr lang="en-US" dirty="0"/>
+          </a:p>
+          <a:p>
+            <a:r>
+              <a:rPr lang="en-US" dirty="0"/>
+              <a:t>Explanation: -20 - 3 + 30 = 7. The indices for subarray [-20,-3,30] is 1 and 4 (right exclusive).</a:t>
+            </a:r>
+            <a:endParaRPr lang="en-US" dirty="0"/>
+          </a:p>
+        </p:txBody>
+      </p:sp>
+    </p:spTree>
+  </p:cSld>
+  <p:clrMapOvr>
+    <a:masterClrMapping/>
+  </p:clrMapOvr>
+  <p:transition spd="slow">
+    <p:wipe/>
+  </p:transition>
+</p:sld>
+</file>
+
+<file path=ppt/slides/slide26.xml><?xml version="1.0" encoding="utf-8"?>
+<p:sld xmlns:a="http://schemas.openxmlformats.org/drawingml/2006/main" xmlns:r="http://schemas.openxmlformats.org/officeDocument/2006/relationships" xmlns:p="http://schemas.openxmlformats.org/presentationml/2006/main">
+  <p:cSld>
+    <p:spTree>
+      <p:nvGrpSpPr>
+        <p:cNvPr id="1" name=""/>
+        <p:cNvGrpSpPr/>
+        <p:nvPr/>
+      </p:nvGrpSpPr>
+      <p:grpSpPr>
+        <a:xfrm>
+          <a:off x="0" y="0"/>
+          <a:ext cx="0" cy="0"/>
+          <a:chOff x="0" y="0"/>
+          <a:chExt cx="0" cy="0"/>
+        </a:xfrm>
+      </p:grpSpPr>
+      <p:sp>
+        <p:nvSpPr>
+          <p:cNvPr id="15" name="任意多边形 14"/>
+          <p:cNvSpPr/>
+          <p:nvPr/>
+        </p:nvSpPr>
+        <p:spPr>
+          <a:xfrm>
+            <a:off x="0" y="274638"/>
+            <a:ext cx="890588" cy="639763"/>
+          </a:xfrm>
+          <a:custGeom>
+            <a:avLst/>
+            <a:gdLst>
+              <a:gd name="connsiteX0" fmla="*/ 0 w 1029743"/>
+              <a:gd name="connsiteY0" fmla="*/ 0 h 739718"/>
+              <a:gd name="connsiteX1" fmla="*/ 659884 w 1029743"/>
+              <a:gd name="connsiteY1" fmla="*/ 0 h 739718"/>
+              <a:gd name="connsiteX2" fmla="*/ 1029743 w 1029743"/>
+              <a:gd name="connsiteY2" fmla="*/ 369859 h 739718"/>
+              <a:gd name="connsiteX3" fmla="*/ 659884 w 1029743"/>
+              <a:gd name="connsiteY3" fmla="*/ 739718 h 739718"/>
+              <a:gd name="connsiteX4" fmla="*/ 0 w 1029743"/>
+              <a:gd name="connsiteY4" fmla="*/ 739718 h 739718"/>
+            </a:gdLst>
+            <a:ahLst/>
+            <a:cxnLst>
+              <a:cxn ang="0">
+                <a:pos x="connsiteX0" y="connsiteY0"/>
+              </a:cxn>
+              <a:cxn ang="0">
+                <a:pos x="connsiteX1" y="connsiteY1"/>
+              </a:cxn>
+              <a:cxn ang="0">
+                <a:pos x="connsiteX2" y="connsiteY2"/>
+              </a:cxn>
+              <a:cxn ang="0">
+                <a:pos x="connsiteX3" y="connsiteY3"/>
+              </a:cxn>
+              <a:cxn ang="0">
+                <a:pos x="connsiteX4" y="connsiteY4"/>
+              </a:cxn>
+            </a:cxnLst>
+            <a:rect l="l" t="t" r="r" b="b"/>
+            <a:pathLst>
+              <a:path w="1029743" h="739718">
+                <a:moveTo>
+                  <a:pt x="0" y="0"/>
+                </a:moveTo>
+                <a:lnTo>
+                  <a:pt x="659884" y="0"/>
+                </a:lnTo>
+                <a:cubicBezTo>
+                  <a:pt x="864151" y="0"/>
+                  <a:pt x="1029743" y="165592"/>
+                  <a:pt x="1029743" y="369859"/>
+                </a:cubicBezTo>
+                <a:cubicBezTo>
+                  <a:pt x="1029743" y="574126"/>
+                  <a:pt x="864151" y="739718"/>
+                  <a:pt x="659884" y="739718"/>
+                </a:cubicBezTo>
+                <a:lnTo>
+                  <a:pt x="0" y="739718"/>
+                </a:lnTo>
+                <a:close/>
+              </a:path>
+            </a:pathLst>
+          </a:custGeom>
+          <a:solidFill>
+            <a:srgbClr val="05B780"/>
+          </a:solidFill>
+          <a:ln>
+            <a:noFill/>
+          </a:ln>
+        </p:spPr>
+        <p:style>
+          <a:lnRef idx="2">
+            <a:schemeClr val="accent1">
+              <a:shade val="50000"/>
+            </a:schemeClr>
+          </a:lnRef>
+          <a:fillRef idx="1">
+            <a:schemeClr val="accent1"/>
+          </a:fillRef>
+          <a:effectRef idx="0">
+            <a:schemeClr val="accent1"/>
+          </a:effectRef>
+          <a:fontRef idx="minor">
+            <a:schemeClr val="lt1"/>
+          </a:fontRef>
+        </p:style>
+        <p:txBody>
+          <a:bodyPr anchor="ctr"/>
+          <a:lstStyle/>
+          <a:p>
+            <a:pPr marL="0" marR="0" lvl="0" indent="0" algn="ctr" defTabSz="914400" rtl="0" eaLnBrk="1" fontAlgn="auto" latinLnBrk="0" hangingPunct="1">
+              <a:lnSpc>
+                <a:spcPct val="100000"/>
+              </a:lnSpc>
+              <a:spcBef>
+                <a:spcPts val="0"/>
+              </a:spcBef>
+              <a:spcAft>
+                <a:spcPts val="0"/>
+              </a:spcAft>
+              <a:buClrTx/>
+              <a:buSzTx/>
+              <a:buFontTx/>
+              <a:buNone/>
+              <a:defRPr/>
+            </a:pPr>
+            <a:endParaRPr kumimoji="0" lang="zh-CN" altLang="en-US" sz="1800" b="0" i="0" u="none" strike="noStrike" kern="1200" cap="none" spc="0" normalizeH="0" baseline="0" noProof="0">
+              <a:ln>
+                <a:noFill/>
+              </a:ln>
+              <a:solidFill>
+                <a:schemeClr val="bg1"/>
+              </a:solidFill>
+              <a:effectLst/>
+              <a:uLnTx/>
+              <a:uFillTx/>
+              <a:latin typeface="+mn-lt"/>
+              <a:ea typeface="+mn-ea"/>
+              <a:cs typeface="+mn-cs"/>
+            </a:endParaRPr>
+          </a:p>
+        </p:txBody>
+      </p:sp>
+      <p:sp>
+        <p:nvSpPr>
+          <p:cNvPr id="7170" name="文本框 156"/>
+          <p:cNvSpPr txBox="1"/>
+          <p:nvPr/>
+        </p:nvSpPr>
+        <p:spPr>
+          <a:xfrm>
+            <a:off x="0" y="350838"/>
+            <a:ext cx="814388" cy="521970"/>
+          </a:xfrm>
+          <a:prstGeom prst="rect">
+            <a:avLst/>
+          </a:prstGeom>
+          <a:noFill/>
+          <a:ln w="9525">
+            <a:noFill/>
+          </a:ln>
+        </p:spPr>
+        <p:txBody>
+          <a:bodyPr anchor="t" anchorCtr="0">
+            <a:spAutoFit/>
+          </a:bodyPr>
+          <a:lstStyle/>
+          <a:p>
+            <a:pPr>
+              <a:buFont typeface="Arial" panose="020B0604020202020204" pitchFamily="34" charset="0"/>
+            </a:pPr>
+            <a:r>
+              <a:rPr lang="en-US" altLang="zh-CN" sz="2800" b="1" dirty="0">
+                <a:solidFill>
+                  <a:schemeClr val="bg1"/>
+                </a:solidFill>
+                <a:latin typeface="Microsoft YaHei" panose="020B0503020204020204" pitchFamily="34" charset="-122"/>
+                <a:ea typeface="Microsoft YaHei" panose="020B0503020204020204" pitchFamily="34" charset="-122"/>
+              </a:rPr>
+              <a:t>5.2</a:t>
             </a:r>
             <a:endParaRPr lang="en-US" altLang="zh-CN" sz="2800" b="1" dirty="0">
               <a:solidFill>
@@ -7252,7 +12506,7 @@
                 <a:cs typeface="+mn-cs"/>
                 <a:sym typeface="+mn-ea"/>
               </a:rPr>
-              <a:t>Title</a:t>
+              <a:t>Homework</a:t>
             </a:r>
             <a:endParaRPr kumimoji="0" lang="en-US" altLang="zh-CN" sz="2800" b="1" i="0" u="none" strike="noStrike" kern="1200" cap="none" spc="0" normalizeH="0" baseline="0" noProof="0" dirty="0">
               <a:ln>
@@ -7295,6 +12549,37 @@
           <a:bodyPr/>
           <a:lstStyle/>
           <a:p>
+            <a:r>
+              <a:rPr lang="en-US" sz="3200" dirty="0"/>
+              <a:t>Given a sorted array nums, find all unique elements in array.</a:t>
+            </a:r>
+            <a:endParaRPr lang="en-US" sz="3200" dirty="0"/>
+          </a:p>
+          <a:p>
+            <a:pPr lvl="1"/>
+            <a:r>
+              <a:rPr lang="en-US" sz="2740" dirty="0"/>
+              <a:t>The total number of elements in the array is much larger than the number of unique elements in the array.</a:t>
+            </a:r>
+            <a:endParaRPr lang="en-US" sz="2740" dirty="0"/>
+          </a:p>
+          <a:p>
+            <a:pPr lvl="1"/>
+            <a:r>
+              <a:rPr lang="en-US" sz="2740" dirty="0"/>
+              <a:t>Constraint: Must solve in less than O(n) time</a:t>
+            </a:r>
+            <a:endParaRPr lang="en-US" sz="2740" dirty="0"/>
+          </a:p>
+          <a:p>
+            <a:pPr lvl="1"/>
+            <a:r>
+              <a:rPr lang="en-US" sz="2740" dirty="0"/>
+              <a:t>You may use any algorithm or data structure you’ve learnt so far</a:t>
+            </a:r>
+            <a:endParaRPr lang="en-US" sz="2740" dirty="0"/>
+          </a:p>
+          <a:p>
             <a:endParaRPr lang="en-US" sz="3200" dirty="0"/>
           </a:p>
         </p:txBody>
@@ -7310,343 +12595,7 @@
 </p:sld>
 </file>
 
-<file path=ppt/slides/slide16.xml><?xml version="1.0" encoding="utf-8"?>
-<p:sld xmlns:a="http://schemas.openxmlformats.org/drawingml/2006/main" xmlns:r="http://schemas.openxmlformats.org/officeDocument/2006/relationships" xmlns:p="http://schemas.openxmlformats.org/presentationml/2006/main">
-  <p:cSld>
-    <p:spTree>
-      <p:nvGrpSpPr>
-        <p:cNvPr id="1" name=""/>
-        <p:cNvGrpSpPr/>
-        <p:nvPr/>
-      </p:nvGrpSpPr>
-      <p:grpSpPr>
-        <a:xfrm>
-          <a:off x="0" y="0"/>
-          <a:ext cx="0" cy="0"/>
-          <a:chOff x="0" y="0"/>
-          <a:chExt cx="0" cy="0"/>
-        </a:xfrm>
-      </p:grpSpPr>
-      <p:sp>
-        <p:nvSpPr>
-          <p:cNvPr id="15" name="任意多边形 14"/>
-          <p:cNvSpPr/>
-          <p:nvPr/>
-        </p:nvSpPr>
-        <p:spPr>
-          <a:xfrm>
-            <a:off x="0" y="274638"/>
-            <a:ext cx="890588" cy="639763"/>
-          </a:xfrm>
-          <a:custGeom>
-            <a:avLst/>
-            <a:gdLst>
-              <a:gd name="connsiteX0" fmla="*/ 0 w 1029743"/>
-              <a:gd name="connsiteY0" fmla="*/ 0 h 739718"/>
-              <a:gd name="connsiteX1" fmla="*/ 659884 w 1029743"/>
-              <a:gd name="connsiteY1" fmla="*/ 0 h 739718"/>
-              <a:gd name="connsiteX2" fmla="*/ 1029743 w 1029743"/>
-              <a:gd name="connsiteY2" fmla="*/ 369859 h 739718"/>
-              <a:gd name="connsiteX3" fmla="*/ 659884 w 1029743"/>
-              <a:gd name="connsiteY3" fmla="*/ 739718 h 739718"/>
-              <a:gd name="connsiteX4" fmla="*/ 0 w 1029743"/>
-              <a:gd name="connsiteY4" fmla="*/ 739718 h 739718"/>
-            </a:gdLst>
-            <a:ahLst/>
-            <a:cxnLst>
-              <a:cxn ang="0">
-                <a:pos x="connsiteX0" y="connsiteY0"/>
-              </a:cxn>
-              <a:cxn ang="0">
-                <a:pos x="connsiteX1" y="connsiteY1"/>
-              </a:cxn>
-              <a:cxn ang="0">
-                <a:pos x="connsiteX2" y="connsiteY2"/>
-              </a:cxn>
-              <a:cxn ang="0">
-                <a:pos x="connsiteX3" y="connsiteY3"/>
-              </a:cxn>
-              <a:cxn ang="0">
-                <a:pos x="connsiteX4" y="connsiteY4"/>
-              </a:cxn>
-            </a:cxnLst>
-            <a:rect l="l" t="t" r="r" b="b"/>
-            <a:pathLst>
-              <a:path w="1029743" h="739718">
-                <a:moveTo>
-                  <a:pt x="0" y="0"/>
-                </a:moveTo>
-                <a:lnTo>
-                  <a:pt x="659884" y="0"/>
-                </a:lnTo>
-                <a:cubicBezTo>
-                  <a:pt x="864151" y="0"/>
-                  <a:pt x="1029743" y="165592"/>
-                  <a:pt x="1029743" y="369859"/>
-                </a:cubicBezTo>
-                <a:cubicBezTo>
-                  <a:pt x="1029743" y="574126"/>
-                  <a:pt x="864151" y="739718"/>
-                  <a:pt x="659884" y="739718"/>
-                </a:cubicBezTo>
-                <a:lnTo>
-                  <a:pt x="0" y="739718"/>
-                </a:lnTo>
-                <a:close/>
-              </a:path>
-            </a:pathLst>
-          </a:custGeom>
-          <a:solidFill>
-            <a:srgbClr val="05B780"/>
-          </a:solidFill>
-          <a:ln>
-            <a:noFill/>
-          </a:ln>
-        </p:spPr>
-        <p:style>
-          <a:lnRef idx="2">
-            <a:schemeClr val="accent1">
-              <a:shade val="50000"/>
-            </a:schemeClr>
-          </a:lnRef>
-          <a:fillRef idx="1">
-            <a:schemeClr val="accent1"/>
-          </a:fillRef>
-          <a:effectRef idx="0">
-            <a:schemeClr val="accent1"/>
-          </a:effectRef>
-          <a:fontRef idx="minor">
-            <a:schemeClr val="lt1"/>
-          </a:fontRef>
-        </p:style>
-        <p:txBody>
-          <a:bodyPr anchor="ctr"/>
-          <a:lstStyle/>
-          <a:p>
-            <a:pPr marL="0" marR="0" lvl="0" indent="0" algn="ctr" defTabSz="914400" rtl="0" eaLnBrk="1" fontAlgn="auto" latinLnBrk="0" hangingPunct="1">
-              <a:lnSpc>
-                <a:spcPct val="100000"/>
-              </a:lnSpc>
-              <a:spcBef>
-                <a:spcPts val="0"/>
-              </a:spcBef>
-              <a:spcAft>
-                <a:spcPts val="0"/>
-              </a:spcAft>
-              <a:buClrTx/>
-              <a:buSzTx/>
-              <a:buFontTx/>
-              <a:buNone/>
-              <a:defRPr/>
-            </a:pPr>
-            <a:endParaRPr kumimoji="0" lang="zh-CN" altLang="en-US" sz="1800" b="0" i="0" u="none" strike="noStrike" kern="1200" cap="none" spc="0" normalizeH="0" baseline="0" noProof="0">
-              <a:ln>
-                <a:noFill/>
-              </a:ln>
-              <a:solidFill>
-                <a:schemeClr val="bg1"/>
-              </a:solidFill>
-              <a:effectLst/>
-              <a:uLnTx/>
-              <a:uFillTx/>
-              <a:latin typeface="+mn-lt"/>
-              <a:ea typeface="+mn-ea"/>
-              <a:cs typeface="+mn-cs"/>
-            </a:endParaRPr>
-          </a:p>
-        </p:txBody>
-      </p:sp>
-      <p:sp>
-        <p:nvSpPr>
-          <p:cNvPr id="7170" name="文本框 156"/>
-          <p:cNvSpPr txBox="1"/>
-          <p:nvPr/>
-        </p:nvSpPr>
-        <p:spPr>
-          <a:xfrm>
-            <a:off x="0" y="350838"/>
-            <a:ext cx="814388" cy="521970"/>
-          </a:xfrm>
-          <a:prstGeom prst="rect">
-            <a:avLst/>
-          </a:prstGeom>
-          <a:noFill/>
-          <a:ln w="9525">
-            <a:noFill/>
-          </a:ln>
-        </p:spPr>
-        <p:txBody>
-          <a:bodyPr anchor="t" anchorCtr="0">
-            <a:spAutoFit/>
-          </a:bodyPr>
-          <a:lstStyle/>
-          <a:p>
-            <a:pPr>
-              <a:buFont typeface="Arial" panose="020B0604020202020204" pitchFamily="34" charset="0"/>
-            </a:pPr>
-            <a:r>
-              <a:rPr lang="en-US" altLang="zh-CN" sz="2800" b="1" dirty="0">
-                <a:solidFill>
-                  <a:schemeClr val="bg1"/>
-                </a:solidFill>
-                <a:latin typeface="Microsoft YaHei" panose="020B0503020204020204" pitchFamily="34" charset="-122"/>
-                <a:ea typeface="Microsoft YaHei" panose="020B0503020204020204" pitchFamily="34" charset="-122"/>
-              </a:rPr>
-              <a:t>5.2</a:t>
-            </a:r>
-            <a:endParaRPr lang="en-US" altLang="zh-CN" sz="2800" b="1" dirty="0">
-              <a:solidFill>
-                <a:schemeClr val="bg1"/>
-              </a:solidFill>
-              <a:latin typeface="Microsoft YaHei" panose="020B0503020204020204" pitchFamily="34" charset="-122"/>
-              <a:ea typeface="Microsoft YaHei" panose="020B0503020204020204" pitchFamily="34" charset="-122"/>
-            </a:endParaRPr>
-          </a:p>
-        </p:txBody>
-      </p:sp>
-      <p:sp>
-        <p:nvSpPr>
-          <p:cNvPr id="16" name="Rectangle 6"/>
-          <p:cNvSpPr>
-            <a:spLocks noChangeArrowheads="1"/>
-          </p:cNvSpPr>
-          <p:nvPr/>
-        </p:nvSpPr>
-        <p:spPr bwMode="black">
-          <a:xfrm>
-            <a:off x="1021080" y="334010"/>
-            <a:ext cx="8777605" cy="521970"/>
-          </a:xfrm>
-          <a:prstGeom prst="rect">
-            <a:avLst/>
-          </a:prstGeom>
-          <a:noFill/>
-          <a:ln>
-            <a:noFill/>
-          </a:ln>
-          <a:effectLst/>
-          <a:extLst>
-            <a:ext uri="{909E8E84-426E-40DD-AFC4-6F175D3DCCD1}">
-              <a14:hiddenFill xmlns:a14="http://schemas.microsoft.com/office/drawing/2010/main">
-                <a:solidFill>
-                  <a:schemeClr val="accent1"/>
-                </a:solidFill>
-              </a14:hiddenFill>
-            </a:ext>
-            <a:ext uri="{91240B29-F687-4F45-9708-019B960494DF}">
-              <a14:hiddenLine xmlns:a14="http://schemas.microsoft.com/office/drawing/2010/main" w="9525">
-                <a:solidFill>
-                  <a:schemeClr val="tx1"/>
-                </a:solidFill>
-                <a:miter lim="800000"/>
-                <a:headEnd/>
-                <a:tailEnd/>
-              </a14:hiddenLine>
-            </a:ext>
-            <a:ext uri="{AF507438-7753-43E0-B8FC-AC1667EBCBE1}">
-              <a14:hiddenEffects xmlns:a14="http://schemas.microsoft.com/office/drawing/2010/main">
-                <a:effectLst>
-                  <a:outerShdw dist="35921" dir="2700000" algn="ctr" rotWithShape="0">
-                    <a:schemeClr val="bg2"/>
-                  </a:outerShdw>
-                </a:effectLst>
-              </a14:hiddenEffects>
-            </a:ext>
-          </a:extLst>
-        </p:spPr>
-        <p:txBody>
-          <a:bodyPr wrap="square">
-            <a:spAutoFit/>
-          </a:bodyPr>
-          <a:lstStyle/>
-          <a:p>
-            <a:pPr eaLnBrk="0" fontAlgn="auto" hangingPunct="0">
-              <a:spcBef>
-                <a:spcPts val="0"/>
-              </a:spcBef>
-              <a:spcAft>
-                <a:spcPts val="0"/>
-              </a:spcAft>
-              <a:defRPr/>
-            </a:pPr>
-            <a:r>
-              <a:rPr kumimoji="0" lang="en-US" altLang="zh-CN" sz="2800" b="1" i="0" u="none" strike="noStrike" kern="1200" cap="none" spc="0" normalizeH="0" baseline="0" noProof="0" dirty="0">
-                <a:ln>
-                  <a:noFill/>
-                </a:ln>
-                <a:solidFill>
-                  <a:schemeClr val="tx1">
-                    <a:lumMod val="85000"/>
-                    <a:lumOff val="15000"/>
-                  </a:schemeClr>
-                </a:solidFill>
-                <a:effectLst/>
-                <a:uLnTx/>
-                <a:uFillTx/>
-                <a:latin typeface="Microsoft YaHei" panose="020B0503020204020204" pitchFamily="34" charset="-122"/>
-                <a:ea typeface="Microsoft YaHei" panose="020B0503020204020204" pitchFamily="34" charset="-122"/>
-                <a:cs typeface="+mn-cs"/>
-                <a:sym typeface="+mn-ea"/>
-              </a:rPr>
-              <a:t>Homework</a:t>
-            </a:r>
-            <a:endParaRPr kumimoji="0" lang="en-US" altLang="zh-CN" sz="2800" b="1" i="0" u="none" strike="noStrike" kern="1200" cap="none" spc="0" normalizeH="0" baseline="0" noProof="0" dirty="0">
-              <a:ln>
-                <a:noFill/>
-              </a:ln>
-              <a:solidFill>
-                <a:schemeClr val="tx1">
-                  <a:lumMod val="85000"/>
-                  <a:lumOff val="15000"/>
-                </a:schemeClr>
-              </a:solidFill>
-              <a:effectLst/>
-              <a:uLnTx/>
-              <a:uFillTx/>
-              <a:latin typeface="Microsoft YaHei" panose="020B0503020204020204" pitchFamily="34" charset="-122"/>
-              <a:ea typeface="Microsoft YaHei" panose="020B0503020204020204" pitchFamily="34" charset="-122"/>
-              <a:cs typeface="+mn-cs"/>
-              <a:sym typeface="+mn-ea"/>
-            </a:endParaRPr>
-          </a:p>
-        </p:txBody>
-      </p:sp>
-      <p:sp>
-        <p:nvSpPr>
-          <p:cNvPr id="3" name="Content Placeholder 2"/>
-          <p:cNvSpPr>
-            <a:spLocks noGrp="1"/>
-          </p:cNvSpPr>
-          <p:nvPr>
-            <p:ph idx="1"/>
-          </p:nvPr>
-        </p:nvSpPr>
-        <p:spPr>
-          <a:xfrm>
-            <a:off x="890588" y="1494359"/>
-            <a:ext cx="10515600" cy="4351338"/>
-          </a:xfrm>
-        </p:spPr>
-        <p:txBody>
-          <a:bodyPr/>
-          <a:lstStyle/>
-          <a:p>
-            <a:endParaRPr lang="en-US" sz="3200" dirty="0"/>
-          </a:p>
-        </p:txBody>
-      </p:sp>
-    </p:spTree>
-  </p:cSld>
-  <p:clrMapOvr>
-    <a:masterClrMapping/>
-  </p:clrMapOvr>
-  <p:transition spd="slow">
-    <p:wipe/>
-  </p:transition>
-</p:sld>
-</file>
-
-<file path=ppt/slides/slide17.xml><?xml version="1.0" encoding="utf-8"?>
+<file path=ppt/slides/slide27.xml><?xml version="1.0" encoding="utf-8"?>
 <p:sld xmlns:a="http://schemas.openxmlformats.org/drawingml/2006/main" xmlns:r="http://schemas.openxmlformats.org/officeDocument/2006/relationships" xmlns:p="http://schemas.openxmlformats.org/presentationml/2006/main">
   <p:cSld>
     <p:spTree>
@@ -8865,1679 +13814,6 @@
           </a:p>
         </p:txBody>
       </p:sp>
-    </p:spTree>
-  </p:cSld>
-  <p:clrMapOvr>
-    <a:masterClrMapping/>
-  </p:clrMapOvr>
-  <p:transition spd="slow">
-    <p:wipe/>
-  </p:transition>
-</p:sld>
-</file>
-
-<file path=ppt/slides/slide2.xml><?xml version="1.0" encoding="utf-8"?>
-<p:sld xmlns:a="http://schemas.openxmlformats.org/drawingml/2006/main" xmlns:r="http://schemas.openxmlformats.org/officeDocument/2006/relationships" xmlns:p="http://schemas.openxmlformats.org/presentationml/2006/main">
-  <p:cSld>
-    <p:spTree>
-      <p:nvGrpSpPr>
-        <p:cNvPr id="1" name=""/>
-        <p:cNvGrpSpPr/>
-        <p:nvPr/>
-      </p:nvGrpSpPr>
-      <p:grpSpPr>
-        <a:xfrm>
-          <a:off x="0" y="0"/>
-          <a:ext cx="0" cy="0"/>
-          <a:chOff x="0" y="0"/>
-          <a:chExt cx="0" cy="0"/>
-        </a:xfrm>
-      </p:grpSpPr>
-      <p:sp>
-        <p:nvSpPr>
-          <p:cNvPr id="6" name="矩形 5"/>
-          <p:cNvSpPr/>
-          <p:nvPr/>
-        </p:nvSpPr>
-        <p:spPr>
-          <a:xfrm>
-            <a:off x="1879600" y="1877695"/>
-            <a:ext cx="3322320" cy="449580"/>
-          </a:xfrm>
-          <a:prstGeom prst="rect">
-            <a:avLst/>
-          </a:prstGeom>
-          <a:noFill/>
-          <a:ln>
-            <a:solidFill>
-              <a:srgbClr val="05B780"/>
-            </a:solidFill>
-          </a:ln>
-        </p:spPr>
-        <p:style>
-          <a:lnRef idx="2">
-            <a:schemeClr val="accent1">
-              <a:shade val="50000"/>
-            </a:schemeClr>
-          </a:lnRef>
-          <a:fillRef idx="1">
-            <a:schemeClr val="accent1"/>
-          </a:fillRef>
-          <a:effectRef idx="0">
-            <a:schemeClr val="accent1"/>
-          </a:effectRef>
-          <a:fontRef idx="minor">
-            <a:schemeClr val="lt1"/>
-          </a:fontRef>
-        </p:style>
-        <p:txBody>
-          <a:bodyPr anchor="ctr"/>
-          <a:lstStyle/>
-          <a:p>
-            <a:pPr marL="0" marR="0" lvl="0" indent="0" algn="ctr" defTabSz="914400" rtl="0" eaLnBrk="1" fontAlgn="auto" latinLnBrk="0" hangingPunct="1">
-              <a:lnSpc>
-                <a:spcPct val="100000"/>
-              </a:lnSpc>
-              <a:spcBef>
-                <a:spcPts val="0"/>
-              </a:spcBef>
-              <a:spcAft>
-                <a:spcPts val="0"/>
-              </a:spcAft>
-              <a:buClrTx/>
-              <a:buSzTx/>
-              <a:buFontTx/>
-              <a:buNone/>
-              <a:defRPr/>
-            </a:pPr>
-            <a:endParaRPr kumimoji="0" lang="zh-CN" altLang="en-US" sz="1800" b="0" i="0" u="none" strike="noStrike" kern="1200" cap="none" spc="0" normalizeH="0" baseline="0" noProof="0">
-              <a:ln>
-                <a:noFill/>
-              </a:ln>
-              <a:solidFill>
-                <a:schemeClr val="lt1"/>
-              </a:solidFill>
-              <a:effectLst/>
-              <a:uLnTx/>
-              <a:uFillTx/>
-              <a:latin typeface="+mn-lt"/>
-              <a:ea typeface="+mn-ea"/>
-              <a:cs typeface="+mn-cs"/>
-            </a:endParaRPr>
-          </a:p>
-        </p:txBody>
-      </p:sp>
-      <p:sp>
-        <p:nvSpPr>
-          <p:cNvPr id="5122" name="文本框 47"/>
-          <p:cNvSpPr txBox="1"/>
-          <p:nvPr/>
-        </p:nvSpPr>
-        <p:spPr>
-          <a:xfrm>
-            <a:off x="2157413" y="1881188"/>
-            <a:ext cx="2497137" cy="460375"/>
-          </a:xfrm>
-          <a:prstGeom prst="rect">
-            <a:avLst/>
-          </a:prstGeom>
-          <a:noFill/>
-          <a:ln w="9525">
-            <a:noFill/>
-          </a:ln>
-        </p:spPr>
-        <p:txBody>
-          <a:bodyPr wrap="square" anchor="t" anchorCtr="0">
-            <a:spAutoFit/>
-          </a:bodyPr>
-          <a:lstStyle/>
-          <a:p>
-            <a:pPr>
-              <a:buFont typeface="Arial" panose="020B0604020202020204" pitchFamily="34" charset="0"/>
-            </a:pPr>
-            <a:r>
-              <a:rPr lang="en-US" altLang="zh-CN" sz="2400" b="1" dirty="0">
-                <a:solidFill>
-                  <a:srgbClr val="05B780"/>
-                </a:solidFill>
-                <a:latin typeface="Microsoft YaHei" panose="020B0503020204020204" pitchFamily="34" charset="-122"/>
-                <a:ea typeface="Microsoft YaHei" panose="020B0503020204020204" pitchFamily="34" charset="-122"/>
-              </a:rPr>
-              <a:t>Week 5 Recap</a:t>
-            </a:r>
-            <a:endParaRPr lang="en-US" altLang="zh-CN" sz="2400" b="1" dirty="0">
-              <a:solidFill>
-                <a:srgbClr val="05B780"/>
-              </a:solidFill>
-              <a:latin typeface="Microsoft YaHei" panose="020B0503020204020204" pitchFamily="34" charset="-122"/>
-              <a:ea typeface="Microsoft YaHei" panose="020B0503020204020204" pitchFamily="34" charset="-122"/>
-            </a:endParaRPr>
-          </a:p>
-        </p:txBody>
-      </p:sp>
-      <p:sp>
-        <p:nvSpPr>
-          <p:cNvPr id="5129" name="Rectangle 6"/>
-          <p:cNvSpPr/>
-          <p:nvPr/>
-        </p:nvSpPr>
-        <p:spPr>
-          <a:xfrm>
-            <a:off x="9156383" y="2737485"/>
-            <a:ext cx="2263775" cy="369888"/>
-          </a:xfrm>
-          <a:prstGeom prst="rect">
-            <a:avLst/>
-          </a:prstGeom>
-          <a:noFill/>
-          <a:ln w="9525">
-            <a:noFill/>
-          </a:ln>
-        </p:spPr>
-        <p:txBody>
-          <a:bodyPr anchor="t" anchorCtr="0">
-            <a:spAutoFit/>
-          </a:bodyPr>
-          <a:lstStyle/>
-          <a:p>
-            <a:pPr marL="342900" indent="-342900" eaLnBrk="0" hangingPunct="0">
-              <a:buFont typeface="Arial" panose="020B0604020202020204" pitchFamily="34" charset="0"/>
-              <a:buChar char="•"/>
-            </a:pPr>
-            <a:r>
-              <a:rPr lang="zh-CN" altLang="en-US" dirty="0">
-                <a:solidFill>
-                  <a:schemeClr val="bg1"/>
-                </a:solidFill>
-                <a:latin typeface="Microsoft YaHei" panose="020B0503020204020204" pitchFamily="34" charset="-122"/>
-                <a:ea typeface="Microsoft YaHei" panose="020B0503020204020204" pitchFamily="34" charset="-122"/>
-              </a:rPr>
-              <a:t>竞争对手分析</a:t>
-            </a:r>
-            <a:endParaRPr lang="zh-CN" altLang="en-US" dirty="0">
-              <a:solidFill>
-                <a:schemeClr val="bg1"/>
-              </a:solidFill>
-              <a:latin typeface="Microsoft YaHei" panose="020B0503020204020204" pitchFamily="34" charset="-122"/>
-              <a:ea typeface="Microsoft YaHei" panose="020B0503020204020204" pitchFamily="34" charset="-122"/>
-            </a:endParaRPr>
-          </a:p>
-        </p:txBody>
-      </p:sp>
-      <p:sp>
-        <p:nvSpPr>
-          <p:cNvPr id="5131" name="Rectangle 6"/>
-          <p:cNvSpPr/>
-          <p:nvPr/>
-        </p:nvSpPr>
-        <p:spPr>
-          <a:xfrm>
-            <a:off x="9154795" y="3134360"/>
-            <a:ext cx="2265363" cy="369888"/>
-          </a:xfrm>
-          <a:prstGeom prst="rect">
-            <a:avLst/>
-          </a:prstGeom>
-          <a:noFill/>
-          <a:ln w="9525">
-            <a:noFill/>
-          </a:ln>
-        </p:spPr>
-        <p:txBody>
-          <a:bodyPr anchor="t" anchorCtr="0">
-            <a:spAutoFit/>
-          </a:bodyPr>
-          <a:lstStyle/>
-          <a:p>
-            <a:pPr marL="342900" indent="-342900" eaLnBrk="0" hangingPunct="0">
-              <a:buFont typeface="Arial" panose="020B0604020202020204" pitchFamily="34" charset="0"/>
-              <a:buChar char="•"/>
-            </a:pPr>
-            <a:r>
-              <a:rPr lang="zh-CN" altLang="en-US" dirty="0">
-                <a:solidFill>
-                  <a:schemeClr val="bg1"/>
-                </a:solidFill>
-                <a:latin typeface="Microsoft YaHei" panose="020B0503020204020204" pitchFamily="34" charset="-122"/>
-                <a:ea typeface="Microsoft YaHei" panose="020B0503020204020204" pitchFamily="34" charset="-122"/>
-              </a:rPr>
-              <a:t>产品定位分析</a:t>
-            </a:r>
-            <a:endParaRPr lang="zh-CN" altLang="en-US" dirty="0">
-              <a:solidFill>
-                <a:schemeClr val="bg1"/>
-              </a:solidFill>
-              <a:latin typeface="Microsoft YaHei" panose="020B0503020204020204" pitchFamily="34" charset="-122"/>
-              <a:ea typeface="Microsoft YaHei" panose="020B0503020204020204" pitchFamily="34" charset="-122"/>
-            </a:endParaRPr>
-          </a:p>
-        </p:txBody>
-      </p:sp>
-      <p:sp>
-        <p:nvSpPr>
-          <p:cNvPr id="101" name="任意多边形 100"/>
-          <p:cNvSpPr/>
-          <p:nvPr/>
-        </p:nvSpPr>
-        <p:spPr>
-          <a:xfrm>
-            <a:off x="0" y="260350"/>
-            <a:ext cx="3298825" cy="739775"/>
-          </a:xfrm>
-          <a:custGeom>
-            <a:avLst/>
-            <a:gdLst>
-              <a:gd name="connsiteX0" fmla="*/ 38767 w 3299253"/>
-              <a:gd name="connsiteY0" fmla="*/ 0 h 739718"/>
-              <a:gd name="connsiteX1" fmla="*/ 2929394 w 3299253"/>
-              <a:gd name="connsiteY1" fmla="*/ 0 h 739718"/>
-              <a:gd name="connsiteX2" fmla="*/ 3299253 w 3299253"/>
-              <a:gd name="connsiteY2" fmla="*/ 369859 h 739718"/>
-              <a:gd name="connsiteX3" fmla="*/ 2929394 w 3299253"/>
-              <a:gd name="connsiteY3" fmla="*/ 739718 h 739718"/>
-              <a:gd name="connsiteX4" fmla="*/ 38767 w 3299253"/>
-              <a:gd name="connsiteY4" fmla="*/ 739718 h 739718"/>
-              <a:gd name="connsiteX5" fmla="*/ 0 w 3299253"/>
-              <a:gd name="connsiteY5" fmla="*/ 735810 h 739718"/>
-              <a:gd name="connsiteX6" fmla="*/ 0 w 3299253"/>
-              <a:gd name="connsiteY6" fmla="*/ 3908 h 739718"/>
-            </a:gdLst>
-            <a:ahLst/>
-            <a:cxnLst>
-              <a:cxn ang="0">
-                <a:pos x="connsiteX0" y="connsiteY0"/>
-              </a:cxn>
-              <a:cxn ang="0">
-                <a:pos x="connsiteX1" y="connsiteY1"/>
-              </a:cxn>
-              <a:cxn ang="0">
-                <a:pos x="connsiteX2" y="connsiteY2"/>
-              </a:cxn>
-              <a:cxn ang="0">
-                <a:pos x="connsiteX3" y="connsiteY3"/>
-              </a:cxn>
-              <a:cxn ang="0">
-                <a:pos x="connsiteX4" y="connsiteY4"/>
-              </a:cxn>
-              <a:cxn ang="0">
-                <a:pos x="connsiteX5" y="connsiteY5"/>
-              </a:cxn>
-              <a:cxn ang="0">
-                <a:pos x="connsiteX6" y="connsiteY6"/>
-              </a:cxn>
-            </a:cxnLst>
-            <a:rect l="l" t="t" r="r" b="b"/>
-            <a:pathLst>
-              <a:path w="3299253" h="739718">
-                <a:moveTo>
-                  <a:pt x="38767" y="0"/>
-                </a:moveTo>
-                <a:lnTo>
-                  <a:pt x="2929394" y="0"/>
-                </a:lnTo>
-                <a:cubicBezTo>
-                  <a:pt x="3133661" y="0"/>
-                  <a:pt x="3299253" y="165592"/>
-                  <a:pt x="3299253" y="369859"/>
-                </a:cubicBezTo>
-                <a:cubicBezTo>
-                  <a:pt x="3299253" y="574126"/>
-                  <a:pt x="3133661" y="739718"/>
-                  <a:pt x="2929394" y="739718"/>
-                </a:cubicBezTo>
-                <a:lnTo>
-                  <a:pt x="38767" y="739718"/>
-                </a:lnTo>
-                <a:lnTo>
-                  <a:pt x="0" y="735810"/>
-                </a:lnTo>
-                <a:lnTo>
-                  <a:pt x="0" y="3908"/>
-                </a:lnTo>
-                <a:close/>
-              </a:path>
-            </a:pathLst>
-          </a:custGeom>
-          <a:solidFill>
-            <a:srgbClr val="05B780"/>
-          </a:solidFill>
-          <a:ln>
-            <a:noFill/>
-          </a:ln>
-        </p:spPr>
-        <p:style>
-          <a:lnRef idx="2">
-            <a:schemeClr val="accent1">
-              <a:shade val="50000"/>
-            </a:schemeClr>
-          </a:lnRef>
-          <a:fillRef idx="1">
-            <a:schemeClr val="accent1"/>
-          </a:fillRef>
-          <a:effectRef idx="0">
-            <a:schemeClr val="accent1"/>
-          </a:effectRef>
-          <a:fontRef idx="minor">
-            <a:schemeClr val="lt1"/>
-          </a:fontRef>
-        </p:style>
-        <p:txBody>
-          <a:bodyPr anchor="ctr"/>
-          <a:lstStyle/>
-          <a:p>
-            <a:pPr marL="0" marR="0" lvl="0" indent="0" algn="ctr" defTabSz="914400" rtl="0" eaLnBrk="1" fontAlgn="auto" latinLnBrk="0" hangingPunct="1">
-              <a:lnSpc>
-                <a:spcPct val="100000"/>
-              </a:lnSpc>
-              <a:spcBef>
-                <a:spcPts val="0"/>
-              </a:spcBef>
-              <a:spcAft>
-                <a:spcPts val="0"/>
-              </a:spcAft>
-              <a:buClrTx/>
-              <a:buSzTx/>
-              <a:buFontTx/>
-              <a:buNone/>
-              <a:defRPr/>
-            </a:pPr>
-            <a:endParaRPr kumimoji="0" lang="zh-CN" altLang="en-US" sz="1800" b="0" i="0" u="none" strike="noStrike" kern="1200" cap="none" spc="0" normalizeH="0" baseline="0" noProof="0">
-              <a:ln>
-                <a:noFill/>
-              </a:ln>
-              <a:solidFill>
-                <a:schemeClr val="lt1"/>
-              </a:solidFill>
-              <a:effectLst/>
-              <a:uLnTx/>
-              <a:uFillTx/>
-              <a:latin typeface="+mn-lt"/>
-              <a:ea typeface="+mn-ea"/>
-              <a:cs typeface="+mn-cs"/>
-            </a:endParaRPr>
-          </a:p>
-        </p:txBody>
-      </p:sp>
-      <p:sp>
-        <p:nvSpPr>
-          <p:cNvPr id="5144" name="文本框 101"/>
-          <p:cNvSpPr txBox="1"/>
-          <p:nvPr/>
-        </p:nvSpPr>
-        <p:spPr>
-          <a:xfrm>
-            <a:off x="250825" y="336550"/>
-            <a:ext cx="2797175" cy="583565"/>
-          </a:xfrm>
-          <a:prstGeom prst="rect">
-            <a:avLst/>
-          </a:prstGeom>
-          <a:noFill/>
-          <a:ln w="9525">
-            <a:noFill/>
-          </a:ln>
-        </p:spPr>
-        <p:txBody>
-          <a:bodyPr anchor="t" anchorCtr="0">
-            <a:spAutoFit/>
-          </a:bodyPr>
-          <a:lstStyle/>
-          <a:p>
-            <a:pPr>
-              <a:buFont typeface="Arial" panose="020B0604020202020204" pitchFamily="34" charset="0"/>
-            </a:pPr>
-            <a:r>
-              <a:rPr lang="en-US" altLang="zh-CN" sz="3200" b="1" dirty="0">
-                <a:solidFill>
-                  <a:srgbClr val="FFFFFF"/>
-                </a:solidFill>
-                <a:latin typeface="Microsoft YaHei" panose="020B0503020204020204" pitchFamily="34" charset="-122"/>
-                <a:ea typeface="Microsoft YaHei" panose="020B0503020204020204" pitchFamily="34" charset="-122"/>
-              </a:rPr>
-              <a:t>Agenda</a:t>
-            </a:r>
-            <a:endParaRPr lang="zh-CN" altLang="en-US" sz="3200" b="1" dirty="0">
-              <a:solidFill>
-                <a:srgbClr val="FFFFFF"/>
-              </a:solidFill>
-              <a:latin typeface="Microsoft YaHei" panose="020B0503020204020204" pitchFamily="34" charset="-122"/>
-              <a:ea typeface="Microsoft YaHei" panose="020B0503020204020204" pitchFamily="34" charset="-122"/>
-            </a:endParaRPr>
-          </a:p>
-        </p:txBody>
-      </p:sp>
-      <p:grpSp>
-        <p:nvGrpSpPr>
-          <p:cNvPr id="5145" name="组合 3"/>
-          <p:cNvGrpSpPr/>
-          <p:nvPr/>
-        </p:nvGrpSpPr>
-        <p:grpSpPr>
-          <a:xfrm>
-            <a:off x="1168400" y="1687513"/>
-            <a:ext cx="814388" cy="849312"/>
-            <a:chOff x="1473127" y="1521451"/>
-            <a:chExt cx="653645" cy="681967"/>
-          </a:xfrm>
-        </p:grpSpPr>
-        <p:sp>
-          <p:nvSpPr>
-            <p:cNvPr id="3" name="六边形 2"/>
-            <p:cNvSpPr/>
-            <p:nvPr/>
-          </p:nvSpPr>
-          <p:spPr>
-            <a:xfrm rot="5400000">
-              <a:off x="1425833" y="1568735"/>
-              <a:ext cx="681967" cy="587389"/>
-            </a:xfrm>
-            <a:prstGeom prst="hexagon">
-              <a:avLst>
-                <a:gd name="adj" fmla="val 27469"/>
-                <a:gd name="vf" fmla="val 115470"/>
-              </a:avLst>
-            </a:prstGeom>
-            <a:solidFill>
-              <a:srgbClr val="05B780"/>
-            </a:solidFill>
-            <a:ln>
-              <a:noFill/>
-            </a:ln>
-          </p:spPr>
-          <p:style>
-            <a:lnRef idx="2">
-              <a:schemeClr val="accent1">
-                <a:shade val="50000"/>
-              </a:schemeClr>
-            </a:lnRef>
-            <a:fillRef idx="1">
-              <a:schemeClr val="accent1"/>
-            </a:fillRef>
-            <a:effectRef idx="0">
-              <a:schemeClr val="accent1"/>
-            </a:effectRef>
-            <a:fontRef idx="minor">
-              <a:schemeClr val="lt1"/>
-            </a:fontRef>
-          </p:style>
-          <p:txBody>
-            <a:bodyPr anchor="ctr"/>
-            <a:lstStyle/>
-            <a:p>
-              <a:pPr marL="0" marR="0" lvl="0" indent="0" algn="ctr" defTabSz="914400" rtl="0" eaLnBrk="1" fontAlgn="auto" latinLnBrk="0" hangingPunct="1">
-                <a:lnSpc>
-                  <a:spcPct val="100000"/>
-                </a:lnSpc>
-                <a:spcBef>
-                  <a:spcPts val="0"/>
-                </a:spcBef>
-                <a:spcAft>
-                  <a:spcPts val="0"/>
-                </a:spcAft>
-                <a:buClrTx/>
-                <a:buSzTx/>
-                <a:buFontTx/>
-                <a:buNone/>
-                <a:defRPr/>
-              </a:pPr>
-              <a:endParaRPr kumimoji="0" lang="zh-CN" altLang="en-US" sz="1800" b="0" i="0" u="none" strike="noStrike" kern="1200" cap="none" spc="0" normalizeH="0" baseline="0" noProof="0">
-                <a:ln>
-                  <a:noFill/>
-                </a:ln>
-                <a:solidFill>
-                  <a:schemeClr val="lt1"/>
-                </a:solidFill>
-                <a:effectLst/>
-                <a:uLnTx/>
-                <a:uFillTx/>
-                <a:latin typeface="+mn-lt"/>
-                <a:ea typeface="+mn-ea"/>
-                <a:cs typeface="+mn-cs"/>
-              </a:endParaRPr>
-            </a:p>
-          </p:txBody>
-        </p:sp>
-        <p:sp>
-          <p:nvSpPr>
-            <p:cNvPr id="5147" name="文本框 46"/>
-            <p:cNvSpPr txBox="1"/>
-            <p:nvPr/>
-          </p:nvSpPr>
-          <p:spPr>
-            <a:xfrm>
-              <a:off x="1524732" y="1669097"/>
-              <a:ext cx="602040" cy="419851"/>
-            </a:xfrm>
-            <a:prstGeom prst="rect">
-              <a:avLst/>
-            </a:prstGeom>
-            <a:noFill/>
-            <a:ln w="9525">
-              <a:noFill/>
-            </a:ln>
-          </p:spPr>
-          <p:txBody>
-            <a:bodyPr anchor="t" anchorCtr="0">
-              <a:spAutoFit/>
-            </a:bodyPr>
-            <a:lstStyle/>
-            <a:p>
-              <a:pPr>
-                <a:buFont typeface="Arial" panose="020B0604020202020204" pitchFamily="34" charset="0"/>
-              </a:pPr>
-              <a:r>
-                <a:rPr lang="en-US" altLang="zh-CN" sz="2800" b="1" dirty="0">
-                  <a:solidFill>
-                    <a:schemeClr val="bg1"/>
-                  </a:solidFill>
-                  <a:latin typeface="Microsoft YaHei" panose="020B0503020204020204" pitchFamily="34" charset="-122"/>
-                  <a:ea typeface="Microsoft YaHei" panose="020B0503020204020204" pitchFamily="34" charset="-122"/>
-                </a:rPr>
-                <a:t>01</a:t>
-              </a:r>
-              <a:endParaRPr lang="zh-CN" altLang="en-US" sz="2800" b="1" dirty="0">
-                <a:solidFill>
-                  <a:schemeClr val="bg1"/>
-                </a:solidFill>
-                <a:latin typeface="Microsoft YaHei" panose="020B0503020204020204" pitchFamily="34" charset="-122"/>
-                <a:ea typeface="Microsoft YaHei" panose="020B0503020204020204" pitchFamily="34" charset="-122"/>
-              </a:endParaRPr>
-            </a:p>
-          </p:txBody>
-        </p:sp>
-      </p:grpSp>
-      <p:sp>
-        <p:nvSpPr>
-          <p:cNvPr id="113" name="矩形 112"/>
-          <p:cNvSpPr/>
-          <p:nvPr/>
-        </p:nvSpPr>
-        <p:spPr>
-          <a:xfrm>
-            <a:off x="7322820" y="2861042"/>
-            <a:ext cx="3322955" cy="450850"/>
-          </a:xfrm>
-          <a:prstGeom prst="rect">
-            <a:avLst/>
-          </a:prstGeom>
-          <a:noFill/>
-          <a:ln>
-            <a:solidFill>
-              <a:srgbClr val="05B780"/>
-            </a:solidFill>
-          </a:ln>
-        </p:spPr>
-        <p:style>
-          <a:lnRef idx="2">
-            <a:schemeClr val="accent1">
-              <a:shade val="50000"/>
-            </a:schemeClr>
-          </a:lnRef>
-          <a:fillRef idx="1">
-            <a:schemeClr val="accent1"/>
-          </a:fillRef>
-          <a:effectRef idx="0">
-            <a:schemeClr val="accent1"/>
-          </a:effectRef>
-          <a:fontRef idx="minor">
-            <a:schemeClr val="lt1"/>
-          </a:fontRef>
-        </p:style>
-        <p:txBody>
-          <a:bodyPr anchor="ctr"/>
-          <a:lstStyle/>
-          <a:p>
-            <a:pPr marL="0" marR="0" lvl="0" indent="0" algn="ctr" defTabSz="914400" rtl="0" eaLnBrk="1" fontAlgn="auto" latinLnBrk="0" hangingPunct="1">
-              <a:lnSpc>
-                <a:spcPct val="100000"/>
-              </a:lnSpc>
-              <a:spcBef>
-                <a:spcPts val="0"/>
-              </a:spcBef>
-              <a:spcAft>
-                <a:spcPts val="0"/>
-              </a:spcAft>
-              <a:buClrTx/>
-              <a:buSzTx/>
-              <a:buFontTx/>
-              <a:buNone/>
-              <a:defRPr/>
-            </a:pPr>
-            <a:endParaRPr kumimoji="0" lang="zh-CN" altLang="en-US" sz="1800" b="0" i="0" u="none" strike="noStrike" kern="1200" cap="none" spc="0" normalizeH="0" baseline="0" noProof="0">
-              <a:ln>
-                <a:noFill/>
-              </a:ln>
-              <a:solidFill>
-                <a:schemeClr val="lt1"/>
-              </a:solidFill>
-              <a:effectLst/>
-              <a:uLnTx/>
-              <a:uFillTx/>
-              <a:latin typeface="+mn-lt"/>
-              <a:ea typeface="+mn-ea"/>
-              <a:cs typeface="+mn-cs"/>
-            </a:endParaRPr>
-          </a:p>
-        </p:txBody>
-      </p:sp>
-      <p:sp>
-        <p:nvSpPr>
-          <p:cNvPr id="5159" name="文本框 113"/>
-          <p:cNvSpPr txBox="1"/>
-          <p:nvPr/>
-        </p:nvSpPr>
-        <p:spPr>
-          <a:xfrm>
-            <a:off x="7600633" y="2854692"/>
-            <a:ext cx="2366962" cy="460375"/>
-          </a:xfrm>
-          <a:prstGeom prst="rect">
-            <a:avLst/>
-          </a:prstGeom>
-          <a:noFill/>
-          <a:ln w="9525">
-            <a:noFill/>
-          </a:ln>
-        </p:spPr>
-        <p:txBody>
-          <a:bodyPr wrap="square" anchor="t" anchorCtr="0">
-            <a:spAutoFit/>
-          </a:bodyPr>
-          <a:lstStyle/>
-          <a:p>
-            <a:pPr>
-              <a:buFont typeface="Arial" panose="020B0604020202020204" pitchFamily="34" charset="0"/>
-            </a:pPr>
-            <a:r>
-              <a:rPr lang="en-US" altLang="zh-CN" sz="2400" b="1" dirty="0">
-                <a:solidFill>
-                  <a:srgbClr val="05B780"/>
-                </a:solidFill>
-                <a:latin typeface="Microsoft YaHei" panose="020B0503020204020204" pitchFamily="34" charset="-122"/>
-                <a:ea typeface="Microsoft YaHei" panose="020B0503020204020204" pitchFamily="34" charset="-122"/>
-              </a:rPr>
-              <a:t>Class Exercise</a:t>
-            </a:r>
-            <a:endParaRPr lang="en-US" altLang="zh-CN" sz="2400" b="1" dirty="0">
-              <a:solidFill>
-                <a:srgbClr val="05B780"/>
-              </a:solidFill>
-              <a:latin typeface="Microsoft YaHei" panose="020B0503020204020204" pitchFamily="34" charset="-122"/>
-              <a:ea typeface="Microsoft YaHei" panose="020B0503020204020204" pitchFamily="34" charset="-122"/>
-            </a:endParaRPr>
-          </a:p>
-        </p:txBody>
-      </p:sp>
-      <p:grpSp>
-        <p:nvGrpSpPr>
-          <p:cNvPr id="5160" name="组合 114"/>
-          <p:cNvGrpSpPr/>
-          <p:nvPr/>
-        </p:nvGrpSpPr>
-        <p:grpSpPr>
-          <a:xfrm>
-            <a:off x="6611614" y="2661011"/>
-            <a:ext cx="814394" cy="850900"/>
-            <a:chOff x="1473122" y="1521446"/>
-            <a:chExt cx="653650" cy="681967"/>
-          </a:xfrm>
-        </p:grpSpPr>
-        <p:sp>
-          <p:nvSpPr>
-            <p:cNvPr id="116" name="六边形 115"/>
-            <p:cNvSpPr/>
-            <p:nvPr/>
-          </p:nvSpPr>
-          <p:spPr>
-            <a:xfrm rot="5400000">
-              <a:off x="1425833" y="1568735"/>
-              <a:ext cx="681967" cy="587389"/>
-            </a:xfrm>
-            <a:prstGeom prst="hexagon">
-              <a:avLst>
-                <a:gd name="adj" fmla="val 27469"/>
-                <a:gd name="vf" fmla="val 115470"/>
-              </a:avLst>
-            </a:prstGeom>
-            <a:solidFill>
-              <a:srgbClr val="05B780"/>
-            </a:solidFill>
-            <a:ln>
-              <a:noFill/>
-            </a:ln>
-          </p:spPr>
-          <p:style>
-            <a:lnRef idx="2">
-              <a:schemeClr val="accent1">
-                <a:shade val="50000"/>
-              </a:schemeClr>
-            </a:lnRef>
-            <a:fillRef idx="1">
-              <a:schemeClr val="accent1"/>
-            </a:fillRef>
-            <a:effectRef idx="0">
-              <a:schemeClr val="accent1"/>
-            </a:effectRef>
-            <a:fontRef idx="minor">
-              <a:schemeClr val="lt1"/>
-            </a:fontRef>
-          </p:style>
-          <p:txBody>
-            <a:bodyPr anchor="ctr"/>
-            <a:lstStyle/>
-            <a:p>
-              <a:pPr marL="0" marR="0" lvl="0" indent="0" algn="ctr" defTabSz="914400" rtl="0" eaLnBrk="1" fontAlgn="auto" latinLnBrk="0" hangingPunct="1">
-                <a:lnSpc>
-                  <a:spcPct val="100000"/>
-                </a:lnSpc>
-                <a:spcBef>
-                  <a:spcPts val="0"/>
-                </a:spcBef>
-                <a:spcAft>
-                  <a:spcPts val="0"/>
-                </a:spcAft>
-                <a:buClrTx/>
-                <a:buSzTx/>
-                <a:buFontTx/>
-                <a:buNone/>
-                <a:defRPr/>
-              </a:pPr>
-              <a:endParaRPr kumimoji="0" lang="zh-CN" altLang="en-US" sz="1800" b="0" i="0" u="none" strike="noStrike" kern="1200" cap="none" spc="0" normalizeH="0" baseline="0" noProof="0">
-                <a:ln>
-                  <a:noFill/>
-                </a:ln>
-                <a:solidFill>
-                  <a:schemeClr val="lt1"/>
-                </a:solidFill>
-                <a:effectLst/>
-                <a:uLnTx/>
-                <a:uFillTx/>
-                <a:latin typeface="+mn-lt"/>
-                <a:ea typeface="+mn-ea"/>
-                <a:cs typeface="+mn-cs"/>
-              </a:endParaRPr>
-            </a:p>
-          </p:txBody>
-        </p:sp>
-        <p:sp>
-          <p:nvSpPr>
-            <p:cNvPr id="5162" name="文本框 116"/>
-            <p:cNvSpPr txBox="1"/>
-            <p:nvPr/>
-          </p:nvSpPr>
-          <p:spPr>
-            <a:xfrm>
-              <a:off x="1524732" y="1669097"/>
-              <a:ext cx="602040" cy="418341"/>
-            </a:xfrm>
-            <a:prstGeom prst="rect">
-              <a:avLst/>
-            </a:prstGeom>
-            <a:noFill/>
-            <a:ln w="9525">
-              <a:noFill/>
-            </a:ln>
-          </p:spPr>
-          <p:txBody>
-            <a:bodyPr anchor="t" anchorCtr="0">
-              <a:spAutoFit/>
-            </a:bodyPr>
-            <a:lstStyle/>
-            <a:p>
-              <a:pPr>
-                <a:buFont typeface="Arial" panose="020B0604020202020204" pitchFamily="34" charset="0"/>
-              </a:pPr>
-              <a:r>
-                <a:rPr lang="en-US" altLang="zh-CN" sz="2800" b="1" dirty="0">
-                  <a:solidFill>
-                    <a:schemeClr val="bg1"/>
-                  </a:solidFill>
-                  <a:latin typeface="Microsoft YaHei" panose="020B0503020204020204" pitchFamily="34" charset="-122"/>
-                  <a:ea typeface="Microsoft YaHei" panose="020B0503020204020204" pitchFamily="34" charset="-122"/>
-                </a:rPr>
-                <a:t>05</a:t>
-              </a:r>
-              <a:endParaRPr lang="zh-CN" altLang="en-US" sz="2800" b="1" dirty="0">
-                <a:solidFill>
-                  <a:schemeClr val="bg1"/>
-                </a:solidFill>
-                <a:latin typeface="Microsoft YaHei" panose="020B0503020204020204" pitchFamily="34" charset="-122"/>
-                <a:ea typeface="Microsoft YaHei" panose="020B0503020204020204" pitchFamily="34" charset="-122"/>
-              </a:endParaRPr>
-            </a:p>
-          </p:txBody>
-        </p:sp>
-      </p:grpSp>
-      <p:sp>
-        <p:nvSpPr>
-          <p:cNvPr id="13" name="文本框 111"/>
-          <p:cNvSpPr txBox="1"/>
-          <p:nvPr/>
-        </p:nvSpPr>
-        <p:spPr>
-          <a:xfrm>
-            <a:off x="1108710" y="5807442"/>
-            <a:ext cx="749935" cy="521970"/>
-          </a:xfrm>
-          <a:prstGeom prst="rect">
-            <a:avLst/>
-          </a:prstGeom>
-          <a:noFill/>
-          <a:ln w="9525">
-            <a:noFill/>
-          </a:ln>
-        </p:spPr>
-        <p:txBody>
-          <a:bodyPr anchor="t" anchorCtr="0">
-            <a:spAutoFit/>
-          </a:bodyPr>
-          <a:lstStyle/>
-          <a:p>
-            <a:pPr>
-              <a:buFont typeface="Arial" panose="020B0604020202020204" pitchFamily="34" charset="0"/>
-            </a:pPr>
-            <a:r>
-              <a:rPr lang="en-US" altLang="zh-CN" sz="2800" b="1" dirty="0">
-                <a:solidFill>
-                  <a:schemeClr val="bg1"/>
-                </a:solidFill>
-                <a:latin typeface="Microsoft YaHei" panose="020B0503020204020204" pitchFamily="34" charset="-122"/>
-                <a:ea typeface="Microsoft YaHei" panose="020B0503020204020204" pitchFamily="34" charset="-122"/>
-              </a:rPr>
-              <a:t>05</a:t>
-            </a:r>
-            <a:endParaRPr lang="zh-CN" altLang="en-US" sz="2800" b="1" dirty="0">
-              <a:solidFill>
-                <a:schemeClr val="bg1"/>
-              </a:solidFill>
-              <a:latin typeface="Microsoft YaHei" panose="020B0503020204020204" pitchFamily="34" charset="-122"/>
-              <a:ea typeface="Microsoft YaHei" panose="020B0503020204020204" pitchFamily="34" charset="-122"/>
-            </a:endParaRPr>
-          </a:p>
-        </p:txBody>
-      </p:sp>
-      <p:sp>
-        <p:nvSpPr>
-          <p:cNvPr id="8" name="矩形 5"/>
-          <p:cNvSpPr/>
-          <p:nvPr/>
-        </p:nvSpPr>
-        <p:spPr>
-          <a:xfrm>
-            <a:off x="1878965" y="2832100"/>
-            <a:ext cx="3322320" cy="449580"/>
-          </a:xfrm>
-          <a:prstGeom prst="rect">
-            <a:avLst/>
-          </a:prstGeom>
-          <a:noFill/>
-          <a:ln>
-            <a:solidFill>
-              <a:srgbClr val="05B780"/>
-            </a:solidFill>
-          </a:ln>
-        </p:spPr>
-        <p:style>
-          <a:lnRef idx="2">
-            <a:schemeClr val="accent1">
-              <a:shade val="50000"/>
-            </a:schemeClr>
-          </a:lnRef>
-          <a:fillRef idx="1">
-            <a:schemeClr val="accent1"/>
-          </a:fillRef>
-          <a:effectRef idx="0">
-            <a:schemeClr val="accent1"/>
-          </a:effectRef>
-          <a:fontRef idx="minor">
-            <a:schemeClr val="lt1"/>
-          </a:fontRef>
-        </p:style>
-        <p:txBody>
-          <a:bodyPr anchor="ctr"/>
-          <a:lstStyle/>
-          <a:p>
-            <a:pPr marL="0" marR="0" lvl="0" indent="0" algn="ctr" defTabSz="914400" rtl="0" eaLnBrk="1" fontAlgn="auto" latinLnBrk="0" hangingPunct="1">
-              <a:lnSpc>
-                <a:spcPct val="100000"/>
-              </a:lnSpc>
-              <a:spcBef>
-                <a:spcPts val="0"/>
-              </a:spcBef>
-              <a:spcAft>
-                <a:spcPts val="0"/>
-              </a:spcAft>
-              <a:buClrTx/>
-              <a:buSzTx/>
-              <a:buFontTx/>
-              <a:buNone/>
-              <a:defRPr/>
-            </a:pPr>
-            <a:endParaRPr kumimoji="0" lang="zh-CN" altLang="en-US" sz="1800" b="0" i="0" u="none" strike="noStrike" kern="1200" cap="none" spc="0" normalizeH="0" baseline="0" noProof="0">
-              <a:ln>
-                <a:noFill/>
-              </a:ln>
-              <a:solidFill>
-                <a:schemeClr val="lt1"/>
-              </a:solidFill>
-              <a:effectLst/>
-              <a:uLnTx/>
-              <a:uFillTx/>
-              <a:latin typeface="+mn-lt"/>
-              <a:ea typeface="+mn-ea"/>
-              <a:cs typeface="+mn-cs"/>
-            </a:endParaRPr>
-          </a:p>
-        </p:txBody>
-      </p:sp>
-      <p:sp>
-        <p:nvSpPr>
-          <p:cNvPr id="15" name="文本框 47"/>
-          <p:cNvSpPr txBox="1"/>
-          <p:nvPr/>
-        </p:nvSpPr>
-        <p:spPr>
-          <a:xfrm>
-            <a:off x="2156778" y="2835593"/>
-            <a:ext cx="2497137" cy="460375"/>
-          </a:xfrm>
-          <a:prstGeom prst="rect">
-            <a:avLst/>
-          </a:prstGeom>
-          <a:noFill/>
-          <a:ln w="9525">
-            <a:noFill/>
-          </a:ln>
-        </p:spPr>
-        <p:txBody>
-          <a:bodyPr wrap="square" anchor="t" anchorCtr="0">
-            <a:spAutoFit/>
-          </a:bodyPr>
-          <a:lstStyle/>
-          <a:p>
-            <a:pPr>
-              <a:buFont typeface="Arial" panose="020B0604020202020204" pitchFamily="34" charset="0"/>
-            </a:pPr>
-            <a:r>
-              <a:rPr lang="en-US" altLang="zh-CN" sz="2400" b="1" dirty="0">
-                <a:solidFill>
-                  <a:srgbClr val="05B780"/>
-                </a:solidFill>
-                <a:latin typeface="Microsoft YaHei" panose="020B0503020204020204" pitchFamily="34" charset="-122"/>
-                <a:ea typeface="Microsoft YaHei" panose="020B0503020204020204" pitchFamily="34" charset="-122"/>
-              </a:rPr>
-              <a:t>Binary Search</a:t>
-            </a:r>
-            <a:endParaRPr lang="en-US" altLang="zh-CN" sz="2400" b="1" dirty="0">
-              <a:solidFill>
-                <a:srgbClr val="05B780"/>
-              </a:solidFill>
-              <a:latin typeface="Microsoft YaHei" panose="020B0503020204020204" pitchFamily="34" charset="-122"/>
-              <a:ea typeface="Microsoft YaHei" panose="020B0503020204020204" pitchFamily="34" charset="-122"/>
-            </a:endParaRPr>
-          </a:p>
-        </p:txBody>
-      </p:sp>
-      <p:grpSp>
-        <p:nvGrpSpPr>
-          <p:cNvPr id="16" name="组合 3"/>
-          <p:cNvGrpSpPr/>
-          <p:nvPr/>
-        </p:nvGrpSpPr>
-        <p:grpSpPr>
-          <a:xfrm>
-            <a:off x="1167759" y="2641912"/>
-            <a:ext cx="814394" cy="849312"/>
-            <a:chOff x="1473122" y="1521446"/>
-            <a:chExt cx="653650" cy="681967"/>
-          </a:xfrm>
-        </p:grpSpPr>
-        <p:sp>
-          <p:nvSpPr>
-            <p:cNvPr id="17" name="六边形 2"/>
-            <p:cNvSpPr/>
-            <p:nvPr/>
-          </p:nvSpPr>
-          <p:spPr>
-            <a:xfrm rot="5400000">
-              <a:off x="1425833" y="1568735"/>
-              <a:ext cx="681967" cy="587389"/>
-            </a:xfrm>
-            <a:prstGeom prst="hexagon">
-              <a:avLst>
-                <a:gd name="adj" fmla="val 27469"/>
-                <a:gd name="vf" fmla="val 115470"/>
-              </a:avLst>
-            </a:prstGeom>
-            <a:solidFill>
-              <a:srgbClr val="05B780"/>
-            </a:solidFill>
-            <a:ln>
-              <a:noFill/>
-            </a:ln>
-          </p:spPr>
-          <p:style>
-            <a:lnRef idx="2">
-              <a:schemeClr val="accent1">
-                <a:shade val="50000"/>
-              </a:schemeClr>
-            </a:lnRef>
-            <a:fillRef idx="1">
-              <a:schemeClr val="accent1"/>
-            </a:fillRef>
-            <a:effectRef idx="0">
-              <a:schemeClr val="accent1"/>
-            </a:effectRef>
-            <a:fontRef idx="minor">
-              <a:schemeClr val="lt1"/>
-            </a:fontRef>
-          </p:style>
-          <p:txBody>
-            <a:bodyPr anchor="ctr"/>
-            <a:lstStyle/>
-            <a:p>
-              <a:pPr marL="0" marR="0" lvl="0" indent="0" algn="ctr" defTabSz="914400" rtl="0" eaLnBrk="1" fontAlgn="auto" latinLnBrk="0" hangingPunct="1">
-                <a:lnSpc>
-                  <a:spcPct val="100000"/>
-                </a:lnSpc>
-                <a:spcBef>
-                  <a:spcPts val="0"/>
-                </a:spcBef>
-                <a:spcAft>
-                  <a:spcPts val="0"/>
-                </a:spcAft>
-                <a:buClrTx/>
-                <a:buSzTx/>
-                <a:buFontTx/>
-                <a:buNone/>
-                <a:defRPr/>
-              </a:pPr>
-              <a:endParaRPr kumimoji="0" lang="zh-CN" altLang="en-US" sz="1800" b="0" i="0" u="none" strike="noStrike" kern="1200" cap="none" spc="0" normalizeH="0" baseline="0" noProof="0">
-                <a:ln>
-                  <a:noFill/>
-                </a:ln>
-                <a:solidFill>
-                  <a:schemeClr val="lt1"/>
-                </a:solidFill>
-                <a:effectLst/>
-                <a:uLnTx/>
-                <a:uFillTx/>
-                <a:latin typeface="+mn-lt"/>
-                <a:ea typeface="+mn-ea"/>
-                <a:cs typeface="+mn-cs"/>
-              </a:endParaRPr>
-            </a:p>
-          </p:txBody>
-        </p:sp>
-        <p:sp>
-          <p:nvSpPr>
-            <p:cNvPr id="18" name="文本框 46"/>
-            <p:cNvSpPr txBox="1"/>
-            <p:nvPr/>
-          </p:nvSpPr>
-          <p:spPr>
-            <a:xfrm>
-              <a:off x="1524732" y="1669097"/>
-              <a:ext cx="602040" cy="419123"/>
-            </a:xfrm>
-            <a:prstGeom prst="rect">
-              <a:avLst/>
-            </a:prstGeom>
-            <a:noFill/>
-            <a:ln w="9525">
-              <a:noFill/>
-            </a:ln>
-          </p:spPr>
-          <p:txBody>
-            <a:bodyPr anchor="t" anchorCtr="0">
-              <a:spAutoFit/>
-            </a:bodyPr>
-            <a:lstStyle/>
-            <a:p>
-              <a:pPr>
-                <a:buFont typeface="Arial" panose="020B0604020202020204" pitchFamily="34" charset="0"/>
-              </a:pPr>
-              <a:r>
-                <a:rPr lang="en-US" altLang="zh-CN" sz="2800" b="1" dirty="0">
-                  <a:solidFill>
-                    <a:schemeClr val="bg1"/>
-                  </a:solidFill>
-                  <a:latin typeface="Microsoft YaHei" panose="020B0503020204020204" pitchFamily="34" charset="-122"/>
-                  <a:ea typeface="Microsoft YaHei" panose="020B0503020204020204" pitchFamily="34" charset="-122"/>
-                </a:rPr>
-                <a:t>02</a:t>
-              </a:r>
-              <a:endParaRPr lang="zh-CN" altLang="en-US" sz="2800" b="1" dirty="0">
-                <a:solidFill>
-                  <a:schemeClr val="bg1"/>
-                </a:solidFill>
-                <a:latin typeface="Microsoft YaHei" panose="020B0503020204020204" pitchFamily="34" charset="-122"/>
-                <a:ea typeface="Microsoft YaHei" panose="020B0503020204020204" pitchFamily="34" charset="-122"/>
-              </a:endParaRPr>
-            </a:p>
-          </p:txBody>
-        </p:sp>
-      </p:grpSp>
-      <p:sp>
-        <p:nvSpPr>
-          <p:cNvPr id="19" name="矩形 5"/>
-          <p:cNvSpPr/>
-          <p:nvPr/>
-        </p:nvSpPr>
-        <p:spPr>
-          <a:xfrm>
-            <a:off x="1878965" y="3786505"/>
-            <a:ext cx="3322320" cy="449580"/>
-          </a:xfrm>
-          <a:prstGeom prst="rect">
-            <a:avLst/>
-          </a:prstGeom>
-          <a:noFill/>
-          <a:ln>
-            <a:solidFill>
-              <a:srgbClr val="05B780"/>
-            </a:solidFill>
-          </a:ln>
-        </p:spPr>
-        <p:style>
-          <a:lnRef idx="2">
-            <a:schemeClr val="accent1">
-              <a:shade val="50000"/>
-            </a:schemeClr>
-          </a:lnRef>
-          <a:fillRef idx="1">
-            <a:schemeClr val="accent1"/>
-          </a:fillRef>
-          <a:effectRef idx="0">
-            <a:schemeClr val="accent1"/>
-          </a:effectRef>
-          <a:fontRef idx="minor">
-            <a:schemeClr val="lt1"/>
-          </a:fontRef>
-        </p:style>
-        <p:txBody>
-          <a:bodyPr anchor="ctr"/>
-          <a:lstStyle/>
-          <a:p>
-            <a:pPr marL="0" marR="0" lvl="0" indent="0" algn="ctr" defTabSz="914400" rtl="0" eaLnBrk="1" fontAlgn="auto" latinLnBrk="0" hangingPunct="1">
-              <a:lnSpc>
-                <a:spcPct val="100000"/>
-              </a:lnSpc>
-              <a:spcBef>
-                <a:spcPts val="0"/>
-              </a:spcBef>
-              <a:spcAft>
-                <a:spcPts val="0"/>
-              </a:spcAft>
-              <a:buClrTx/>
-              <a:buSzTx/>
-              <a:buFontTx/>
-              <a:buNone/>
-              <a:defRPr/>
-            </a:pPr>
-            <a:endParaRPr kumimoji="0" lang="zh-CN" altLang="en-US" sz="1800" b="0" i="0" u="none" strike="noStrike" kern="1200" cap="none" spc="0" normalizeH="0" baseline="0" noProof="0">
-              <a:ln>
-                <a:noFill/>
-              </a:ln>
-              <a:solidFill>
-                <a:schemeClr val="lt1"/>
-              </a:solidFill>
-              <a:effectLst/>
-              <a:uLnTx/>
-              <a:uFillTx/>
-              <a:latin typeface="+mn-lt"/>
-              <a:ea typeface="+mn-ea"/>
-              <a:cs typeface="+mn-cs"/>
-            </a:endParaRPr>
-          </a:p>
-        </p:txBody>
-      </p:sp>
-      <p:sp>
-        <p:nvSpPr>
-          <p:cNvPr id="20" name="文本框 47"/>
-          <p:cNvSpPr txBox="1"/>
-          <p:nvPr/>
-        </p:nvSpPr>
-        <p:spPr>
-          <a:xfrm>
-            <a:off x="2156778" y="3789998"/>
-            <a:ext cx="3044507" cy="460375"/>
-          </a:xfrm>
-          <a:prstGeom prst="rect">
-            <a:avLst/>
-          </a:prstGeom>
-          <a:noFill/>
-          <a:ln w="9525">
-            <a:noFill/>
-          </a:ln>
-        </p:spPr>
-        <p:txBody>
-          <a:bodyPr wrap="square" anchor="t" anchorCtr="0">
-            <a:spAutoFit/>
-          </a:bodyPr>
-          <a:lstStyle/>
-          <a:p>
-            <a:pPr>
-              <a:buFont typeface="Arial" panose="020B0604020202020204" pitchFamily="34" charset="0"/>
-            </a:pPr>
-            <a:r>
-              <a:rPr lang="en-US" altLang="zh-CN" sz="2400" b="1" dirty="0" err="1">
-                <a:solidFill>
-                  <a:srgbClr val="05B780"/>
-                </a:solidFill>
-                <a:latin typeface="Microsoft YaHei" panose="020B0503020204020204" pitchFamily="34" charset="-122"/>
-                <a:ea typeface="Microsoft YaHei" panose="020B0503020204020204" pitchFamily="34" charset="-122"/>
-              </a:rPr>
-              <a:t>Two Pointers</a:t>
-            </a:r>
-            <a:endParaRPr lang="en-US" altLang="zh-CN" sz="2400" b="1" dirty="0">
-              <a:solidFill>
-                <a:srgbClr val="05B780"/>
-              </a:solidFill>
-              <a:latin typeface="Microsoft YaHei" panose="020B0503020204020204" pitchFamily="34" charset="-122"/>
-              <a:ea typeface="Microsoft YaHei" panose="020B0503020204020204" pitchFamily="34" charset="-122"/>
-            </a:endParaRPr>
-          </a:p>
-        </p:txBody>
-      </p:sp>
-      <p:grpSp>
-        <p:nvGrpSpPr>
-          <p:cNvPr id="21" name="组合 3"/>
-          <p:cNvGrpSpPr/>
-          <p:nvPr/>
-        </p:nvGrpSpPr>
-        <p:grpSpPr>
-          <a:xfrm>
-            <a:off x="1167759" y="3596317"/>
-            <a:ext cx="814394" cy="849312"/>
-            <a:chOff x="1473122" y="1521446"/>
-            <a:chExt cx="653650" cy="681967"/>
-          </a:xfrm>
-        </p:grpSpPr>
-        <p:sp>
-          <p:nvSpPr>
-            <p:cNvPr id="22" name="六边形 2"/>
-            <p:cNvSpPr/>
-            <p:nvPr/>
-          </p:nvSpPr>
-          <p:spPr>
-            <a:xfrm rot="5400000">
-              <a:off x="1425833" y="1568735"/>
-              <a:ext cx="681967" cy="587389"/>
-            </a:xfrm>
-            <a:prstGeom prst="hexagon">
-              <a:avLst>
-                <a:gd name="adj" fmla="val 27469"/>
-                <a:gd name="vf" fmla="val 115470"/>
-              </a:avLst>
-            </a:prstGeom>
-            <a:solidFill>
-              <a:srgbClr val="05B780"/>
-            </a:solidFill>
-            <a:ln>
-              <a:noFill/>
-            </a:ln>
-          </p:spPr>
-          <p:style>
-            <a:lnRef idx="2">
-              <a:schemeClr val="accent1">
-                <a:shade val="50000"/>
-              </a:schemeClr>
-            </a:lnRef>
-            <a:fillRef idx="1">
-              <a:schemeClr val="accent1"/>
-            </a:fillRef>
-            <a:effectRef idx="0">
-              <a:schemeClr val="accent1"/>
-            </a:effectRef>
-            <a:fontRef idx="minor">
-              <a:schemeClr val="lt1"/>
-            </a:fontRef>
-          </p:style>
-          <p:txBody>
-            <a:bodyPr anchor="ctr"/>
-            <a:lstStyle/>
-            <a:p>
-              <a:pPr marL="0" marR="0" lvl="0" indent="0" algn="ctr" defTabSz="914400" rtl="0" eaLnBrk="1" fontAlgn="auto" latinLnBrk="0" hangingPunct="1">
-                <a:lnSpc>
-                  <a:spcPct val="100000"/>
-                </a:lnSpc>
-                <a:spcBef>
-                  <a:spcPts val="0"/>
-                </a:spcBef>
-                <a:spcAft>
-                  <a:spcPts val="0"/>
-                </a:spcAft>
-                <a:buClrTx/>
-                <a:buSzTx/>
-                <a:buFontTx/>
-                <a:buNone/>
-                <a:defRPr/>
-              </a:pPr>
-              <a:endParaRPr kumimoji="0" lang="zh-CN" altLang="en-US" sz="1800" b="0" i="0" u="none" strike="noStrike" kern="1200" cap="none" spc="0" normalizeH="0" baseline="0" noProof="0">
-                <a:ln>
-                  <a:noFill/>
-                </a:ln>
-                <a:solidFill>
-                  <a:schemeClr val="lt1"/>
-                </a:solidFill>
-                <a:effectLst/>
-                <a:uLnTx/>
-                <a:uFillTx/>
-                <a:latin typeface="+mn-lt"/>
-                <a:ea typeface="+mn-ea"/>
-                <a:cs typeface="+mn-cs"/>
-              </a:endParaRPr>
-            </a:p>
-          </p:txBody>
-        </p:sp>
-        <p:sp>
-          <p:nvSpPr>
-            <p:cNvPr id="23" name="文本框 46"/>
-            <p:cNvSpPr txBox="1"/>
-            <p:nvPr/>
-          </p:nvSpPr>
-          <p:spPr>
-            <a:xfrm>
-              <a:off x="1524732" y="1669097"/>
-              <a:ext cx="602040" cy="419123"/>
-            </a:xfrm>
-            <a:prstGeom prst="rect">
-              <a:avLst/>
-            </a:prstGeom>
-            <a:noFill/>
-            <a:ln w="9525">
-              <a:noFill/>
-            </a:ln>
-          </p:spPr>
-          <p:txBody>
-            <a:bodyPr anchor="t" anchorCtr="0">
-              <a:spAutoFit/>
-            </a:bodyPr>
-            <a:lstStyle/>
-            <a:p>
-              <a:pPr>
-                <a:buFont typeface="Arial" panose="020B0604020202020204" pitchFamily="34" charset="0"/>
-              </a:pPr>
-              <a:r>
-                <a:rPr lang="en-US" altLang="zh-CN" sz="2800" b="1" dirty="0">
-                  <a:solidFill>
-                    <a:schemeClr val="bg1"/>
-                  </a:solidFill>
-                  <a:latin typeface="Microsoft YaHei" panose="020B0503020204020204" pitchFamily="34" charset="-122"/>
-                  <a:ea typeface="Microsoft YaHei" panose="020B0503020204020204" pitchFamily="34" charset="-122"/>
-                </a:rPr>
-                <a:t>03</a:t>
-              </a:r>
-              <a:endParaRPr lang="zh-CN" altLang="en-US" sz="2800" b="1" dirty="0">
-                <a:solidFill>
-                  <a:schemeClr val="bg1"/>
-                </a:solidFill>
-                <a:latin typeface="Microsoft YaHei" panose="020B0503020204020204" pitchFamily="34" charset="-122"/>
-                <a:ea typeface="Microsoft YaHei" panose="020B0503020204020204" pitchFamily="34" charset="-122"/>
-              </a:endParaRPr>
-            </a:p>
-          </p:txBody>
-        </p:sp>
-      </p:grpSp>
-      <p:sp>
-        <p:nvSpPr>
-          <p:cNvPr id="2" name="矩形 5"/>
-          <p:cNvSpPr/>
-          <p:nvPr/>
-        </p:nvSpPr>
-        <p:spPr>
-          <a:xfrm>
-            <a:off x="7322820" y="1871345"/>
-            <a:ext cx="3322320" cy="449580"/>
-          </a:xfrm>
-          <a:prstGeom prst="rect">
-            <a:avLst/>
-          </a:prstGeom>
-          <a:noFill/>
-          <a:ln>
-            <a:solidFill>
-              <a:srgbClr val="05B780"/>
-            </a:solidFill>
-          </a:ln>
-        </p:spPr>
-        <p:style>
-          <a:lnRef idx="2">
-            <a:schemeClr val="accent1">
-              <a:shade val="50000"/>
-            </a:schemeClr>
-          </a:lnRef>
-          <a:fillRef idx="1">
-            <a:schemeClr val="accent1"/>
-          </a:fillRef>
-          <a:effectRef idx="0">
-            <a:schemeClr val="accent1"/>
-          </a:effectRef>
-          <a:fontRef idx="minor">
-            <a:schemeClr val="lt1"/>
-          </a:fontRef>
-        </p:style>
-        <p:txBody>
-          <a:bodyPr anchor="ctr"/>
-          <a:p>
-            <a:pPr marL="0" marR="0" lvl="0" indent="0" algn="ctr" defTabSz="914400" rtl="0" eaLnBrk="1" fontAlgn="auto" latinLnBrk="0" hangingPunct="1">
-              <a:lnSpc>
-                <a:spcPct val="100000"/>
-              </a:lnSpc>
-              <a:spcBef>
-                <a:spcPts val="0"/>
-              </a:spcBef>
-              <a:spcAft>
-                <a:spcPts val="0"/>
-              </a:spcAft>
-              <a:buClrTx/>
-              <a:buSzTx/>
-              <a:buFontTx/>
-              <a:buNone/>
-              <a:defRPr/>
-            </a:pPr>
-            <a:endParaRPr kumimoji="0" lang="zh-CN" altLang="en-US" sz="1800" b="0" i="0" u="none" strike="noStrike" kern="1200" cap="none" spc="0" normalizeH="0" baseline="0" noProof="0">
-              <a:ln>
-                <a:noFill/>
-              </a:ln>
-              <a:solidFill>
-                <a:schemeClr val="lt1"/>
-              </a:solidFill>
-              <a:effectLst/>
-              <a:uLnTx/>
-              <a:uFillTx/>
-              <a:latin typeface="+mn-lt"/>
-              <a:ea typeface="+mn-ea"/>
-              <a:cs typeface="+mn-cs"/>
-            </a:endParaRPr>
-          </a:p>
-        </p:txBody>
-      </p:sp>
-      <p:sp>
-        <p:nvSpPr>
-          <p:cNvPr id="4" name="文本框 47"/>
-          <p:cNvSpPr txBox="1"/>
-          <p:nvPr/>
-        </p:nvSpPr>
-        <p:spPr>
-          <a:xfrm>
-            <a:off x="7600633" y="1874838"/>
-            <a:ext cx="3044507" cy="460375"/>
-          </a:xfrm>
-          <a:prstGeom prst="rect">
-            <a:avLst/>
-          </a:prstGeom>
-          <a:noFill/>
-          <a:ln w="9525">
-            <a:noFill/>
-          </a:ln>
-        </p:spPr>
-        <p:txBody>
-          <a:bodyPr wrap="square" anchor="t" anchorCtr="0">
-            <a:spAutoFit/>
-          </a:bodyPr>
-          <a:p>
-            <a:pPr>
-              <a:buFont typeface="Arial" panose="020B0604020202020204" pitchFamily="34" charset="0"/>
-            </a:pPr>
-            <a:r>
-              <a:rPr lang="en-US" altLang="zh-CN" sz="2400" b="1" dirty="0">
-                <a:solidFill>
-                  <a:srgbClr val="05B780"/>
-                </a:solidFill>
-                <a:latin typeface="Microsoft YaHei" panose="020B0503020204020204" pitchFamily="34" charset="-122"/>
-                <a:ea typeface="Microsoft YaHei" panose="020B0503020204020204" pitchFamily="34" charset="-122"/>
-              </a:rPr>
-              <a:t>Sliding Window</a:t>
-            </a:r>
-            <a:endParaRPr lang="en-US" altLang="zh-CN" sz="2400" b="1" dirty="0">
-              <a:solidFill>
-                <a:srgbClr val="05B780"/>
-              </a:solidFill>
-              <a:latin typeface="Microsoft YaHei" panose="020B0503020204020204" pitchFamily="34" charset="-122"/>
-              <a:ea typeface="Microsoft YaHei" panose="020B0503020204020204" pitchFamily="34" charset="-122"/>
-            </a:endParaRPr>
-          </a:p>
-        </p:txBody>
-      </p:sp>
-      <p:grpSp>
-        <p:nvGrpSpPr>
-          <p:cNvPr id="5" name="组合 3"/>
-          <p:cNvGrpSpPr/>
-          <p:nvPr/>
-        </p:nvGrpSpPr>
-        <p:grpSpPr>
-          <a:xfrm>
-            <a:off x="6611614" y="1681157"/>
-            <a:ext cx="814394" cy="849312"/>
-            <a:chOff x="1473122" y="1521446"/>
-            <a:chExt cx="653650" cy="681967"/>
-          </a:xfrm>
-        </p:grpSpPr>
-        <p:sp>
-          <p:nvSpPr>
-            <p:cNvPr id="7" name="六边形 2"/>
-            <p:cNvSpPr/>
-            <p:nvPr/>
-          </p:nvSpPr>
-          <p:spPr>
-            <a:xfrm rot="5400000">
-              <a:off x="1425833" y="1568735"/>
-              <a:ext cx="681967" cy="587389"/>
-            </a:xfrm>
-            <a:prstGeom prst="hexagon">
-              <a:avLst>
-                <a:gd name="adj" fmla="val 27469"/>
-                <a:gd name="vf" fmla="val 115470"/>
-              </a:avLst>
-            </a:prstGeom>
-            <a:solidFill>
-              <a:srgbClr val="05B780"/>
-            </a:solidFill>
-            <a:ln>
-              <a:noFill/>
-            </a:ln>
-          </p:spPr>
-          <p:style>
-            <a:lnRef idx="2">
-              <a:schemeClr val="accent1">
-                <a:shade val="50000"/>
-              </a:schemeClr>
-            </a:lnRef>
-            <a:fillRef idx="1">
-              <a:schemeClr val="accent1"/>
-            </a:fillRef>
-            <a:effectRef idx="0">
-              <a:schemeClr val="accent1"/>
-            </a:effectRef>
-            <a:fontRef idx="minor">
-              <a:schemeClr val="lt1"/>
-            </a:fontRef>
-          </p:style>
-          <p:txBody>
-            <a:bodyPr anchor="ctr"/>
-            <a:p>
-              <a:pPr marL="0" marR="0" lvl="0" indent="0" algn="ctr" defTabSz="914400" rtl="0" eaLnBrk="1" fontAlgn="auto" latinLnBrk="0" hangingPunct="1">
-                <a:lnSpc>
-                  <a:spcPct val="100000"/>
-                </a:lnSpc>
-                <a:spcBef>
-                  <a:spcPts val="0"/>
-                </a:spcBef>
-                <a:spcAft>
-                  <a:spcPts val="0"/>
-                </a:spcAft>
-                <a:buClrTx/>
-                <a:buSzTx/>
-                <a:buFontTx/>
-                <a:buNone/>
-                <a:defRPr/>
-              </a:pPr>
-              <a:endParaRPr kumimoji="0" lang="zh-CN" altLang="en-US" sz="1800" b="0" i="0" u="none" strike="noStrike" kern="1200" cap="none" spc="0" normalizeH="0" baseline="0" noProof="0">
-                <a:ln>
-                  <a:noFill/>
-                </a:ln>
-                <a:solidFill>
-                  <a:schemeClr val="lt1"/>
-                </a:solidFill>
-                <a:effectLst/>
-                <a:uLnTx/>
-                <a:uFillTx/>
-                <a:latin typeface="+mn-lt"/>
-                <a:ea typeface="+mn-ea"/>
-                <a:cs typeface="+mn-cs"/>
-              </a:endParaRPr>
-            </a:p>
-          </p:txBody>
-        </p:sp>
-        <p:sp>
-          <p:nvSpPr>
-            <p:cNvPr id="9" name="文本框 46"/>
-            <p:cNvSpPr txBox="1"/>
-            <p:nvPr/>
-          </p:nvSpPr>
-          <p:spPr>
-            <a:xfrm>
-              <a:off x="1524732" y="1669097"/>
-              <a:ext cx="602040" cy="419123"/>
-            </a:xfrm>
-            <a:prstGeom prst="rect">
-              <a:avLst/>
-            </a:prstGeom>
-            <a:noFill/>
-            <a:ln w="9525">
-              <a:noFill/>
-            </a:ln>
-          </p:spPr>
-          <p:txBody>
-            <a:bodyPr anchor="t" anchorCtr="0">
-              <a:spAutoFit/>
-            </a:bodyPr>
-            <a:p>
-              <a:pPr>
-                <a:buFont typeface="Arial" panose="020B0604020202020204" pitchFamily="34" charset="0"/>
-              </a:pPr>
-              <a:r>
-                <a:rPr lang="en-US" altLang="zh-CN" sz="2800" b="1" dirty="0">
-                  <a:solidFill>
-                    <a:schemeClr val="bg1"/>
-                  </a:solidFill>
-                  <a:latin typeface="Microsoft YaHei" panose="020B0503020204020204" pitchFamily="34" charset="-122"/>
-                  <a:ea typeface="Microsoft YaHei" panose="020B0503020204020204" pitchFamily="34" charset="-122"/>
-                </a:rPr>
-                <a:t>04</a:t>
-              </a:r>
-              <a:endParaRPr lang="zh-CN" altLang="en-US" sz="2800" b="1" dirty="0">
-                <a:solidFill>
-                  <a:schemeClr val="bg1"/>
-                </a:solidFill>
-                <a:latin typeface="Microsoft YaHei" panose="020B0503020204020204" pitchFamily="34" charset="-122"/>
-                <a:ea typeface="Microsoft YaHei" panose="020B0503020204020204" pitchFamily="34" charset="-122"/>
-              </a:endParaRPr>
-            </a:p>
-          </p:txBody>
-        </p:sp>
-      </p:grpSp>
     </p:spTree>
   </p:cSld>
   <p:clrMapOvr>
@@ -13057,7 +16333,15 @@
           <a:p>
             <a:r>
               <a:rPr lang="en-US" sz="3200" dirty="0"/>
-              <a:t>Binary search is an efficient array search algorithm. </a:t>
+              <a:t>Binary search is an efficient </a:t>
+            </a:r>
+            <a:r>
+              <a:rPr lang="en-US" sz="3200" b="1" dirty="0"/>
+              <a:t>array</a:t>
+            </a:r>
+            <a:r>
+              <a:rPr lang="en-US" sz="3200" dirty="0"/>
+              <a:t> search algorithm. </a:t>
             </a:r>
             <a:endParaRPr lang="en-US" sz="3200" dirty="0"/>
           </a:p>
@@ -13076,6 +16360,30 @@
               <a:t>If you have looked up a word in a physical dictionary, you've already used binary search in real life. </a:t>
             </a:r>
             <a:endParaRPr lang="en-US" sz="2740" dirty="0"/>
+          </a:p>
+          <a:p>
+            <a:pPr lvl="1"/>
+            <a:endParaRPr lang="en-US" sz="2740" dirty="0"/>
+          </a:p>
+          <a:p>
+            <a:pPr lvl="0"/>
+            <a:r>
+              <a:rPr lang="en-US" sz="3195" dirty="0"/>
+              <a:t>Binary Search is actually Decrease-And-Conquer</a:t>
+            </a:r>
+            <a:endParaRPr lang="en-US" sz="3195" dirty="0"/>
+          </a:p>
+          <a:p>
+            <a:pPr lvl="1"/>
+            <a:r>
+              <a:rPr lang="en-US" sz="2735" dirty="0"/>
+              <a:t>A variation of Divide-And-Conquer</a:t>
+            </a:r>
+            <a:endParaRPr lang="en-US" sz="2735" dirty="0"/>
+          </a:p>
+          <a:p>
+            <a:pPr lvl="0"/>
+            <a:endParaRPr lang="en-US" sz="3195" dirty="0"/>
           </a:p>
           <a:p>
             <a:pPr lvl="0"/>
@@ -13372,7 +16680,7 @@
                 <a:cs typeface="+mn-cs"/>
                 <a:sym typeface="+mn-ea"/>
               </a:rPr>
-              <a:t>Title</a:t>
+              <a:t>Intro to Binary Search Example</a:t>
             </a:r>
             <a:endParaRPr kumimoji="0" lang="en-US" altLang="zh-CN" sz="2800" b="1" i="0" u="none" strike="noStrike" kern="1200" cap="none" spc="0" normalizeH="0" baseline="0" noProof="0" dirty="0">
               <a:ln>
@@ -13414,6 +16722,24 @@
         <p:txBody>
           <a:bodyPr/>
           <a:lstStyle/>
+          <a:p>
+            <a:r>
+              <a:rPr lang="en-US" sz="3200" dirty="0"/>
+              <a:t>Consider this example:</a:t>
+            </a:r>
+            <a:endParaRPr lang="en-US" sz="3200" dirty="0"/>
+          </a:p>
+          <a:p>
+            <a:pPr lvl="1"/>
+            <a:r>
+              <a:rPr lang="en-US" sz="2740" dirty="0"/>
+              <a:t>Given a sorted array of integers and an integer called target, find the element that equals the target and return its index. If the element is not found, return -1.</a:t>
+            </a:r>
+            <a:endParaRPr lang="en-US" sz="2740" dirty="0"/>
+          </a:p>
+          <a:p>
+            <a:endParaRPr lang="en-US" sz="3200" dirty="0"/>
+          </a:p>
           <a:p>
             <a:endParaRPr lang="en-US" sz="3200" dirty="0"/>
           </a:p>

--- a/week6/week6_slides.pptx
+++ b/week6/week6_slides.pptx
@@ -6626,8 +6626,8 @@
         </p:nvSpPr>
         <p:spPr>
           <a:xfrm>
-            <a:off x="4348163" y="2402840"/>
-            <a:ext cx="5067300" cy="1076325"/>
+            <a:off x="4214178" y="2648585"/>
+            <a:ext cx="5067300" cy="583565"/>
           </a:xfrm>
           <a:prstGeom prst="rect">
             <a:avLst/>
@@ -6654,29 +6654,7 @@
                 <a:latin typeface="Microsoft YaHei" panose="020B0503020204020204" pitchFamily="34" charset="-122"/>
                 <a:ea typeface="Microsoft YaHei" panose="020B0503020204020204" pitchFamily="34" charset="-122"/>
               </a:rPr>
-              <a:t>Two Pointers &amp; </a:t>
-            </a:r>
-            <a:endParaRPr lang="en-US" altLang="zh-CN" sz="3200" b="1" dirty="0">
-              <a:solidFill>
-                <a:srgbClr val="05B780"/>
-              </a:solidFill>
-              <a:latin typeface="Microsoft YaHei" panose="020B0503020204020204" pitchFamily="34" charset="-122"/>
-              <a:ea typeface="Microsoft YaHei" panose="020B0503020204020204" pitchFamily="34" charset="-122"/>
-            </a:endParaRPr>
-          </a:p>
-          <a:p>
-            <a:pPr>
-              <a:buFont typeface="Arial" panose="020B0604020202020204" pitchFamily="34" charset="0"/>
-            </a:pPr>
-            <a:r>
-              <a:rPr lang="en-US" altLang="zh-CN" sz="3200" b="1" dirty="0">
-                <a:solidFill>
-                  <a:srgbClr val="05B780"/>
-                </a:solidFill>
-                <a:latin typeface="Microsoft YaHei" panose="020B0503020204020204" pitchFamily="34" charset="-122"/>
-                <a:ea typeface="Microsoft YaHei" panose="020B0503020204020204" pitchFamily="34" charset="-122"/>
-              </a:rPr>
-              <a:t>Sliding Window</a:t>
+              <a:t>Two Pointers</a:t>
             </a:r>
             <a:endParaRPr lang="en-US" altLang="zh-CN" sz="3200" b="1" dirty="0">
               <a:solidFill>
@@ -7171,6 +7149,14 @@
             <a:endParaRPr lang="en-US" sz="3200" b="1" dirty="0"/>
           </a:p>
           <a:p>
+            <a:pPr lvl="1"/>
+            <a:r>
+              <a:rPr lang="en-CA" altLang="en-US" sz="2740" dirty="0"/>
+              <a:t>The typical loop (ie for i in range...) is one pointer</a:t>
+            </a:r>
+            <a:endParaRPr lang="en-US" sz="2740" b="1" dirty="0"/>
+          </a:p>
+          <a:p>
             <a:r>
               <a:rPr lang="en-US" sz="3200" dirty="0"/>
               <a:t>It’s actually more of a paradigm than an algorithm, since there is no singular way to implement it</a:t>
@@ -7178,7 +7164,23 @@
             <a:endParaRPr lang="en-US" sz="3200" dirty="0"/>
           </a:p>
           <a:p>
-            <a:endParaRPr lang="en-US" sz="3200" dirty="0"/>
+            <a:r>
+              <a:rPr lang="en-CA" altLang="en-US" sz="3200" dirty="0"/>
+              <a:t>Typically this is used to </a:t>
+            </a:r>
+            <a:r>
+              <a:rPr lang="en-CA" altLang="en-US" sz="3200" b="1" dirty="0"/>
+              <a:t>search for pairs</a:t>
+            </a:r>
+            <a:r>
+              <a:rPr lang="en-CA" altLang="en-US" sz="3200" dirty="0"/>
+              <a:t> in a </a:t>
+            </a:r>
+            <a:r>
+              <a:rPr lang="en-CA" altLang="en-US" sz="3200" b="1" dirty="0"/>
+              <a:t>sorted array</a:t>
+            </a:r>
+            <a:endParaRPr lang="en-CA" altLang="en-US" sz="3200" b="1" dirty="0"/>
           </a:p>
         </p:txBody>
       </p:sp>
@@ -7875,7 +7877,50 @@
           <a:bodyPr/>
           <a:lstStyle/>
           <a:p>
-            <a:endParaRPr lang="en-US" sz="3200" dirty="0"/>
+            <a:r>
+              <a:rPr lang="en-CA" altLang="en-US" sz="3200" dirty="0"/>
+              <a:t>Sometimes known as the fast/slow pointers algorithm</a:t>
+            </a:r>
+            <a:endParaRPr lang="en-CA" altLang="en-US" sz="3200" dirty="0"/>
+          </a:p>
+          <a:p>
+            <a:r>
+              <a:rPr lang="en-CA" altLang="en-US" sz="3200" dirty="0"/>
+              <a:t>We setup two pointers that are initialized at the first element where:</a:t>
+            </a:r>
+            <a:endParaRPr lang="en-CA" altLang="en-US" sz="3200" dirty="0"/>
+          </a:p>
+          <a:p>
+            <a:pPr lvl="1"/>
+            <a:r>
+              <a:rPr lang="en-CA" altLang="en-US" sz="2740" dirty="0"/>
+              <a:t>P1 moves forward n steps every iteration</a:t>
+            </a:r>
+            <a:endParaRPr lang="en-CA" altLang="en-US" sz="2740" dirty="0"/>
+          </a:p>
+          <a:p>
+            <a:pPr lvl="2"/>
+            <a:r>
+              <a:rPr lang="en-CA" altLang="en-US" sz="2280" dirty="0"/>
+              <a:t>This is the primary iteration step (often n=1)</a:t>
+            </a:r>
+            <a:endParaRPr lang="en-CA" altLang="en-US" sz="2280" dirty="0"/>
+          </a:p>
+          <a:p>
+            <a:pPr lvl="1"/>
+            <a:r>
+              <a:rPr lang="en-CA" altLang="en-US" sz="2740" dirty="0"/>
+              <a:t>P2 moves forward m steps every m iterations</a:t>
+            </a:r>
+            <a:endParaRPr lang="en-CA" altLang="en-US" sz="2740" dirty="0"/>
+          </a:p>
+          <a:p>
+            <a:pPr lvl="2"/>
+            <a:r>
+              <a:rPr lang="en-CA" altLang="en-US" sz="2280" dirty="0"/>
+              <a:t>Only move P2 forward if some condition is met</a:t>
+            </a:r>
+            <a:endParaRPr lang="en-CA" altLang="en-US" sz="2280" dirty="0"/>
           </a:p>
         </p:txBody>
       </p:sp>
@@ -8211,7 +8256,43 @@
           <a:bodyPr/>
           <a:lstStyle/>
           <a:p>
-            <a:endParaRPr lang="en-US" sz="3200" dirty="0"/>
+            <a:r>
+              <a:rPr lang="en-CA" altLang="en-US" sz="3200" dirty="0"/>
+              <a:t>Two pointers are initialized at opposite ends of an array</a:t>
+            </a:r>
+            <a:endParaRPr lang="en-CA" altLang="en-US" sz="3200" dirty="0"/>
+          </a:p>
+          <a:p>
+            <a:pPr lvl="1"/>
+            <a:r>
+              <a:rPr lang="en-CA" altLang="en-US" sz="2740" dirty="0"/>
+              <a:t>P1 starts at index 0</a:t>
+            </a:r>
+            <a:endParaRPr lang="en-CA" altLang="en-US" sz="2740" dirty="0"/>
+          </a:p>
+          <a:p>
+            <a:pPr lvl="2"/>
+            <a:r>
+              <a:rPr lang="en-CA" altLang="en-US" sz="2280" dirty="0"/>
+              <a:t>moves forward n steps at each iteration</a:t>
+            </a:r>
+            <a:endParaRPr lang="en-CA" altLang="en-US" sz="2280" dirty="0"/>
+          </a:p>
+          <a:p>
+            <a:pPr lvl="1"/>
+            <a:r>
+              <a:rPr lang="en-CA" altLang="en-US" sz="2740" dirty="0"/>
+              <a:t>P2 starts at last index (usually found by calling len(array))</a:t>
+            </a:r>
+            <a:endParaRPr lang="en-CA" altLang="en-US" sz="2740" dirty="0"/>
+          </a:p>
+          <a:p>
+            <a:pPr lvl="2"/>
+            <a:r>
+              <a:rPr lang="en-CA" altLang="en-US" sz="2280" dirty="0"/>
+              <a:t>moves backward m steps at each iteration</a:t>
+            </a:r>
+            <a:endParaRPr lang="en-CA" altLang="en-US" sz="2280" dirty="0"/>
           </a:p>
         </p:txBody>
       </p:sp>
@@ -8547,7 +8628,43 @@
           <a:bodyPr/>
           <a:lstStyle/>
           <a:p>
-            <a:endParaRPr lang="en-US" sz="3200" dirty="0"/>
+            <a:r>
+              <a:rPr lang="en-CA" altLang="en-US" sz="3200" dirty="0"/>
+              <a:t>Variation of the two pointers same direction technique</a:t>
+            </a:r>
+            <a:endParaRPr lang="en-CA" altLang="en-US" sz="3200" dirty="0"/>
+          </a:p>
+          <a:p>
+            <a:pPr lvl="1"/>
+            <a:r>
+              <a:rPr lang="en-CA" altLang="en-US" sz="2740" dirty="0"/>
+              <a:t>A sliding window is defined by two pointers moving in the same direction</a:t>
+            </a:r>
+            <a:endParaRPr lang="en-CA" altLang="en-US" sz="2740" dirty="0"/>
+          </a:p>
+          <a:p>
+            <a:pPr lvl="1"/>
+            <a:r>
+              <a:rPr lang="en-CA" altLang="en-US" sz="2740" dirty="0"/>
+              <a:t>Instead of looking at the values at each pointer, we look at the values in between the two pointers</a:t>
+            </a:r>
+            <a:endParaRPr lang="en-CA" altLang="en-US" sz="2740" dirty="0"/>
+          </a:p>
+          <a:p>
+            <a:pPr lvl="0"/>
+            <a:r>
+              <a:rPr lang="en-CA" altLang="en-US" sz="3195" dirty="0"/>
+              <a:t>We move the window (incrementing either pointer) whilst maintaining a certain invariant</a:t>
+            </a:r>
+            <a:endParaRPr lang="en-CA" altLang="en-US" sz="3195" dirty="0"/>
+          </a:p>
+          <a:p>
+            <a:pPr lvl="1"/>
+            <a:r>
+              <a:rPr lang="en-CA" altLang="en-US" sz="2735" dirty="0"/>
+              <a:t>The “invariant” is the condition we’re looking to satisfy for a given problem</a:t>
+            </a:r>
+            <a:endParaRPr lang="en-CA" altLang="en-US" sz="2735" dirty="0"/>
           </a:p>
         </p:txBody>
       </p:sp>
@@ -9778,54 +9895,6 @@
           </a:p>
         </p:txBody>
       </p:sp>
-      <p:sp>
-        <p:nvSpPr>
-          <p:cNvPr id="20" name="文本框 47"/>
-          <p:cNvSpPr txBox="1"/>
-          <p:nvPr/>
-        </p:nvSpPr>
-        <p:spPr>
-          <a:xfrm>
-            <a:off x="2167255" y="3786505"/>
-            <a:ext cx="5047615" cy="398780"/>
-          </a:xfrm>
-          <a:prstGeom prst="rect">
-            <a:avLst/>
-          </a:prstGeom>
-          <a:noFill/>
-          <a:ln w="9525">
-            <a:noFill/>
-          </a:ln>
-        </p:spPr>
-        <p:txBody>
-          <a:bodyPr wrap="square" anchor="t" anchorCtr="0">
-            <a:spAutoFit/>
-          </a:bodyPr>
-          <a:lstStyle/>
-          <a:p>
-            <a:pPr>
-              <a:buFont typeface="Arial" panose="020B0604020202020204" pitchFamily="34" charset="0"/>
-            </a:pPr>
-            <a:r>
-              <a:rPr lang="en-US" altLang="zh-CN" sz="2000" b="1" dirty="0" err="1">
-                <a:solidFill>
-                  <a:srgbClr val="05B780"/>
-                </a:solidFill>
-                <a:latin typeface="Microsoft YaHei" panose="020B0503020204020204" pitchFamily="34" charset="-122"/>
-                <a:ea typeface="Microsoft YaHei" panose="020B0503020204020204" pitchFamily="34" charset="-122"/>
-              </a:rPr>
-              <a:t>Two Pointers &amp; Sliding Window</a:t>
-            </a:r>
-            <a:endParaRPr lang="en-US" altLang="zh-CN" sz="2000" b="1" dirty="0" err="1">
-              <a:solidFill>
-                <a:srgbClr val="05B780"/>
-              </a:solidFill>
-              <a:latin typeface="Microsoft YaHei" panose="020B0503020204020204" pitchFamily="34" charset="-122"/>
-              <a:ea typeface="Microsoft YaHei" panose="020B0503020204020204" pitchFamily="34" charset="-122"/>
-            </a:endParaRPr>
-          </a:p>
-        </p:txBody>
-      </p:sp>
       <p:grpSp>
         <p:nvGrpSpPr>
           <p:cNvPr id="21" name="组合 3"/>
@@ -9966,6 +10035,53 @@
           </p:txBody>
         </p:sp>
       </p:grpSp>
+      <p:sp>
+        <p:nvSpPr>
+          <p:cNvPr id="2" name="文本框 47"/>
+          <p:cNvSpPr txBox="1"/>
+          <p:nvPr/>
+        </p:nvSpPr>
+        <p:spPr>
+          <a:xfrm>
+            <a:off x="2157413" y="3786188"/>
+            <a:ext cx="2497137" cy="460375"/>
+          </a:xfrm>
+          <a:prstGeom prst="rect">
+            <a:avLst/>
+          </a:prstGeom>
+          <a:noFill/>
+          <a:ln w="9525">
+            <a:noFill/>
+          </a:ln>
+        </p:spPr>
+        <p:txBody>
+          <a:bodyPr wrap="square" anchor="t" anchorCtr="0">
+            <a:spAutoFit/>
+          </a:bodyPr>
+          <a:p>
+            <a:pPr>
+              <a:buFont typeface="Arial" panose="020B0604020202020204" pitchFamily="34" charset="0"/>
+            </a:pPr>
+            <a:r>
+              <a:rPr lang="en-CA" altLang="en-US" sz="2400" b="1" dirty="0">
+                <a:solidFill>
+                  <a:srgbClr val="05B780"/>
+                </a:solidFill>
+                <a:latin typeface="Microsoft YaHei" panose="020B0503020204020204" pitchFamily="34" charset="-122"/>
+                <a:ea typeface="Microsoft YaHei" panose="020B0503020204020204" pitchFamily="34" charset="-122"/>
+              </a:rPr>
+              <a:t>Two Pointers</a:t>
+            </a:r>
+            <a:endParaRPr lang="en-CA" altLang="en-US" sz="2400" b="1" dirty="0">
+              <a:solidFill>
+                <a:srgbClr val="05B780"/>
+              </a:solidFill>
+              <a:latin typeface="Microsoft YaHei" panose="020B0503020204020204" pitchFamily="34" charset="-122"/>
+              <a:ea typeface="Microsoft YaHei" panose="020B0503020204020204" pitchFamily="34" charset="-122"/>
+            </a:endParaRPr>
+          </a:p>
+        </p:txBody>
+      </p:sp>
     </p:spTree>
   </p:cSld>
   <p:clrMapOvr>
@@ -10300,7 +10416,23 @@
           <a:p>
             <a:r>
               <a:rPr lang="en-US" sz="3200" dirty="0"/>
-              <a:t>The two-pointer technique is not limited to arrays. Two pointer can be done on other structures, like linked list, as long as they are </a:t>
+              <a:t>The two-pointer technique is not limited to arrays. Two pointer can be done on other </a:t>
+            </a:r>
+            <a:r>
+              <a:rPr lang="en-CA" altLang="en-US" sz="3200" dirty="0"/>
+              <a:t>1D </a:t>
+            </a:r>
+            <a:r>
+              <a:rPr lang="en-US" sz="3200" dirty="0"/>
+              <a:t>structures</a:t>
+            </a:r>
+            <a:r>
+              <a:rPr lang="en-CA" altLang="en-US" sz="3200" dirty="0"/>
+              <a:t> </a:t>
+            </a:r>
+            <a:r>
+              <a:rPr lang="en-US" sz="3200" dirty="0"/>
+              <a:t>as long as they are </a:t>
             </a:r>
             <a:r>
               <a:rPr lang="en-US" sz="3200" b="1" dirty="0"/>
@@ -10313,7 +10445,12 @@
             <a:endParaRPr lang="en-US" sz="3200" dirty="0"/>
           </a:p>
           <a:p>
-            <a:endParaRPr lang="en-US" sz="3200" dirty="0"/>
+            <a:pPr lvl="1"/>
+            <a:r>
+              <a:rPr lang="en-CA" altLang="en-US" sz="2740" dirty="0"/>
+              <a:t>Ie. Linked Lists, 1D DAGs (Directed Acyclic Graphs)</a:t>
+            </a:r>
+            <a:endParaRPr lang="en-US" sz="2740" dirty="0"/>
           </a:p>
           <a:p>
             <a:endParaRPr lang="en-US" sz="3200" dirty="0"/>
@@ -11769,7 +11906,7 @@
               <a:defRPr/>
             </a:pPr>
             <a:r>
-              <a:rPr lang="en-US" sz="3600" dirty="0">
+              <a:rPr lang="en-US" sz="3600" b="1" dirty="0">
                 <a:sym typeface="+mn-ea"/>
               </a:rPr>
               <a:t>Best Time to Buy and Sell Stock</a:t>
@@ -12133,7 +12270,7 @@
               <a:defRPr/>
             </a:pPr>
             <a:r>
-              <a:rPr lang="en-US" sz="3600" dirty="0">
+              <a:rPr lang="en-US" sz="3600" b="1" dirty="0">
                 <a:sym typeface="+mn-ea"/>
               </a:rPr>
               <a:t>Prefix Sum: Subarray Sum Problem</a:t>
@@ -12508,7 +12645,28 @@
               </a:rPr>
               <a:t>Homework</a:t>
             </a:r>
-            <a:endParaRPr kumimoji="0" lang="en-US" altLang="zh-CN" sz="2800" b="1" i="0" u="none" strike="noStrike" kern="1200" cap="none" spc="0" normalizeH="0" baseline="0" noProof="0" dirty="0">
+            <a:r>
+              <a:rPr kumimoji="0" lang="en-CA" altLang="en-US" sz="2800" b="1" i="0" u="none" strike="noStrike" kern="1200" cap="none" spc="0" normalizeH="0" baseline="0" noProof="0" dirty="0">
+                <a:ln>
+                  <a:noFill/>
+                </a:ln>
+                <a:solidFill>
+                  <a:schemeClr val="tx1">
+                    <a:lumMod val="85000"/>
+                    <a:lumOff val="15000"/>
+                  </a:schemeClr>
+                </a:solidFill>
+                <a:effectLst/>
+                <a:uLnTx/>
+                <a:uFillTx/>
+                <a:latin typeface="Microsoft YaHei" panose="020B0503020204020204" pitchFamily="34" charset="-122"/>
+                <a:ea typeface="Microsoft YaHei" panose="020B0503020204020204" pitchFamily="34" charset="-122"/>
+                <a:cs typeface="+mn-cs"/>
+                <a:sym typeface="+mn-ea"/>
+              </a:rPr>
+              <a:t> - Revisit Unique Elements in Array</a:t>
+            </a:r>
+            <a:endParaRPr kumimoji="0" lang="en-CA" altLang="en-US" sz="2800" b="1" i="0" u="none" strike="noStrike" kern="1200" cap="none" spc="0" normalizeH="0" baseline="0" noProof="0" dirty="0">
               <a:ln>
                 <a:noFill/>
               </a:ln>
@@ -12569,7 +12727,11 @@
               <a:rPr lang="en-US" sz="2740" dirty="0"/>
               <a:t>Constraint: Must solve in less than O(n) time</a:t>
             </a:r>
-            <a:endParaRPr lang="en-US" sz="2740" dirty="0"/>
+            <a:r>
+              <a:rPr lang="en-CA" altLang="en-US" sz="2740" dirty="0"/>
+              <a:t> where n is number of elements in array</a:t>
+            </a:r>
+            <a:endParaRPr lang="en-CA" altLang="en-US" sz="2740" dirty="0"/>
           </a:p>
           <a:p>
             <a:pPr lvl="1"/>
@@ -14577,7 +14739,49 @@
                 <a:cs typeface="+mn-cs"/>
                 <a:sym typeface="+mn-ea"/>
               </a:rPr>
-              <a:t>Week4 Recap</a:t>
+              <a:t>Week</a:t>
+            </a:r>
+            <a:r>
+              <a:rPr kumimoji="0" lang="en-CA" altLang="en-US" sz="2800" b="1" i="0" u="none" strike="noStrike" kern="1200" cap="none" spc="0" normalizeH="0" baseline="0" noProof="0" dirty="0">
+                <a:ln>
+                  <a:noFill/>
+                </a:ln>
+                <a:solidFill>
+                  <a:schemeClr val="tx1">
+                    <a:lumMod val="85000"/>
+                    <a:lumOff val="15000"/>
+                  </a:schemeClr>
+                </a:solidFill>
+                <a:effectLst/>
+                <a:uLnTx/>
+                <a:uFillTx/>
+                <a:latin typeface="Microsoft YaHei" panose="020B0503020204020204" pitchFamily="34" charset="-122"/>
+                <a:ea typeface="Microsoft YaHei" panose="020B0503020204020204" pitchFamily="34" charset="-122"/>
+                <a:cs typeface="+mn-cs"/>
+                <a:sym typeface="+mn-ea"/>
+              </a:rPr>
+              <a:t>5</a:t>
+            </a:r>
+            <a:r>
+              <a:rPr kumimoji="0" lang="en-US" altLang="zh-CN" sz="2800" b="1" i="0" u="none" strike="noStrike" kern="1200" cap="none" spc="0" normalizeH="0" baseline="0" noProof="0" dirty="0">
+                <a:ln>
+                  <a:noFill/>
+                </a:ln>
+                <a:solidFill>
+                  <a:schemeClr val="tx1">
+                    <a:lumMod val="85000"/>
+                    <a:lumOff val="15000"/>
+                  </a:schemeClr>
+                </a:solidFill>
+                <a:effectLst/>
+                <a:uLnTx/>
+                <a:uFillTx/>
+                <a:latin typeface="Microsoft YaHei" panose="020B0503020204020204" pitchFamily="34" charset="-122"/>
+                <a:ea typeface="Microsoft YaHei" panose="020B0503020204020204" pitchFamily="34" charset="-122"/>
+                <a:cs typeface="+mn-cs"/>
+                <a:sym typeface="+mn-ea"/>
+              </a:rPr>
+              <a:t> Recap</a:t>
             </a:r>
             <a:endParaRPr kumimoji="0" lang="en-US" altLang="zh-CN" sz="2800" b="1" i="0" u="none" strike="noStrike" kern="1200" cap="none" spc="0" normalizeH="0" baseline="0" noProof="0" dirty="0">
               <a:ln>
@@ -16733,7 +16937,15 @@
             <a:pPr lvl="1"/>
             <a:r>
               <a:rPr lang="en-US" sz="2740" dirty="0"/>
-              <a:t>Given a sorted array of integers and an integer called target, find the element that equals the target and return its index. If the element is not found, return -1.</a:t>
+              <a:t>Given a sorted array of integers and an integer called target, find the element that equals the target and return its index. If the element is not found, return -1</a:t>
+            </a:r>
+            <a:endParaRPr lang="en-US" sz="2740" dirty="0"/>
+          </a:p>
+          <a:p>
+            <a:pPr lvl="1"/>
+            <a:r>
+              <a:rPr lang="en-CA" altLang="en-US" sz="2740" dirty="0"/>
+              <a:t>We want to do this without looking through the entire array (we want less than O(n) time complexity)</a:t>
             </a:r>
             <a:endParaRPr lang="en-US" sz="2740" dirty="0"/>
           </a:p>

--- a/week6/week6_slides.pptx
+++ b/week6/week6_slides.pptx
@@ -5091,9 +5091,19 @@
                 <a:latin typeface="Microsoft YaHei" panose="020B0503020204020204" pitchFamily="34" charset="-122"/>
                 <a:ea typeface="Microsoft YaHei" panose="020B0503020204020204" pitchFamily="34" charset="-122"/>
               </a:rPr>
-              <a:t>2.1</a:t>
-            </a:r>
-            <a:endParaRPr lang="en-US" altLang="zh-CN" sz="2800" b="1" dirty="0">
+              <a:t>2.</a:t>
+            </a:r>
+            <a:r>
+              <a:rPr lang="en-CA" altLang="en-US" sz="2800" b="1" dirty="0">
+                <a:solidFill>
+                  <a:schemeClr val="bg1"/>
+                </a:solidFill>
+                <a:latin typeface="Microsoft YaHei" panose="020B0503020204020204" pitchFamily="34" charset="-122"/>
+                <a:ea typeface="Microsoft YaHei" panose="020B0503020204020204" pitchFamily="34" charset="-122"/>
+              </a:rPr>
+              <a:t>3</a:t>
+            </a:r>
+            <a:endParaRPr lang="en-CA" altLang="en-US" sz="2800" b="1" dirty="0">
               <a:solidFill>
                 <a:schemeClr val="bg1"/>
               </a:solidFill>
@@ -5474,9 +5484,19 @@
                 <a:latin typeface="Microsoft YaHei" panose="020B0503020204020204" pitchFamily="34" charset="-122"/>
                 <a:ea typeface="Microsoft YaHei" panose="020B0503020204020204" pitchFamily="34" charset="-122"/>
               </a:rPr>
-              <a:t>2.1</a:t>
-            </a:r>
-            <a:endParaRPr lang="en-US" altLang="zh-CN" sz="2800" b="1" dirty="0">
+              <a:t>2.</a:t>
+            </a:r>
+            <a:r>
+              <a:rPr lang="en-CA" altLang="en-US" sz="2800" b="1" dirty="0">
+                <a:solidFill>
+                  <a:schemeClr val="bg1"/>
+                </a:solidFill>
+                <a:latin typeface="Microsoft YaHei" panose="020B0503020204020204" pitchFamily="34" charset="-122"/>
+                <a:ea typeface="Microsoft YaHei" panose="020B0503020204020204" pitchFamily="34" charset="-122"/>
+              </a:rPr>
+              <a:t>4</a:t>
+            </a:r>
+            <a:endParaRPr lang="en-CA" altLang="en-US" sz="2800" b="1" dirty="0">
               <a:solidFill>
                 <a:schemeClr val="bg1"/>
               </a:solidFill>
@@ -5837,9 +5857,19 @@
                 <a:latin typeface="Microsoft YaHei" panose="020B0503020204020204" pitchFamily="34" charset="-122"/>
                 <a:ea typeface="Microsoft YaHei" panose="020B0503020204020204" pitchFamily="34" charset="-122"/>
               </a:rPr>
-              <a:t>2.1</a:t>
-            </a:r>
-            <a:endParaRPr lang="en-US" altLang="zh-CN" sz="2800" b="1" dirty="0">
+              <a:t>2.</a:t>
+            </a:r>
+            <a:r>
+              <a:rPr lang="en-CA" altLang="en-US" sz="2800" b="1" dirty="0">
+                <a:solidFill>
+                  <a:schemeClr val="bg1"/>
+                </a:solidFill>
+                <a:latin typeface="Microsoft YaHei" panose="020B0503020204020204" pitchFamily="34" charset="-122"/>
+                <a:ea typeface="Microsoft YaHei" panose="020B0503020204020204" pitchFamily="34" charset="-122"/>
+              </a:rPr>
+              <a:t>5</a:t>
+            </a:r>
+            <a:endParaRPr lang="en-CA" altLang="en-US" sz="2800" b="1" dirty="0">
               <a:solidFill>
                 <a:schemeClr val="bg1"/>
               </a:solidFill>
@@ -5989,6 +6019,13 @@
             </a:r>
             <a:endParaRPr lang="en-US" sz="3200" dirty="0"/>
           </a:p>
+          <a:p>
+            <a:r>
+              <a:rPr lang="en-CA" altLang="en-US" sz="3200" dirty="0"/>
+              <a:t>Question: What’s the time complexity of Binary Search on Linked List?</a:t>
+            </a:r>
+            <a:endParaRPr lang="en-CA" altLang="en-US" sz="3200" dirty="0"/>
+          </a:p>
         </p:txBody>
       </p:sp>
     </p:spTree>
@@ -6177,6 +6214,16 @@
               <a:buFont typeface="Arial" panose="020B0604020202020204" pitchFamily="34" charset="0"/>
             </a:pPr>
             <a:r>
+              <a:rPr lang="en-CA" altLang="en-US" sz="2800" b="1" dirty="0">
+                <a:solidFill>
+                  <a:schemeClr val="bg1"/>
+                </a:solidFill>
+                <a:latin typeface="Microsoft YaHei" panose="020B0503020204020204" pitchFamily="34" charset="-122"/>
+                <a:ea typeface="Microsoft YaHei" panose="020B0503020204020204" pitchFamily="34" charset="-122"/>
+              </a:rPr>
+              <a:t>2</a:t>
+            </a:r>
+            <a:r>
               <a:rPr lang="en-US" altLang="zh-CN" sz="2800" b="1" dirty="0">
                 <a:solidFill>
                   <a:schemeClr val="bg1"/>
@@ -6184,9 +6231,19 @@
                 <a:latin typeface="Microsoft YaHei" panose="020B0503020204020204" pitchFamily="34" charset="-122"/>
                 <a:ea typeface="Microsoft YaHei" panose="020B0503020204020204" pitchFamily="34" charset="-122"/>
               </a:rPr>
-              <a:t>3.1</a:t>
-            </a:r>
-            <a:endParaRPr lang="en-US" altLang="zh-CN" sz="2800" b="1" dirty="0">
+              <a:t>.</a:t>
+            </a:r>
+            <a:r>
+              <a:rPr lang="en-CA" altLang="en-US" sz="2800" b="1" dirty="0">
+                <a:solidFill>
+                  <a:schemeClr val="bg1"/>
+                </a:solidFill>
+                <a:latin typeface="Microsoft YaHei" panose="020B0503020204020204" pitchFamily="34" charset="-122"/>
+                <a:ea typeface="Microsoft YaHei" panose="020B0503020204020204" pitchFamily="34" charset="-122"/>
+              </a:rPr>
+              <a:t>6</a:t>
+            </a:r>
+            <a:endParaRPr lang="en-CA" altLang="en-US" sz="2800" b="1" dirty="0">
               <a:solidFill>
                 <a:schemeClr val="bg1"/>
               </a:solidFill>
@@ -7377,9 +7434,19 @@
                 <a:latin typeface="Microsoft YaHei" panose="020B0503020204020204" pitchFamily="34" charset="-122"/>
                 <a:ea typeface="Microsoft YaHei" panose="020B0503020204020204" pitchFamily="34" charset="-122"/>
               </a:rPr>
-              <a:t>3.1</a:t>
-            </a:r>
-            <a:endParaRPr lang="en-US" altLang="zh-CN" sz="2800" b="1" dirty="0">
+              <a:t>3.</a:t>
+            </a:r>
+            <a:r>
+              <a:rPr lang="en-CA" altLang="en-US" sz="2800" b="1" dirty="0">
+                <a:solidFill>
+                  <a:schemeClr val="bg1"/>
+                </a:solidFill>
+                <a:latin typeface="Microsoft YaHei" panose="020B0503020204020204" pitchFamily="34" charset="-122"/>
+                <a:ea typeface="Microsoft YaHei" panose="020B0503020204020204" pitchFamily="34" charset="-122"/>
+              </a:rPr>
+              <a:t>2</a:t>
+            </a:r>
+            <a:endParaRPr lang="en-CA" altLang="en-US" sz="2800" b="1" dirty="0">
               <a:solidFill>
                 <a:schemeClr val="bg1"/>
               </a:solidFill>
@@ -7738,9 +7805,19 @@
                 <a:latin typeface="Microsoft YaHei" panose="020B0503020204020204" pitchFamily="34" charset="-122"/>
                 <a:ea typeface="Microsoft YaHei" panose="020B0503020204020204" pitchFamily="34" charset="-122"/>
               </a:rPr>
-              <a:t>3.1</a:t>
-            </a:r>
-            <a:endParaRPr lang="en-US" altLang="zh-CN" sz="2800" b="1" dirty="0">
+              <a:t>3.</a:t>
+            </a:r>
+            <a:r>
+              <a:rPr lang="en-CA" altLang="en-US" sz="2800" b="1" dirty="0">
+                <a:solidFill>
+                  <a:schemeClr val="bg1"/>
+                </a:solidFill>
+                <a:latin typeface="Microsoft YaHei" panose="020B0503020204020204" pitchFamily="34" charset="-122"/>
+                <a:ea typeface="Microsoft YaHei" panose="020B0503020204020204" pitchFamily="34" charset="-122"/>
+              </a:rPr>
+              <a:t>3</a:t>
+            </a:r>
+            <a:endParaRPr lang="en-CA" altLang="en-US" sz="2800" b="1" dirty="0">
               <a:solidFill>
                 <a:schemeClr val="bg1"/>
               </a:solidFill>
@@ -8117,9 +8194,19 @@
                 <a:latin typeface="Microsoft YaHei" panose="020B0503020204020204" pitchFamily="34" charset="-122"/>
                 <a:ea typeface="Microsoft YaHei" panose="020B0503020204020204" pitchFamily="34" charset="-122"/>
               </a:rPr>
-              <a:t>3.1</a:t>
-            </a:r>
-            <a:endParaRPr lang="en-US" altLang="zh-CN" sz="2800" b="1" dirty="0">
+              <a:t>3.</a:t>
+            </a:r>
+            <a:r>
+              <a:rPr lang="en-CA" altLang="en-US" sz="2800" b="1" dirty="0">
+                <a:solidFill>
+                  <a:schemeClr val="bg1"/>
+                </a:solidFill>
+                <a:latin typeface="Microsoft YaHei" panose="020B0503020204020204" pitchFamily="34" charset="-122"/>
+                <a:ea typeface="Microsoft YaHei" panose="020B0503020204020204" pitchFamily="34" charset="-122"/>
+              </a:rPr>
+              <a:t>4</a:t>
+            </a:r>
+            <a:endParaRPr lang="en-CA" altLang="en-US" sz="2800" b="1" dirty="0">
               <a:solidFill>
                 <a:schemeClr val="bg1"/>
               </a:solidFill>
@@ -8489,9 +8576,19 @@
                 <a:latin typeface="Microsoft YaHei" panose="020B0503020204020204" pitchFamily="34" charset="-122"/>
                 <a:ea typeface="Microsoft YaHei" panose="020B0503020204020204" pitchFamily="34" charset="-122"/>
               </a:rPr>
-              <a:t>3.1</a:t>
-            </a:r>
-            <a:endParaRPr lang="en-US" altLang="zh-CN" sz="2800" b="1" dirty="0">
+              <a:t>3.</a:t>
+            </a:r>
+            <a:r>
+              <a:rPr lang="en-CA" altLang="en-US" sz="2800" b="1" dirty="0">
+                <a:solidFill>
+                  <a:schemeClr val="bg1"/>
+                </a:solidFill>
+                <a:latin typeface="Microsoft YaHei" panose="020B0503020204020204" pitchFamily="34" charset="-122"/>
+                <a:ea typeface="Microsoft YaHei" panose="020B0503020204020204" pitchFamily="34" charset="-122"/>
+              </a:rPr>
+              <a:t>5</a:t>
+            </a:r>
+            <a:endParaRPr lang="en-CA" altLang="en-US" sz="2800" b="1" dirty="0">
               <a:solidFill>
                 <a:schemeClr val="bg1"/>
               </a:solidFill>
@@ -10275,9 +10372,19 @@
                 <a:latin typeface="Microsoft YaHei" panose="020B0503020204020204" pitchFamily="34" charset="-122"/>
                 <a:ea typeface="Microsoft YaHei" panose="020B0503020204020204" pitchFamily="34" charset="-122"/>
               </a:rPr>
-              <a:t>3.1</a:t>
-            </a:r>
-            <a:endParaRPr lang="en-US" altLang="zh-CN" sz="2800" b="1" dirty="0">
+              <a:t>3.</a:t>
+            </a:r>
+            <a:r>
+              <a:rPr lang="en-CA" altLang="en-US" sz="2800" b="1" dirty="0">
+                <a:solidFill>
+                  <a:schemeClr val="bg1"/>
+                </a:solidFill>
+                <a:latin typeface="Microsoft YaHei" panose="020B0503020204020204" pitchFamily="34" charset="-122"/>
+                <a:ea typeface="Microsoft YaHei" panose="020B0503020204020204" pitchFamily="34" charset="-122"/>
+              </a:rPr>
+              <a:t>6</a:t>
+            </a:r>
+            <a:endParaRPr lang="en-CA" altLang="en-US" sz="2800" b="1" dirty="0">
               <a:solidFill>
                 <a:schemeClr val="bg1"/>
               </a:solidFill>
@@ -10650,9 +10757,19 @@
                 <a:latin typeface="Microsoft YaHei" panose="020B0503020204020204" pitchFamily="34" charset="-122"/>
                 <a:ea typeface="Microsoft YaHei" panose="020B0503020204020204" pitchFamily="34" charset="-122"/>
               </a:rPr>
-              <a:t>3.1</a:t>
-            </a:r>
-            <a:endParaRPr lang="en-US" altLang="zh-CN" sz="2800" b="1" dirty="0">
+              <a:t>3.</a:t>
+            </a:r>
+            <a:r>
+              <a:rPr lang="en-CA" altLang="en-US" sz="2800" b="1" dirty="0">
+                <a:solidFill>
+                  <a:schemeClr val="bg1"/>
+                </a:solidFill>
+                <a:latin typeface="Microsoft YaHei" panose="020B0503020204020204" pitchFamily="34" charset="-122"/>
+                <a:ea typeface="Microsoft YaHei" panose="020B0503020204020204" pitchFamily="34" charset="-122"/>
+              </a:rPr>
+              <a:t>7</a:t>
+            </a:r>
+            <a:endParaRPr lang="en-CA" altLang="en-US" sz="2800" b="1" dirty="0">
               <a:solidFill>
                 <a:schemeClr val="bg1"/>
               </a:solidFill>
@@ -10997,6 +11114,16 @@
               <a:buFont typeface="Arial" panose="020B0604020202020204" pitchFamily="34" charset="0"/>
             </a:pPr>
             <a:r>
+              <a:rPr lang="en-CA" altLang="en-US" sz="2800" b="1" dirty="0">
+                <a:solidFill>
+                  <a:schemeClr val="bg1"/>
+                </a:solidFill>
+                <a:latin typeface="Microsoft YaHei" panose="020B0503020204020204" pitchFamily="34" charset="-122"/>
+                <a:ea typeface="Microsoft YaHei" panose="020B0503020204020204" pitchFamily="34" charset="-122"/>
+              </a:rPr>
+              <a:t>3</a:t>
+            </a:r>
+            <a:r>
               <a:rPr lang="en-US" altLang="zh-CN" sz="2800" b="1" dirty="0">
                 <a:solidFill>
                   <a:schemeClr val="bg1"/>
@@ -11004,9 +11131,19 @@
                 <a:latin typeface="Microsoft YaHei" panose="020B0503020204020204" pitchFamily="34" charset="-122"/>
                 <a:ea typeface="Microsoft YaHei" panose="020B0503020204020204" pitchFamily="34" charset="-122"/>
               </a:rPr>
-              <a:t>5.1</a:t>
-            </a:r>
-            <a:endParaRPr lang="en-US" altLang="zh-CN" sz="2800" b="1" dirty="0">
+              <a:t>.</a:t>
+            </a:r>
+            <a:r>
+              <a:rPr lang="en-CA" altLang="en-US" sz="2800" b="1" dirty="0">
+                <a:solidFill>
+                  <a:schemeClr val="bg1"/>
+                </a:solidFill>
+                <a:latin typeface="Microsoft YaHei" panose="020B0503020204020204" pitchFamily="34" charset="-122"/>
+                <a:ea typeface="Microsoft YaHei" panose="020B0503020204020204" pitchFamily="34" charset="-122"/>
+              </a:rPr>
+              <a:t>8</a:t>
+            </a:r>
+            <a:endParaRPr lang="en-CA" altLang="en-US" sz="2800" b="1" dirty="0">
               <a:solidFill>
                 <a:schemeClr val="bg1"/>
               </a:solidFill>
@@ -11622,9 +11759,19 @@
                   <a:latin typeface="Microsoft YaHei" panose="020B0503020204020204" pitchFamily="34" charset="-122"/>
                   <a:ea typeface="Microsoft YaHei" panose="020B0503020204020204" pitchFamily="34" charset="-122"/>
                 </a:rPr>
-                <a:t>05</a:t>
+                <a:t>0</a:t>
               </a:r>
-              <a:endParaRPr lang="en-US" altLang="zh-CN" sz="4400" b="1" dirty="0">
+              <a:r>
+                <a:rPr lang="en-CA" altLang="en-US" sz="4400" b="1" dirty="0">
+                  <a:solidFill>
+                    <a:schemeClr val="bg1"/>
+                  </a:solidFill>
+                  <a:latin typeface="Microsoft YaHei" panose="020B0503020204020204" pitchFamily="34" charset="-122"/>
+                  <a:ea typeface="Microsoft YaHei" panose="020B0503020204020204" pitchFamily="34" charset="-122"/>
+                </a:rPr>
+                <a:t>4</a:t>
+              </a:r>
+              <a:endParaRPr lang="en-CA" altLang="en-US" sz="4400" b="1" dirty="0">
                 <a:solidFill>
                   <a:schemeClr val="bg1"/>
                 </a:solidFill>
@@ -11821,16 +11968,16 @@
               <a:buFont typeface="Arial" panose="020B0604020202020204" pitchFamily="34" charset="0"/>
             </a:pPr>
             <a:r>
-              <a:rPr lang="en-US" altLang="zh-CN" sz="2800" b="1" dirty="0">
+              <a:rPr lang="en-CA" sz="2800" b="1" dirty="0">
                 <a:solidFill>
                   <a:schemeClr val="bg1"/>
                 </a:solidFill>
                 <a:latin typeface="Microsoft YaHei" panose="020B0503020204020204" pitchFamily="34" charset="-122"/>
                 <a:ea typeface="Microsoft YaHei" panose="020B0503020204020204" pitchFamily="34" charset="-122"/>
               </a:rPr>
-              <a:t>5.1</a:t>
-            </a:r>
-            <a:endParaRPr lang="en-US" altLang="zh-CN" sz="2800" b="1" dirty="0">
+              <a:t>4.1</a:t>
+            </a:r>
+            <a:endParaRPr lang="en-CA" sz="2800" b="1" dirty="0">
               <a:solidFill>
                 <a:schemeClr val="bg1"/>
               </a:solidFill>
@@ -12185,6 +12332,16 @@
               <a:buFont typeface="Arial" panose="020B0604020202020204" pitchFamily="34" charset="0"/>
             </a:pPr>
             <a:r>
+              <a:rPr lang="en-CA" altLang="en-US" sz="2800" b="1" dirty="0">
+                <a:solidFill>
+                  <a:schemeClr val="bg1"/>
+                </a:solidFill>
+                <a:latin typeface="Microsoft YaHei" panose="020B0503020204020204" pitchFamily="34" charset="-122"/>
+                <a:ea typeface="Microsoft YaHei" panose="020B0503020204020204" pitchFamily="34" charset="-122"/>
+              </a:rPr>
+              <a:t>4</a:t>
+            </a:r>
+            <a:r>
               <a:rPr lang="en-US" altLang="zh-CN" sz="2800" b="1" dirty="0">
                 <a:solidFill>
                   <a:schemeClr val="bg1"/>
@@ -12192,9 +12349,19 @@
                 <a:latin typeface="Microsoft YaHei" panose="020B0503020204020204" pitchFamily="34" charset="-122"/>
                 <a:ea typeface="Microsoft YaHei" panose="020B0503020204020204" pitchFamily="34" charset="-122"/>
               </a:rPr>
-              <a:t>5.1</a:t>
-            </a:r>
-            <a:endParaRPr lang="en-US" altLang="zh-CN" sz="2800" b="1" dirty="0">
+              <a:t>.</a:t>
+            </a:r>
+            <a:r>
+              <a:rPr lang="en-CA" altLang="en-US" sz="2800" b="1" dirty="0">
+                <a:solidFill>
+                  <a:schemeClr val="bg1"/>
+                </a:solidFill>
+                <a:latin typeface="Microsoft YaHei" panose="020B0503020204020204" pitchFamily="34" charset="-122"/>
+                <a:ea typeface="Microsoft YaHei" panose="020B0503020204020204" pitchFamily="34" charset="-122"/>
+              </a:rPr>
+              <a:t>2</a:t>
+            </a:r>
+            <a:endParaRPr lang="en-CA" altLang="en-US" sz="2800" b="1" dirty="0">
               <a:solidFill>
                 <a:schemeClr val="bg1"/>
               </a:solidFill>
@@ -12540,6 +12707,16 @@
               <a:buFont typeface="Arial" panose="020B0604020202020204" pitchFamily="34" charset="0"/>
             </a:pPr>
             <a:r>
+              <a:rPr lang="en-CA" altLang="en-US" sz="2800" b="1" dirty="0">
+                <a:solidFill>
+                  <a:schemeClr val="bg1"/>
+                </a:solidFill>
+                <a:latin typeface="Microsoft YaHei" panose="020B0503020204020204" pitchFamily="34" charset="-122"/>
+                <a:ea typeface="Microsoft YaHei" panose="020B0503020204020204" pitchFamily="34" charset="-122"/>
+              </a:rPr>
+              <a:t>4</a:t>
+            </a:r>
+            <a:r>
               <a:rPr lang="en-US" altLang="zh-CN" sz="2800" b="1" dirty="0">
                 <a:solidFill>
                   <a:schemeClr val="bg1"/>
@@ -12547,9 +12724,19 @@
                 <a:latin typeface="Microsoft YaHei" panose="020B0503020204020204" pitchFamily="34" charset="-122"/>
                 <a:ea typeface="Microsoft YaHei" panose="020B0503020204020204" pitchFamily="34" charset="-122"/>
               </a:rPr>
-              <a:t>5.2</a:t>
-            </a:r>
-            <a:endParaRPr lang="en-US" altLang="zh-CN" sz="2800" b="1" dirty="0">
+              <a:t>.</a:t>
+            </a:r>
+            <a:r>
+              <a:rPr lang="en-CA" altLang="en-US" sz="2800" b="1" dirty="0">
+                <a:solidFill>
+                  <a:schemeClr val="bg1"/>
+                </a:solidFill>
+                <a:latin typeface="Microsoft YaHei" panose="020B0503020204020204" pitchFamily="34" charset="-122"/>
+                <a:ea typeface="Microsoft YaHei" panose="020B0503020204020204" pitchFamily="34" charset="-122"/>
+              </a:rPr>
+              <a:t>3</a:t>
+            </a:r>
+            <a:endParaRPr lang="en-CA" altLang="en-US" sz="2800" b="1" dirty="0">
               <a:solidFill>
                 <a:schemeClr val="bg1"/>
               </a:solidFill>
@@ -14169,7 +14356,27 @@
                 <a:latin typeface="Microsoft YaHei" panose="020B0503020204020204" pitchFamily="34" charset="-122"/>
                 <a:ea typeface="Microsoft YaHei" panose="020B0503020204020204" pitchFamily="34" charset="-122"/>
               </a:rPr>
-              <a:t>Week3 Recap</a:t>
+              <a:t>Week</a:t>
+            </a:r>
+            <a:r>
+              <a:rPr lang="en-CA" altLang="en-US" sz="3200" b="1" dirty="0">
+                <a:solidFill>
+                  <a:schemeClr val="bg1"/>
+                </a:solidFill>
+                <a:latin typeface="Microsoft YaHei" panose="020B0503020204020204" pitchFamily="34" charset="-122"/>
+                <a:ea typeface="Microsoft YaHei" panose="020B0503020204020204" pitchFamily="34" charset="-122"/>
+              </a:rPr>
+              <a:t>5</a:t>
+            </a:r>
+            <a:r>
+              <a:rPr lang="en-US" altLang="zh-CN" sz="3200" b="1" dirty="0">
+                <a:solidFill>
+                  <a:schemeClr val="bg1"/>
+                </a:solidFill>
+                <a:latin typeface="Microsoft YaHei" panose="020B0503020204020204" pitchFamily="34" charset="-122"/>
+                <a:ea typeface="Microsoft YaHei" panose="020B0503020204020204" pitchFamily="34" charset="-122"/>
+              </a:rPr>
+              <a:t> Recap</a:t>
             </a:r>
             <a:endParaRPr lang="en-US" altLang="zh-CN" sz="3200" b="1" dirty="0">
               <a:solidFill>
@@ -16788,9 +16995,19 @@
                 <a:latin typeface="Microsoft YaHei" panose="020B0503020204020204" pitchFamily="34" charset="-122"/>
                 <a:ea typeface="Microsoft YaHei" panose="020B0503020204020204" pitchFamily="34" charset="-122"/>
               </a:rPr>
-              <a:t>2.1</a:t>
-            </a:r>
-            <a:endParaRPr lang="en-US" altLang="zh-CN" sz="2800" b="1" dirty="0">
+              <a:t>2.</a:t>
+            </a:r>
+            <a:r>
+              <a:rPr lang="en-CA" altLang="en-US" sz="2800" b="1" dirty="0">
+                <a:solidFill>
+                  <a:schemeClr val="bg1"/>
+                </a:solidFill>
+                <a:latin typeface="Microsoft YaHei" panose="020B0503020204020204" pitchFamily="34" charset="-122"/>
+                <a:ea typeface="Microsoft YaHei" panose="020B0503020204020204" pitchFamily="34" charset="-122"/>
+              </a:rPr>
+              <a:t>2</a:t>
+            </a:r>
+            <a:endParaRPr lang="en-CA" altLang="en-US" sz="2800" b="1" dirty="0">
               <a:solidFill>
                 <a:schemeClr val="bg1"/>
               </a:solidFill>
